--- a/개발 진행 정리/개발진행 방향-20.08.02.pptx
+++ b/개발 진행 정리/개발진행 방향-20.08.02.pptx
@@ -12,10 +12,11 @@
     <p:sldId id="259" r:id="rId6"/>
     <p:sldId id="410" r:id="rId7"/>
     <p:sldId id="260" r:id="rId8"/>
-    <p:sldId id="412" r:id="rId9"/>
+    <p:sldId id="416" r:id="rId9"/>
     <p:sldId id="413" r:id="rId10"/>
-    <p:sldId id="414" r:id="rId11"/>
-    <p:sldId id="415" r:id="rId12"/>
+    <p:sldId id="417" r:id="rId11"/>
+    <p:sldId id="414" r:id="rId12"/>
+    <p:sldId id="415" r:id="rId13"/>
   </p:sldIdLst>
   <p:sldSz cx="12192000" cy="6858000"/>
   <p:notesSz cx="6858000" cy="9144000"/>
@@ -3776,6 +3777,4659 @@
               <a:t>: </a:t>
             </a:r>
             <a:r>
+              <a:rPr lang="ko-KR" altLang="en-US" b="1" dirty="0" err="1"/>
+              <a:t>위험지</a:t>
+            </a:r>
+            <a:r>
+              <a:rPr lang="ko-KR" altLang="en-US" b="1" dirty="0"/>
+              <a:t> 확인</a:t>
+            </a:r>
+            <a:endParaRPr lang="en-US" altLang="ko-KR" b="1" dirty="0"/>
+          </a:p>
+          <a:p>
+            <a:r>
+              <a:rPr lang="ko-KR" altLang="en-US" sz="1800" dirty="0"/>
+              <a:t> </a:t>
+            </a:r>
+            <a:r>
+              <a:rPr lang="en-US" altLang="ko-KR" sz="1800" dirty="0"/>
+              <a:t>- </a:t>
+            </a:r>
+            <a:r>
+              <a:rPr lang="ko-KR" altLang="en-US" sz="1800" dirty="0"/>
+              <a:t>스토리보드</a:t>
+            </a:r>
+          </a:p>
+        </p:txBody>
+      </p:sp>
+      <p:sp>
+        <p:nvSpPr>
+          <p:cNvPr id="159" name="화살표: 갈매기형 수장 158">
+            <a:extLst>
+              <a:ext uri="{FF2B5EF4-FFF2-40B4-BE49-F238E27FC236}">
+                <a16:creationId xmlns:a16="http://schemas.microsoft.com/office/drawing/2014/main" id="{9B378C6B-0196-4ACD-A3EE-03C5CEF9D7A2}"/>
+              </a:ext>
+            </a:extLst>
+          </p:cNvPr>
+          <p:cNvSpPr/>
+          <p:nvPr/>
+        </p:nvSpPr>
+        <p:spPr>
+          <a:xfrm rot="16200000" flipV="1">
+            <a:off x="75183" y="249753"/>
+            <a:ext cx="528060" cy="341182"/>
+          </a:xfrm>
+          <a:prstGeom prst="chevron">
+            <a:avLst/>
+          </a:prstGeom>
+          <a:solidFill>
+            <a:schemeClr val="accent2"/>
+          </a:solidFill>
+          <a:ln>
+            <a:noFill/>
+          </a:ln>
+        </p:spPr>
+        <p:style>
+          <a:lnRef idx="2">
+            <a:schemeClr val="accent1">
+              <a:shade val="50000"/>
+            </a:schemeClr>
+          </a:lnRef>
+          <a:fillRef idx="1">
+            <a:schemeClr val="accent1"/>
+          </a:fillRef>
+          <a:effectRef idx="0">
+            <a:schemeClr val="accent1"/>
+          </a:effectRef>
+          <a:fontRef idx="minor">
+            <a:schemeClr val="lt1"/>
+          </a:fontRef>
+        </p:style>
+        <p:txBody>
+          <a:bodyPr rtlCol="0" anchor="ctr"/>
+          <a:lstStyle/>
+          <a:p>
+            <a:pPr algn="ctr"/>
+            <a:endParaRPr lang="ko-KR" altLang="en-US">
+              <a:solidFill>
+                <a:schemeClr val="tx1"/>
+              </a:solidFill>
+            </a:endParaRPr>
+          </a:p>
+        </p:txBody>
+      </p:sp>
+      <p:sp>
+        <p:nvSpPr>
+          <p:cNvPr id="160" name="직사각형 159">
+            <a:extLst>
+              <a:ext uri="{FF2B5EF4-FFF2-40B4-BE49-F238E27FC236}">
+                <a16:creationId xmlns:a16="http://schemas.microsoft.com/office/drawing/2014/main" id="{5FCBD15E-2E15-4C44-91DE-CDFB812EE6A3}"/>
+              </a:ext>
+            </a:extLst>
+          </p:cNvPr>
+          <p:cNvSpPr/>
+          <p:nvPr/>
+        </p:nvSpPr>
+        <p:spPr>
+          <a:xfrm>
+            <a:off x="168428" y="1"/>
+            <a:ext cx="341184" cy="385894"/>
+          </a:xfrm>
+          <a:prstGeom prst="rect">
+            <a:avLst/>
+          </a:prstGeom>
+          <a:solidFill>
+            <a:schemeClr val="accent2"/>
+          </a:solidFill>
+          <a:ln>
+            <a:noFill/>
+          </a:ln>
+        </p:spPr>
+        <p:style>
+          <a:lnRef idx="2">
+            <a:schemeClr val="accent1">
+              <a:shade val="50000"/>
+            </a:schemeClr>
+          </a:lnRef>
+          <a:fillRef idx="1">
+            <a:schemeClr val="accent1"/>
+          </a:fillRef>
+          <a:effectRef idx="0">
+            <a:schemeClr val="accent1"/>
+          </a:effectRef>
+          <a:fontRef idx="minor">
+            <a:schemeClr val="lt1"/>
+          </a:fontRef>
+        </p:style>
+        <p:txBody>
+          <a:bodyPr rtlCol="0" anchor="ctr"/>
+          <a:lstStyle/>
+          <a:p>
+            <a:pPr algn="ctr"/>
+            <a:endParaRPr lang="ko-KR" altLang="en-US"/>
+          </a:p>
+        </p:txBody>
+      </p:sp>
+      <p:graphicFrame>
+        <p:nvGraphicFramePr>
+          <p:cNvPr id="2" name="표 1">
+            <a:extLst>
+              <a:ext uri="{FF2B5EF4-FFF2-40B4-BE49-F238E27FC236}">
+                <a16:creationId xmlns:a16="http://schemas.microsoft.com/office/drawing/2014/main" id="{917635A0-B610-4F25-BA37-61280120DE4E}"/>
+              </a:ext>
+            </a:extLst>
+          </p:cNvPr>
+          <p:cNvGraphicFramePr>
+            <a:graphicFrameLocks noGrp="1"/>
+          </p:cNvGraphicFramePr>
+          <p:nvPr>
+            <p:extLst>
+              <p:ext uri="{D42A27DB-BD31-4B8C-83A1-F6EECF244321}">
+                <p14:modId xmlns:p14="http://schemas.microsoft.com/office/powerpoint/2010/main" val="773011999"/>
+              </p:ext>
+            </p:extLst>
+          </p:nvPr>
+        </p:nvGraphicFramePr>
+        <p:xfrm>
+          <a:off x="8196728" y="0"/>
+          <a:ext cx="3995272" cy="6728665"/>
+        </p:xfrm>
+        <a:graphic>
+          <a:graphicData uri="http://schemas.openxmlformats.org/drawingml/2006/table">
+            <a:tbl>
+              <a:tblPr firstRow="1" bandRow="1">
+                <a:tableStyleId>{5C22544A-7EE6-4342-B048-85BDC9FD1C3A}</a:tableStyleId>
+              </a:tblPr>
+              <a:tblGrid>
+                <a:gridCol w="446539">
+                  <a:extLst>
+                    <a:ext uri="{9D8B030D-6E8A-4147-A177-3AD203B41FA5}">
+                      <a16:colId xmlns:a16="http://schemas.microsoft.com/office/drawing/2014/main" val="20000"/>
+                    </a:ext>
+                  </a:extLst>
+                </a:gridCol>
+                <a:gridCol w="3548733">
+                  <a:extLst>
+                    <a:ext uri="{9D8B030D-6E8A-4147-A177-3AD203B41FA5}">
+                      <a16:colId xmlns:a16="http://schemas.microsoft.com/office/drawing/2014/main" val="20001"/>
+                    </a:ext>
+                  </a:extLst>
+                </a:gridCol>
+              </a:tblGrid>
+              <a:tr h="244354">
+                <a:tc gridSpan="2">
+                  <a:txBody>
+                    <a:bodyPr/>
+                    <a:lstStyle/>
+                    <a:p>
+                      <a:pPr algn="ctr" latinLnBrk="1">
+                        <a:lnSpc>
+                          <a:spcPct val="150000"/>
+                        </a:lnSpc>
+                      </a:pPr>
+                      <a:r>
+                        <a:rPr lang="en-US" altLang="ko-KR" sz="600" b="0" dirty="0">
+                          <a:solidFill>
+                            <a:schemeClr val="tx1">
+                              <a:lumMod val="50000"/>
+                              <a:lumOff val="50000"/>
+                            </a:schemeClr>
+                          </a:solidFill>
+                          <a:latin typeface="나눔고딕" panose="020D0604000000000000" pitchFamily="50" charset="-127"/>
+                          <a:ea typeface="나눔고딕" panose="020D0604000000000000" pitchFamily="50" charset="-127"/>
+                        </a:rPr>
+                        <a:t>DEVELOP</a:t>
+                      </a:r>
+                      <a:r>
+                        <a:rPr lang="en-US" altLang="ko-KR" sz="600" b="0" baseline="0" dirty="0">
+                          <a:solidFill>
+                            <a:schemeClr val="tx1">
+                              <a:lumMod val="50000"/>
+                              <a:lumOff val="50000"/>
+                            </a:schemeClr>
+                          </a:solidFill>
+                          <a:latin typeface="나눔고딕" panose="020D0604000000000000" pitchFamily="50" charset="-127"/>
+                          <a:ea typeface="나눔고딕" panose="020D0604000000000000" pitchFamily="50" charset="-127"/>
+                        </a:rPr>
+                        <a:t> Description</a:t>
+                      </a:r>
+                      <a:endParaRPr lang="ko-KR" altLang="en-US" sz="600" b="0" dirty="0">
+                        <a:solidFill>
+                          <a:schemeClr val="tx1">
+                            <a:lumMod val="50000"/>
+                            <a:lumOff val="50000"/>
+                          </a:schemeClr>
+                        </a:solidFill>
+                        <a:latin typeface="나눔고딕" panose="020D0604000000000000" pitchFamily="50" charset="-127"/>
+                        <a:ea typeface="나눔고딕" panose="020D0604000000000000" pitchFamily="50" charset="-127"/>
+                      </a:endParaRPr>
+                    </a:p>
+                  </a:txBody>
+                  <a:tcPr marT="0" marB="0" anchor="ctr">
+                    <a:lnL w="3175" cap="flat" cmpd="sng" algn="ctr">
+                      <a:noFill/>
+                      <a:prstDash val="solid"/>
+                      <a:round/>
+                      <a:headEnd type="none" w="med" len="med"/>
+                      <a:tailEnd type="none" w="med" len="med"/>
+                    </a:lnL>
+                    <a:lnR w="3175" cap="flat" cmpd="sng" algn="ctr">
+                      <a:noFill/>
+                      <a:prstDash val="solid"/>
+                      <a:round/>
+                      <a:headEnd type="none" w="med" len="med"/>
+                      <a:tailEnd type="none" w="med" len="med"/>
+                    </a:lnR>
+                    <a:lnT w="3175" cap="flat" cmpd="sng" algn="ctr">
+                      <a:noFill/>
+                      <a:prstDash val="solid"/>
+                      <a:round/>
+                      <a:headEnd type="none" w="med" len="med"/>
+                      <a:tailEnd type="none" w="med" len="med"/>
+                    </a:lnT>
+                    <a:lnB w="3175" cap="flat" cmpd="sng" algn="ctr">
+                      <a:solidFill>
+                        <a:schemeClr val="bg1">
+                          <a:lumMod val="75000"/>
+                        </a:schemeClr>
+                      </a:solidFill>
+                      <a:prstDash val="solid"/>
+                      <a:round/>
+                      <a:headEnd type="none" w="med" len="med"/>
+                      <a:tailEnd type="none" w="med" len="med"/>
+                    </a:lnB>
+                    <a:lnTlToBr w="12700" cmpd="sng">
+                      <a:noFill/>
+                      <a:prstDash val="solid"/>
+                    </a:lnTlToBr>
+                    <a:lnBlToTr w="12700" cmpd="sng">
+                      <a:noFill/>
+                      <a:prstDash val="solid"/>
+                    </a:lnBlToTr>
+                    <a:solidFill>
+                      <a:schemeClr val="bg1">
+                        <a:lumMod val="95000"/>
+                      </a:schemeClr>
+                    </a:solidFill>
+                  </a:tcPr>
+                </a:tc>
+                <a:tc hMerge="1">
+                  <a:txBody>
+                    <a:bodyPr/>
+                    <a:lstStyle/>
+                    <a:p>
+                      <a:pPr latinLnBrk="1">
+                        <a:lnSpc>
+                          <a:spcPct val="150000"/>
+                        </a:lnSpc>
+                      </a:pPr>
+                      <a:endParaRPr lang="ko-KR" altLang="en-US" sz="700" b="0" dirty="0">
+                        <a:solidFill>
+                          <a:schemeClr val="tx1">
+                            <a:lumMod val="50000"/>
+                            <a:lumOff val="50000"/>
+                          </a:schemeClr>
+                        </a:solidFill>
+                        <a:latin typeface="나눔고딕" panose="020D0604000000000000" pitchFamily="50" charset="-127"/>
+                        <a:ea typeface="나눔고딕" panose="020D0604000000000000" pitchFamily="50" charset="-127"/>
+                      </a:endParaRPr>
+                    </a:p>
+                  </a:txBody>
+                  <a:tcPr anchor="ctr">
+                    <a:lnL w="3175" cap="flat" cmpd="sng" algn="ctr">
+                      <a:solidFill>
+                        <a:schemeClr val="bg1">
+                          <a:lumMod val="50000"/>
+                        </a:schemeClr>
+                      </a:solidFill>
+                      <a:prstDash val="solid"/>
+                      <a:round/>
+                      <a:headEnd type="none" w="med" len="med"/>
+                      <a:tailEnd type="none" w="med" len="med"/>
+                    </a:lnL>
+                    <a:lnR w="3175" cap="flat" cmpd="sng" algn="ctr">
+                      <a:solidFill>
+                        <a:schemeClr val="bg1">
+                          <a:lumMod val="50000"/>
+                        </a:schemeClr>
+                      </a:solidFill>
+                      <a:prstDash val="solid"/>
+                      <a:round/>
+                      <a:headEnd type="none" w="med" len="med"/>
+                      <a:tailEnd type="none" w="med" len="med"/>
+                    </a:lnR>
+                    <a:lnT w="3175" cap="flat" cmpd="sng" algn="ctr">
+                      <a:solidFill>
+                        <a:schemeClr val="bg1">
+                          <a:lumMod val="50000"/>
+                        </a:schemeClr>
+                      </a:solidFill>
+                      <a:prstDash val="solid"/>
+                      <a:round/>
+                      <a:headEnd type="none" w="med" len="med"/>
+                      <a:tailEnd type="none" w="med" len="med"/>
+                    </a:lnT>
+                    <a:lnB w="3175" cap="flat" cmpd="sng" algn="ctr">
+                      <a:solidFill>
+                        <a:schemeClr val="bg1">
+                          <a:lumMod val="50000"/>
+                        </a:schemeClr>
+                      </a:solidFill>
+                      <a:prstDash val="solid"/>
+                      <a:round/>
+                      <a:headEnd type="none" w="med" len="med"/>
+                      <a:tailEnd type="none" w="med" len="med"/>
+                    </a:lnB>
+                    <a:lnTlToBr w="12700" cmpd="sng">
+                      <a:noFill/>
+                      <a:prstDash val="solid"/>
+                    </a:lnTlToBr>
+                    <a:lnBlToTr w="12700" cmpd="sng">
+                      <a:noFill/>
+                      <a:prstDash val="solid"/>
+                    </a:lnBlToTr>
+                    <a:solidFill>
+                      <a:srgbClr val="C7A1E3"/>
+                    </a:solidFill>
+                  </a:tcPr>
+                </a:tc>
+                <a:extLst>
+                  <a:ext uri="{0D108BD9-81ED-4DB2-BD59-A6C34878D82A}">
+                    <a16:rowId xmlns:a16="http://schemas.microsoft.com/office/drawing/2014/main" val="10000"/>
+                  </a:ext>
+                </a:extLst>
+              </a:tr>
+              <a:tr h="699191">
+                <a:tc>
+                  <a:txBody>
+                    <a:bodyPr/>
+                    <a:lstStyle/>
+                    <a:p>
+                      <a:pPr algn="ctr" latinLnBrk="1">
+                        <a:lnSpc>
+                          <a:spcPct val="150000"/>
+                        </a:lnSpc>
+                      </a:pPr>
+                      <a:r>
+                        <a:rPr lang="en-US" altLang="ko-KR" sz="700" b="0" dirty="0">
+                          <a:solidFill>
+                            <a:schemeClr val="tx1">
+                              <a:lumMod val="50000"/>
+                              <a:lumOff val="50000"/>
+                            </a:schemeClr>
+                          </a:solidFill>
+                          <a:latin typeface="나눔고딕" panose="020D0604000000000000" pitchFamily="50" charset="-127"/>
+                          <a:ea typeface="나눔고딕" panose="020D0604000000000000" pitchFamily="50" charset="-127"/>
+                        </a:rPr>
+                        <a:t>1</a:t>
+                      </a:r>
+                      <a:endParaRPr lang="ko-KR" altLang="en-US" sz="700" b="0" dirty="0">
+                        <a:solidFill>
+                          <a:schemeClr val="tx1">
+                            <a:lumMod val="50000"/>
+                            <a:lumOff val="50000"/>
+                          </a:schemeClr>
+                        </a:solidFill>
+                        <a:latin typeface="나눔고딕" panose="020D0604000000000000" pitchFamily="50" charset="-127"/>
+                        <a:ea typeface="나눔고딕" panose="020D0604000000000000" pitchFamily="50" charset="-127"/>
+                      </a:endParaRPr>
+                    </a:p>
+                  </a:txBody>
+                  <a:tcPr anchor="ctr">
+                    <a:lnL w="3175" cap="flat" cmpd="sng" algn="ctr">
+                      <a:noFill/>
+                      <a:prstDash val="solid"/>
+                      <a:round/>
+                      <a:headEnd type="none" w="med" len="med"/>
+                      <a:tailEnd type="none" w="med" len="med"/>
+                    </a:lnL>
+                    <a:lnR w="3175" cap="flat" cmpd="sng" algn="ctr">
+                      <a:solidFill>
+                        <a:schemeClr val="bg1">
+                          <a:lumMod val="75000"/>
+                        </a:schemeClr>
+                      </a:solidFill>
+                      <a:prstDash val="solid"/>
+                      <a:round/>
+                      <a:headEnd type="none" w="med" len="med"/>
+                      <a:tailEnd type="none" w="med" len="med"/>
+                    </a:lnR>
+                    <a:lnT w="3175" cap="flat" cmpd="sng" algn="ctr">
+                      <a:solidFill>
+                        <a:schemeClr val="bg1">
+                          <a:lumMod val="75000"/>
+                        </a:schemeClr>
+                      </a:solidFill>
+                      <a:prstDash val="solid"/>
+                      <a:round/>
+                      <a:headEnd type="none" w="med" len="med"/>
+                      <a:tailEnd type="none" w="med" len="med"/>
+                    </a:lnT>
+                    <a:lnB w="3175" cap="flat" cmpd="sng" algn="ctr">
+                      <a:solidFill>
+                        <a:schemeClr val="bg1">
+                          <a:lumMod val="75000"/>
+                        </a:schemeClr>
+                      </a:solidFill>
+                      <a:prstDash val="solid"/>
+                      <a:round/>
+                      <a:headEnd type="none" w="med" len="med"/>
+                      <a:tailEnd type="none" w="med" len="med"/>
+                    </a:lnB>
+                    <a:lnTlToBr w="12700" cmpd="sng">
+                      <a:noFill/>
+                      <a:prstDash val="solid"/>
+                    </a:lnTlToBr>
+                    <a:lnBlToTr w="12700" cmpd="sng">
+                      <a:noFill/>
+                      <a:prstDash val="solid"/>
+                    </a:lnBlToTr>
+                    <a:noFill/>
+                  </a:tcPr>
+                </a:tc>
+                <a:tc>
+                  <a:txBody>
+                    <a:bodyPr/>
+                    <a:lstStyle/>
+                    <a:p>
+                      <a:pPr marL="0" indent="0">
+                        <a:lnSpc>
+                          <a:spcPct val="150000"/>
+                        </a:lnSpc>
+                        <a:buClr>
+                          <a:srgbClr val="FF0000"/>
+                        </a:buClr>
+                        <a:buFont typeface="+mj-ea"/>
+                        <a:buNone/>
+                      </a:pPr>
+                      <a:r>
+                        <a:rPr lang="ko-KR" altLang="en-US" sz="1000" dirty="0">
+                          <a:solidFill>
+                            <a:schemeClr val="tx1">
+                              <a:lumMod val="50000"/>
+                              <a:lumOff val="50000"/>
+                            </a:schemeClr>
+                          </a:solidFill>
+                          <a:latin typeface="나눔고딕" panose="020D0604000000000000" pitchFamily="50" charset="-127"/>
+                          <a:ea typeface="나눔고딕" panose="020D0604000000000000" pitchFamily="50" charset="-127"/>
+                          <a:sym typeface="Wingdings" panose="05000000000000000000" pitchFamily="2" charset="2"/>
+                        </a:rPr>
+                        <a:t>이미지 없는 경우 </a:t>
+                      </a:r>
+                      <a:r>
+                        <a:rPr lang="en-US" altLang="ko-KR" sz="1000" dirty="0">
+                          <a:solidFill>
+                            <a:schemeClr val="tx1">
+                              <a:lumMod val="50000"/>
+                              <a:lumOff val="50000"/>
+                            </a:schemeClr>
+                          </a:solidFill>
+                          <a:latin typeface="나눔고딕" panose="020D0604000000000000" pitchFamily="50" charset="-127"/>
+                          <a:ea typeface="나눔고딕" panose="020D0604000000000000" pitchFamily="50" charset="-127"/>
+                          <a:sym typeface="Wingdings" panose="05000000000000000000" pitchFamily="2" charset="2"/>
+                        </a:rPr>
+                        <a:t>: </a:t>
+                      </a:r>
+                      <a:r>
+                        <a:rPr lang="ko-KR" altLang="en-US" sz="1000" dirty="0">
+                          <a:solidFill>
+                            <a:schemeClr val="tx1">
+                              <a:lumMod val="50000"/>
+                              <a:lumOff val="50000"/>
+                            </a:schemeClr>
+                          </a:solidFill>
+                          <a:latin typeface="나눔고딕" panose="020D0604000000000000" pitchFamily="50" charset="-127"/>
+                          <a:ea typeface="나눔고딕" panose="020D0604000000000000" pitchFamily="50" charset="-127"/>
+                          <a:sym typeface="Wingdings" panose="05000000000000000000" pitchFamily="2" charset="2"/>
+                        </a:rPr>
+                        <a:t>사각형 부분 전체가 사진 추가 기능</a:t>
+                      </a:r>
+                      <a:endParaRPr lang="en-US" altLang="ko-KR" sz="1000" dirty="0">
+                        <a:solidFill>
+                          <a:schemeClr val="tx1">
+                            <a:lumMod val="50000"/>
+                            <a:lumOff val="50000"/>
+                          </a:schemeClr>
+                        </a:solidFill>
+                        <a:latin typeface="나눔고딕" panose="020D0604000000000000" pitchFamily="50" charset="-127"/>
+                        <a:ea typeface="나눔고딕" panose="020D0604000000000000" pitchFamily="50" charset="-127"/>
+                        <a:sym typeface="Wingdings" panose="05000000000000000000" pitchFamily="2" charset="2"/>
+                      </a:endParaRPr>
+                    </a:p>
+                    <a:p>
+                      <a:pPr marL="0" indent="0">
+                        <a:lnSpc>
+                          <a:spcPct val="150000"/>
+                        </a:lnSpc>
+                        <a:buClr>
+                          <a:srgbClr val="FF0000"/>
+                        </a:buClr>
+                        <a:buFont typeface="+mj-ea"/>
+                        <a:buNone/>
+                      </a:pPr>
+                      <a:r>
+                        <a:rPr lang="ko-KR" altLang="en-US" sz="1000" dirty="0">
+                          <a:solidFill>
+                            <a:schemeClr val="tx1">
+                              <a:lumMod val="50000"/>
+                              <a:lumOff val="50000"/>
+                            </a:schemeClr>
+                          </a:solidFill>
+                          <a:latin typeface="나눔고딕" panose="020D0604000000000000" pitchFamily="50" charset="-127"/>
+                          <a:ea typeface="나눔고딕" panose="020D0604000000000000" pitchFamily="50" charset="-127"/>
+                          <a:sym typeface="Wingdings" panose="05000000000000000000" pitchFamily="2" charset="2"/>
+                        </a:rPr>
+                        <a:t>이미지가 있는 경우 </a:t>
+                      </a:r>
+                      <a:r>
+                        <a:rPr lang="en-US" altLang="ko-KR" sz="1000" dirty="0">
+                          <a:solidFill>
+                            <a:schemeClr val="tx1">
+                              <a:lumMod val="50000"/>
+                              <a:lumOff val="50000"/>
+                            </a:schemeClr>
+                          </a:solidFill>
+                          <a:latin typeface="나눔고딕" panose="020D0604000000000000" pitchFamily="50" charset="-127"/>
+                          <a:ea typeface="나눔고딕" panose="020D0604000000000000" pitchFamily="50" charset="-127"/>
+                          <a:sym typeface="Wingdings" panose="05000000000000000000" pitchFamily="2" charset="2"/>
+                        </a:rPr>
+                        <a:t>: </a:t>
+                      </a:r>
+                      <a:r>
+                        <a:rPr lang="ko-KR" altLang="en-US" sz="1000" dirty="0">
+                          <a:solidFill>
+                            <a:schemeClr val="tx1">
+                              <a:lumMod val="50000"/>
+                              <a:lumOff val="50000"/>
+                            </a:schemeClr>
+                          </a:solidFill>
+                          <a:latin typeface="나눔고딕" panose="020D0604000000000000" pitchFamily="50" charset="-127"/>
+                          <a:ea typeface="나눔고딕" panose="020D0604000000000000" pitchFamily="50" charset="-127"/>
+                          <a:sym typeface="Wingdings" panose="05000000000000000000" pitchFamily="2" charset="2"/>
+                        </a:rPr>
+                        <a:t>원형부분으로 사진 추가 가능</a:t>
+                      </a:r>
+                      <a:endParaRPr lang="en-US" altLang="ko-KR" sz="1000" dirty="0">
+                        <a:solidFill>
+                          <a:schemeClr val="tx1">
+                            <a:lumMod val="50000"/>
+                            <a:lumOff val="50000"/>
+                          </a:schemeClr>
+                        </a:solidFill>
+                        <a:latin typeface="나눔고딕" panose="020D0604000000000000" pitchFamily="50" charset="-127"/>
+                        <a:ea typeface="나눔고딕" panose="020D0604000000000000" pitchFamily="50" charset="-127"/>
+                        <a:sym typeface="Wingdings" panose="05000000000000000000" pitchFamily="2" charset="2"/>
+                      </a:endParaRPr>
+                    </a:p>
+                  </a:txBody>
+                  <a:tcPr anchor="ctr">
+                    <a:lnL w="3175" cap="flat" cmpd="sng" algn="ctr">
+                      <a:solidFill>
+                        <a:schemeClr val="bg1">
+                          <a:lumMod val="75000"/>
+                        </a:schemeClr>
+                      </a:solidFill>
+                      <a:prstDash val="solid"/>
+                      <a:round/>
+                      <a:headEnd type="none" w="med" len="med"/>
+                      <a:tailEnd type="none" w="med" len="med"/>
+                    </a:lnL>
+                    <a:lnR w="3175" cap="flat" cmpd="sng" algn="ctr">
+                      <a:noFill/>
+                      <a:prstDash val="solid"/>
+                      <a:round/>
+                      <a:headEnd type="none" w="med" len="med"/>
+                      <a:tailEnd type="none" w="med" len="med"/>
+                    </a:lnR>
+                    <a:lnT w="3175" cap="flat" cmpd="sng" algn="ctr">
+                      <a:solidFill>
+                        <a:schemeClr val="bg1">
+                          <a:lumMod val="75000"/>
+                        </a:schemeClr>
+                      </a:solidFill>
+                      <a:prstDash val="solid"/>
+                      <a:round/>
+                      <a:headEnd type="none" w="med" len="med"/>
+                      <a:tailEnd type="none" w="med" len="med"/>
+                    </a:lnT>
+                    <a:lnB w="3175" cap="flat" cmpd="sng" algn="ctr">
+                      <a:solidFill>
+                        <a:schemeClr val="bg1">
+                          <a:lumMod val="75000"/>
+                        </a:schemeClr>
+                      </a:solidFill>
+                      <a:prstDash val="solid"/>
+                      <a:round/>
+                      <a:headEnd type="none" w="med" len="med"/>
+                      <a:tailEnd type="none" w="med" len="med"/>
+                    </a:lnB>
+                    <a:lnTlToBr w="12700" cmpd="sng">
+                      <a:noFill/>
+                      <a:prstDash val="solid"/>
+                    </a:lnTlToBr>
+                    <a:lnBlToTr w="12700" cmpd="sng">
+                      <a:noFill/>
+                      <a:prstDash val="solid"/>
+                    </a:lnBlToTr>
+                    <a:noFill/>
+                  </a:tcPr>
+                </a:tc>
+                <a:extLst>
+                  <a:ext uri="{0D108BD9-81ED-4DB2-BD59-A6C34878D82A}">
+                    <a16:rowId xmlns:a16="http://schemas.microsoft.com/office/drawing/2014/main" val="10001"/>
+                  </a:ext>
+                </a:extLst>
+              </a:tr>
+              <a:tr h="496806">
+                <a:tc>
+                  <a:txBody>
+                    <a:bodyPr/>
+                    <a:lstStyle/>
+                    <a:p>
+                      <a:pPr algn="ctr" latinLnBrk="1">
+                        <a:lnSpc>
+                          <a:spcPct val="150000"/>
+                        </a:lnSpc>
+                      </a:pPr>
+                      <a:r>
+                        <a:rPr lang="en-US" altLang="ko-KR" sz="700" b="0" dirty="0">
+                          <a:solidFill>
+                            <a:schemeClr val="tx1">
+                              <a:lumMod val="50000"/>
+                              <a:lumOff val="50000"/>
+                            </a:schemeClr>
+                          </a:solidFill>
+                          <a:latin typeface="나눔고딕" panose="020D0604000000000000" pitchFamily="50" charset="-127"/>
+                          <a:ea typeface="나눔고딕" panose="020D0604000000000000" pitchFamily="50" charset="-127"/>
+                        </a:rPr>
+                        <a:t>2</a:t>
+                      </a:r>
+                      <a:endParaRPr lang="ko-KR" altLang="en-US" sz="700" b="0" dirty="0">
+                        <a:solidFill>
+                          <a:schemeClr val="tx1">
+                            <a:lumMod val="50000"/>
+                            <a:lumOff val="50000"/>
+                          </a:schemeClr>
+                        </a:solidFill>
+                        <a:latin typeface="나눔고딕" panose="020D0604000000000000" pitchFamily="50" charset="-127"/>
+                        <a:ea typeface="나눔고딕" panose="020D0604000000000000" pitchFamily="50" charset="-127"/>
+                      </a:endParaRPr>
+                    </a:p>
+                  </a:txBody>
+                  <a:tcPr anchor="ctr">
+                    <a:lnL w="3175" cap="flat" cmpd="sng" algn="ctr">
+                      <a:noFill/>
+                      <a:prstDash val="solid"/>
+                      <a:round/>
+                      <a:headEnd type="none" w="med" len="med"/>
+                      <a:tailEnd type="none" w="med" len="med"/>
+                    </a:lnL>
+                    <a:lnR w="3175" cap="flat" cmpd="sng" algn="ctr">
+                      <a:solidFill>
+                        <a:schemeClr val="bg1">
+                          <a:lumMod val="75000"/>
+                        </a:schemeClr>
+                      </a:solidFill>
+                      <a:prstDash val="solid"/>
+                      <a:round/>
+                      <a:headEnd type="none" w="med" len="med"/>
+                      <a:tailEnd type="none" w="med" len="med"/>
+                    </a:lnR>
+                    <a:lnT w="3175" cap="flat" cmpd="sng" algn="ctr">
+                      <a:solidFill>
+                        <a:schemeClr val="bg1">
+                          <a:lumMod val="75000"/>
+                        </a:schemeClr>
+                      </a:solidFill>
+                      <a:prstDash val="solid"/>
+                      <a:round/>
+                      <a:headEnd type="none" w="med" len="med"/>
+                      <a:tailEnd type="none" w="med" len="med"/>
+                    </a:lnT>
+                    <a:lnB w="3175" cap="flat" cmpd="sng" algn="ctr">
+                      <a:solidFill>
+                        <a:schemeClr val="bg1">
+                          <a:lumMod val="75000"/>
+                        </a:schemeClr>
+                      </a:solidFill>
+                      <a:prstDash val="solid"/>
+                      <a:round/>
+                      <a:headEnd type="none" w="med" len="med"/>
+                      <a:tailEnd type="none" w="med" len="med"/>
+                    </a:lnB>
+                    <a:lnTlToBr w="12700" cmpd="sng">
+                      <a:noFill/>
+                      <a:prstDash val="solid"/>
+                    </a:lnTlToBr>
+                    <a:lnBlToTr w="12700" cmpd="sng">
+                      <a:noFill/>
+                      <a:prstDash val="solid"/>
+                    </a:lnBlToTr>
+                    <a:noFill/>
+                  </a:tcPr>
+                </a:tc>
+                <a:tc>
+                  <a:txBody>
+                    <a:bodyPr/>
+                    <a:lstStyle/>
+                    <a:p>
+                      <a:pPr latinLnBrk="1">
+                        <a:lnSpc>
+                          <a:spcPct val="150000"/>
+                        </a:lnSpc>
+                      </a:pPr>
+                      <a:r>
+                        <a:rPr lang="ko-KR" altLang="en-US" sz="1000" dirty="0">
+                          <a:solidFill>
+                            <a:schemeClr val="tx1">
+                              <a:lumMod val="50000"/>
+                              <a:lumOff val="50000"/>
+                            </a:schemeClr>
+                          </a:solidFill>
+                          <a:latin typeface="나눔고딕" panose="020D0604000000000000" pitchFamily="50" charset="-127"/>
+                          <a:ea typeface="나눔고딕" panose="020D0604000000000000" pitchFamily="50" charset="-127"/>
+                          <a:sym typeface="Wingdings" panose="05000000000000000000" pitchFamily="2" charset="2"/>
+                        </a:rPr>
+                        <a:t>좌측 슬라이드 형식으로 전체 주소가 보였으면 좋겠음</a:t>
+                      </a:r>
+                      <a:endParaRPr lang="en-US" altLang="ko-KR" sz="1000" dirty="0">
+                        <a:solidFill>
+                          <a:schemeClr val="tx1">
+                            <a:lumMod val="50000"/>
+                            <a:lumOff val="50000"/>
+                          </a:schemeClr>
+                        </a:solidFill>
+                        <a:latin typeface="나눔고딕" panose="020D0604000000000000" pitchFamily="50" charset="-127"/>
+                        <a:ea typeface="나눔고딕" panose="020D0604000000000000" pitchFamily="50" charset="-127"/>
+                        <a:sym typeface="Wingdings" panose="05000000000000000000" pitchFamily="2" charset="2"/>
+                      </a:endParaRPr>
+                    </a:p>
+                    <a:p>
+                      <a:pPr marL="0" marR="0" indent="0" algn="l" defTabSz="914400" rtl="0" eaLnBrk="1" fontAlgn="auto" latinLnBrk="1" hangingPunct="1">
+                        <a:lnSpc>
+                          <a:spcPct val="150000"/>
+                        </a:lnSpc>
+                        <a:spcBef>
+                          <a:spcPts val="0"/>
+                        </a:spcBef>
+                        <a:spcAft>
+                          <a:spcPts val="0"/>
+                        </a:spcAft>
+                        <a:buClrTx/>
+                        <a:buSzTx/>
+                        <a:buFontTx/>
+                        <a:buNone/>
+                        <a:tabLst/>
+                        <a:defRPr/>
+                      </a:pPr>
+                      <a:r>
+                        <a:rPr lang="ko-KR" altLang="en-US" sz="1000" dirty="0">
+                          <a:solidFill>
+                            <a:schemeClr val="tx1">
+                              <a:lumMod val="50000"/>
+                              <a:lumOff val="50000"/>
+                            </a:schemeClr>
+                          </a:solidFill>
+                          <a:latin typeface="나눔고딕" panose="020D0604000000000000" pitchFamily="50" charset="-127"/>
+                          <a:ea typeface="나눔고딕" panose="020D0604000000000000" pitchFamily="50" charset="-127"/>
+                          <a:sym typeface="Wingdings" panose="05000000000000000000" pitchFamily="2" charset="2"/>
+                        </a:rPr>
+                        <a:t>이미지 파일 경로 </a:t>
+                      </a:r>
+                      <a:r>
+                        <a:rPr lang="en-US" altLang="ko-KR" sz="1000" dirty="0">
+                          <a:solidFill>
+                            <a:schemeClr val="tx1">
+                              <a:lumMod val="50000"/>
+                              <a:lumOff val="50000"/>
+                            </a:schemeClr>
+                          </a:solidFill>
+                          <a:latin typeface="나눔고딕" panose="020D0604000000000000" pitchFamily="50" charset="-127"/>
+                          <a:ea typeface="나눔고딕" panose="020D0604000000000000" pitchFamily="50" charset="-127"/>
+                          <a:sym typeface="Wingdings" panose="05000000000000000000" pitchFamily="2" charset="2"/>
+                        </a:rPr>
+                        <a:t>:</a:t>
+                      </a:r>
+                    </a:p>
+                    <a:p>
+                      <a:pPr marL="0" marR="0" indent="0" algn="l" defTabSz="914400" rtl="0" eaLnBrk="1" fontAlgn="auto" latinLnBrk="1" hangingPunct="1">
+                        <a:lnSpc>
+                          <a:spcPct val="150000"/>
+                        </a:lnSpc>
+                        <a:spcBef>
+                          <a:spcPts val="0"/>
+                        </a:spcBef>
+                        <a:spcAft>
+                          <a:spcPts val="0"/>
+                        </a:spcAft>
+                        <a:buClrTx/>
+                        <a:buSzTx/>
+                        <a:buFontTx/>
+                        <a:buNone/>
+                        <a:tabLst/>
+                        <a:defRPr/>
+                      </a:pPr>
+                      <a:r>
+                        <a:rPr lang="en-US" altLang="ko-KR" sz="1000" dirty="0">
+                          <a:solidFill>
+                            <a:schemeClr val="tx1">
+                              <a:lumMod val="50000"/>
+                              <a:lumOff val="50000"/>
+                            </a:schemeClr>
+                          </a:solidFill>
+                          <a:latin typeface="나눔고딕" panose="020D0604000000000000" pitchFamily="50" charset="-127"/>
+                          <a:ea typeface="나눔고딕" panose="020D0604000000000000" pitchFamily="50" charset="-127"/>
+                          <a:sym typeface="Wingdings" panose="05000000000000000000" pitchFamily="2" charset="2"/>
+                        </a:rPr>
+                        <a:t>mockup – source – pingD.png</a:t>
+                      </a:r>
+                      <a:endParaRPr lang="en-US" altLang="ko-KR" sz="1000" dirty="0">
+                        <a:solidFill>
+                          <a:schemeClr val="tx1">
+                            <a:lumMod val="50000"/>
+                            <a:lumOff val="50000"/>
+                          </a:schemeClr>
+                        </a:solidFill>
+                        <a:latin typeface="나눔고딕" panose="020D0604000000000000" pitchFamily="50" charset="-127"/>
+                        <a:ea typeface="나눔고딕" panose="020D0604000000000000" pitchFamily="50" charset="-127"/>
+                      </a:endParaRPr>
+                    </a:p>
+                  </a:txBody>
+                  <a:tcPr anchor="ctr">
+                    <a:lnL w="3175" cap="flat" cmpd="sng" algn="ctr">
+                      <a:solidFill>
+                        <a:schemeClr val="bg1">
+                          <a:lumMod val="75000"/>
+                        </a:schemeClr>
+                      </a:solidFill>
+                      <a:prstDash val="solid"/>
+                      <a:round/>
+                      <a:headEnd type="none" w="med" len="med"/>
+                      <a:tailEnd type="none" w="med" len="med"/>
+                    </a:lnL>
+                    <a:lnR w="3175" cap="flat" cmpd="sng" algn="ctr">
+                      <a:noFill/>
+                      <a:prstDash val="solid"/>
+                      <a:round/>
+                      <a:headEnd type="none" w="med" len="med"/>
+                      <a:tailEnd type="none" w="med" len="med"/>
+                    </a:lnR>
+                    <a:lnT w="3175" cap="flat" cmpd="sng" algn="ctr">
+                      <a:solidFill>
+                        <a:schemeClr val="bg1">
+                          <a:lumMod val="75000"/>
+                        </a:schemeClr>
+                      </a:solidFill>
+                      <a:prstDash val="solid"/>
+                      <a:round/>
+                      <a:headEnd type="none" w="med" len="med"/>
+                      <a:tailEnd type="none" w="med" len="med"/>
+                    </a:lnT>
+                    <a:lnB w="3175" cap="flat" cmpd="sng" algn="ctr">
+                      <a:solidFill>
+                        <a:schemeClr val="bg1">
+                          <a:lumMod val="75000"/>
+                        </a:schemeClr>
+                      </a:solidFill>
+                      <a:prstDash val="solid"/>
+                      <a:round/>
+                      <a:headEnd type="none" w="med" len="med"/>
+                      <a:tailEnd type="none" w="med" len="med"/>
+                    </a:lnB>
+                    <a:lnTlToBr w="12700" cmpd="sng">
+                      <a:noFill/>
+                      <a:prstDash val="solid"/>
+                    </a:lnTlToBr>
+                    <a:lnBlToTr w="12700" cmpd="sng">
+                      <a:noFill/>
+                      <a:prstDash val="solid"/>
+                    </a:lnBlToTr>
+                    <a:noFill/>
+                  </a:tcPr>
+                </a:tc>
+                <a:extLst>
+                  <a:ext uri="{0D108BD9-81ED-4DB2-BD59-A6C34878D82A}">
+                    <a16:rowId xmlns:a16="http://schemas.microsoft.com/office/drawing/2014/main" val="10002"/>
+                  </a:ext>
+                </a:extLst>
+              </a:tr>
+              <a:tr h="496806">
+                <a:tc>
+                  <a:txBody>
+                    <a:bodyPr/>
+                    <a:lstStyle/>
+                    <a:p>
+                      <a:pPr algn="ctr" latinLnBrk="1">
+                        <a:lnSpc>
+                          <a:spcPct val="150000"/>
+                        </a:lnSpc>
+                      </a:pPr>
+                      <a:r>
+                        <a:rPr lang="en-US" altLang="ko-KR" sz="700" b="0" dirty="0">
+                          <a:solidFill>
+                            <a:schemeClr val="tx1">
+                              <a:lumMod val="50000"/>
+                              <a:lumOff val="50000"/>
+                            </a:schemeClr>
+                          </a:solidFill>
+                          <a:latin typeface="나눔고딕" panose="020D0604000000000000" pitchFamily="50" charset="-127"/>
+                          <a:ea typeface="나눔고딕" panose="020D0604000000000000" pitchFamily="50" charset="-127"/>
+                        </a:rPr>
+                        <a:t>3</a:t>
+                      </a:r>
+                      <a:endParaRPr lang="ko-KR" altLang="en-US" sz="700" b="0" dirty="0">
+                        <a:solidFill>
+                          <a:schemeClr val="tx1">
+                            <a:lumMod val="50000"/>
+                            <a:lumOff val="50000"/>
+                          </a:schemeClr>
+                        </a:solidFill>
+                        <a:latin typeface="나눔고딕" panose="020D0604000000000000" pitchFamily="50" charset="-127"/>
+                        <a:ea typeface="나눔고딕" panose="020D0604000000000000" pitchFamily="50" charset="-127"/>
+                      </a:endParaRPr>
+                    </a:p>
+                  </a:txBody>
+                  <a:tcPr anchor="ctr">
+                    <a:lnL w="3175" cap="flat" cmpd="sng" algn="ctr">
+                      <a:noFill/>
+                      <a:prstDash val="solid"/>
+                      <a:round/>
+                      <a:headEnd type="none" w="med" len="med"/>
+                      <a:tailEnd type="none" w="med" len="med"/>
+                    </a:lnL>
+                    <a:lnR w="3175" cap="flat" cmpd="sng" algn="ctr">
+                      <a:solidFill>
+                        <a:schemeClr val="bg1">
+                          <a:lumMod val="75000"/>
+                        </a:schemeClr>
+                      </a:solidFill>
+                      <a:prstDash val="solid"/>
+                      <a:round/>
+                      <a:headEnd type="none" w="med" len="med"/>
+                      <a:tailEnd type="none" w="med" len="med"/>
+                    </a:lnR>
+                    <a:lnT w="3175" cap="flat" cmpd="sng" algn="ctr">
+                      <a:solidFill>
+                        <a:schemeClr val="bg1">
+                          <a:lumMod val="75000"/>
+                        </a:schemeClr>
+                      </a:solidFill>
+                      <a:prstDash val="solid"/>
+                      <a:round/>
+                      <a:headEnd type="none" w="med" len="med"/>
+                      <a:tailEnd type="none" w="med" len="med"/>
+                    </a:lnT>
+                    <a:lnB w="3175" cap="flat" cmpd="sng" algn="ctr">
+                      <a:solidFill>
+                        <a:schemeClr val="bg1">
+                          <a:lumMod val="75000"/>
+                        </a:schemeClr>
+                      </a:solidFill>
+                      <a:prstDash val="solid"/>
+                      <a:round/>
+                      <a:headEnd type="none" w="med" len="med"/>
+                      <a:tailEnd type="none" w="med" len="med"/>
+                    </a:lnB>
+                    <a:lnTlToBr w="12700" cmpd="sng">
+                      <a:noFill/>
+                      <a:prstDash val="solid"/>
+                    </a:lnTlToBr>
+                    <a:lnBlToTr w="12700" cmpd="sng">
+                      <a:noFill/>
+                      <a:prstDash val="solid"/>
+                    </a:lnBlToTr>
+                    <a:noFill/>
+                  </a:tcPr>
+                </a:tc>
+                <a:tc>
+                  <a:txBody>
+                    <a:bodyPr/>
+                    <a:lstStyle/>
+                    <a:p>
+                      <a:pPr latinLnBrk="1">
+                        <a:lnSpc>
+                          <a:spcPct val="150000"/>
+                        </a:lnSpc>
+                      </a:pPr>
+                      <a:r>
+                        <a:rPr lang="ko-KR" altLang="en-US" sz="1000" dirty="0">
+                          <a:solidFill>
+                            <a:schemeClr val="tx1">
+                              <a:lumMod val="50000"/>
+                              <a:lumOff val="50000"/>
+                            </a:schemeClr>
+                          </a:solidFill>
+                          <a:latin typeface="나눔고딕" panose="020D0604000000000000" pitchFamily="50" charset="-127"/>
+                          <a:ea typeface="나눔고딕" panose="020D0604000000000000" pitchFamily="50" charset="-127"/>
+                        </a:rPr>
+                        <a:t>해골 이미지 클릭 혹은 </a:t>
+                      </a:r>
+                      <a:r>
+                        <a:rPr lang="en-US" altLang="ko-KR" sz="1000" dirty="0">
+                          <a:solidFill>
+                            <a:schemeClr val="tx1">
+                              <a:lumMod val="50000"/>
+                              <a:lumOff val="50000"/>
+                            </a:schemeClr>
+                          </a:solidFill>
+                          <a:latin typeface="나눔고딕" panose="020D0604000000000000" pitchFamily="50" charset="-127"/>
+                          <a:ea typeface="나눔고딕" panose="020D0604000000000000" pitchFamily="50" charset="-127"/>
+                        </a:rPr>
+                        <a:t>+</a:t>
+                      </a:r>
+                      <a:r>
+                        <a:rPr lang="ko-KR" altLang="en-US" sz="1000" dirty="0">
+                          <a:solidFill>
+                            <a:schemeClr val="tx1">
+                              <a:lumMod val="50000"/>
+                              <a:lumOff val="50000"/>
+                            </a:schemeClr>
+                          </a:solidFill>
+                          <a:latin typeface="나눔고딕" panose="020D0604000000000000" pitchFamily="50" charset="-127"/>
+                          <a:ea typeface="나눔고딕" panose="020D0604000000000000" pitchFamily="50" charset="-127"/>
+                        </a:rPr>
+                        <a:t>버튼 클릭으로 점수 메기기 가능</a:t>
+                      </a:r>
+                      <a:endParaRPr lang="en-US" altLang="ko-KR" sz="1000" dirty="0">
+                        <a:solidFill>
+                          <a:schemeClr val="tx1">
+                            <a:lumMod val="50000"/>
+                            <a:lumOff val="50000"/>
+                          </a:schemeClr>
+                        </a:solidFill>
+                        <a:latin typeface="나눔고딕" panose="020D0604000000000000" pitchFamily="50" charset="-127"/>
+                        <a:ea typeface="나눔고딕" panose="020D0604000000000000" pitchFamily="50" charset="-127"/>
+                      </a:endParaRPr>
+                    </a:p>
+                    <a:p>
+                      <a:pPr latinLnBrk="1">
+                        <a:lnSpc>
+                          <a:spcPct val="150000"/>
+                        </a:lnSpc>
+                      </a:pPr>
+                      <a:r>
+                        <a:rPr lang="en-US" altLang="ko-KR" sz="1000" dirty="0">
+                          <a:solidFill>
+                            <a:schemeClr val="tx1">
+                              <a:lumMod val="50000"/>
+                              <a:lumOff val="50000"/>
+                            </a:schemeClr>
+                          </a:solidFill>
+                          <a:latin typeface="나눔고딕" panose="020D0604000000000000" pitchFamily="50" charset="-127"/>
+                          <a:ea typeface="나눔고딕" panose="020D0604000000000000" pitchFamily="50" charset="-127"/>
+                        </a:rPr>
+                        <a:t>(</a:t>
+                      </a:r>
+                      <a:r>
+                        <a:rPr lang="ko-KR" altLang="en-US" sz="1000" dirty="0">
+                          <a:solidFill>
+                            <a:schemeClr val="tx1">
+                              <a:lumMod val="50000"/>
+                              <a:lumOff val="50000"/>
+                            </a:schemeClr>
+                          </a:solidFill>
+                          <a:latin typeface="나눔고딕" panose="020D0604000000000000" pitchFamily="50" charset="-127"/>
+                          <a:ea typeface="나눔고딕" panose="020D0604000000000000" pitchFamily="50" charset="-127"/>
+                        </a:rPr>
+                        <a:t>로그인 필요</a:t>
+                      </a:r>
+                      <a:r>
+                        <a:rPr lang="en-US" altLang="ko-KR" sz="1000" dirty="0">
+                          <a:solidFill>
+                            <a:schemeClr val="tx1">
+                              <a:lumMod val="50000"/>
+                              <a:lumOff val="50000"/>
+                            </a:schemeClr>
+                          </a:solidFill>
+                          <a:latin typeface="나눔고딕" panose="020D0604000000000000" pitchFamily="50" charset="-127"/>
+                          <a:ea typeface="나눔고딕" panose="020D0604000000000000" pitchFamily="50" charset="-127"/>
+                        </a:rPr>
+                        <a:t>)</a:t>
+                      </a:r>
+                    </a:p>
+                  </a:txBody>
+                  <a:tcPr anchor="ctr">
+                    <a:lnL w="3175" cap="flat" cmpd="sng" algn="ctr">
+                      <a:solidFill>
+                        <a:schemeClr val="bg1">
+                          <a:lumMod val="75000"/>
+                        </a:schemeClr>
+                      </a:solidFill>
+                      <a:prstDash val="solid"/>
+                      <a:round/>
+                      <a:headEnd type="none" w="med" len="med"/>
+                      <a:tailEnd type="none" w="med" len="med"/>
+                    </a:lnL>
+                    <a:lnR w="3175" cap="flat" cmpd="sng" algn="ctr">
+                      <a:noFill/>
+                      <a:prstDash val="solid"/>
+                      <a:round/>
+                      <a:headEnd type="none" w="med" len="med"/>
+                      <a:tailEnd type="none" w="med" len="med"/>
+                    </a:lnR>
+                    <a:lnT w="3175" cap="flat" cmpd="sng" algn="ctr">
+                      <a:solidFill>
+                        <a:schemeClr val="bg1">
+                          <a:lumMod val="75000"/>
+                        </a:schemeClr>
+                      </a:solidFill>
+                      <a:prstDash val="solid"/>
+                      <a:round/>
+                      <a:headEnd type="none" w="med" len="med"/>
+                      <a:tailEnd type="none" w="med" len="med"/>
+                    </a:lnT>
+                    <a:lnB w="3175" cap="flat" cmpd="sng" algn="ctr">
+                      <a:solidFill>
+                        <a:schemeClr val="bg1">
+                          <a:lumMod val="75000"/>
+                        </a:schemeClr>
+                      </a:solidFill>
+                      <a:prstDash val="solid"/>
+                      <a:round/>
+                      <a:headEnd type="none" w="med" len="med"/>
+                      <a:tailEnd type="none" w="med" len="med"/>
+                    </a:lnB>
+                    <a:lnTlToBr w="12700" cmpd="sng">
+                      <a:noFill/>
+                      <a:prstDash val="solid"/>
+                    </a:lnTlToBr>
+                    <a:lnBlToTr w="12700" cmpd="sng">
+                      <a:noFill/>
+                      <a:prstDash val="solid"/>
+                    </a:lnBlToTr>
+                    <a:noFill/>
+                  </a:tcPr>
+                </a:tc>
+                <a:extLst>
+                  <a:ext uri="{0D108BD9-81ED-4DB2-BD59-A6C34878D82A}">
+                    <a16:rowId xmlns:a16="http://schemas.microsoft.com/office/drawing/2014/main" val="10003"/>
+                  </a:ext>
+                </a:extLst>
+              </a:tr>
+              <a:tr h="495520">
+                <a:tc>
+                  <a:txBody>
+                    <a:bodyPr/>
+                    <a:lstStyle/>
+                    <a:p>
+                      <a:pPr algn="ctr" latinLnBrk="1">
+                        <a:lnSpc>
+                          <a:spcPct val="150000"/>
+                        </a:lnSpc>
+                      </a:pPr>
+                      <a:r>
+                        <a:rPr lang="en-US" altLang="ko-KR" sz="700" b="0" dirty="0">
+                          <a:solidFill>
+                            <a:schemeClr val="tx1">
+                              <a:lumMod val="50000"/>
+                              <a:lumOff val="50000"/>
+                            </a:schemeClr>
+                          </a:solidFill>
+                          <a:latin typeface="나눔고딕" panose="020D0604000000000000" pitchFamily="50" charset="-127"/>
+                          <a:ea typeface="나눔고딕" panose="020D0604000000000000" pitchFamily="50" charset="-127"/>
+                        </a:rPr>
+                        <a:t>4</a:t>
+                      </a:r>
+                      <a:endParaRPr lang="ko-KR" altLang="en-US" sz="700" b="0" dirty="0">
+                        <a:solidFill>
+                          <a:schemeClr val="tx1">
+                            <a:lumMod val="50000"/>
+                            <a:lumOff val="50000"/>
+                          </a:schemeClr>
+                        </a:solidFill>
+                        <a:latin typeface="나눔고딕" panose="020D0604000000000000" pitchFamily="50" charset="-127"/>
+                        <a:ea typeface="나눔고딕" panose="020D0604000000000000" pitchFamily="50" charset="-127"/>
+                      </a:endParaRPr>
+                    </a:p>
+                  </a:txBody>
+                  <a:tcPr anchor="ctr">
+                    <a:lnL w="3175" cap="flat" cmpd="sng" algn="ctr">
+                      <a:noFill/>
+                      <a:prstDash val="solid"/>
+                      <a:round/>
+                      <a:headEnd type="none" w="med" len="med"/>
+                      <a:tailEnd type="none" w="med" len="med"/>
+                    </a:lnL>
+                    <a:lnR w="3175" cap="flat" cmpd="sng" algn="ctr">
+                      <a:solidFill>
+                        <a:schemeClr val="bg1">
+                          <a:lumMod val="75000"/>
+                        </a:schemeClr>
+                      </a:solidFill>
+                      <a:prstDash val="solid"/>
+                      <a:round/>
+                      <a:headEnd type="none" w="med" len="med"/>
+                      <a:tailEnd type="none" w="med" len="med"/>
+                    </a:lnR>
+                    <a:lnT w="3175" cap="flat" cmpd="sng" algn="ctr">
+                      <a:solidFill>
+                        <a:schemeClr val="bg1">
+                          <a:lumMod val="75000"/>
+                        </a:schemeClr>
+                      </a:solidFill>
+                      <a:prstDash val="solid"/>
+                      <a:round/>
+                      <a:headEnd type="none" w="med" len="med"/>
+                      <a:tailEnd type="none" w="med" len="med"/>
+                    </a:lnT>
+                    <a:lnB w="3175" cap="flat" cmpd="sng" algn="ctr">
+                      <a:solidFill>
+                        <a:schemeClr val="bg1">
+                          <a:lumMod val="75000"/>
+                        </a:schemeClr>
+                      </a:solidFill>
+                      <a:prstDash val="solid"/>
+                      <a:round/>
+                      <a:headEnd type="none" w="med" len="med"/>
+                      <a:tailEnd type="none" w="med" len="med"/>
+                    </a:lnB>
+                    <a:lnTlToBr w="12700" cmpd="sng">
+                      <a:noFill/>
+                      <a:prstDash val="solid"/>
+                    </a:lnTlToBr>
+                    <a:lnBlToTr w="12700" cmpd="sng">
+                      <a:noFill/>
+                      <a:prstDash val="solid"/>
+                    </a:lnBlToTr>
+                    <a:noFill/>
+                  </a:tcPr>
+                </a:tc>
+                <a:tc>
+                  <a:txBody>
+                    <a:bodyPr/>
+                    <a:lstStyle/>
+                    <a:p>
+                      <a:pPr marL="0" marR="0" indent="0" algn="l" defTabSz="914400" rtl="0" eaLnBrk="1" fontAlgn="auto" latinLnBrk="1" hangingPunct="1">
+                        <a:lnSpc>
+                          <a:spcPct val="150000"/>
+                        </a:lnSpc>
+                        <a:spcBef>
+                          <a:spcPts val="0"/>
+                        </a:spcBef>
+                        <a:spcAft>
+                          <a:spcPts val="0"/>
+                        </a:spcAft>
+                        <a:buClrTx/>
+                        <a:buSzTx/>
+                        <a:buFontTx/>
+                        <a:buNone/>
+                        <a:tabLst/>
+                        <a:defRPr/>
+                      </a:pPr>
+                      <a:r>
+                        <a:rPr lang="ko-KR" altLang="en-US" sz="1000" dirty="0">
+                          <a:solidFill>
+                            <a:schemeClr val="tx1">
+                              <a:lumMod val="50000"/>
+                              <a:lumOff val="50000"/>
+                            </a:schemeClr>
+                          </a:solidFill>
+                          <a:latin typeface="나눔고딕" panose="020D0604000000000000" pitchFamily="50" charset="-127"/>
+                          <a:ea typeface="나눔고딕" panose="020D0604000000000000" pitchFamily="50" charset="-127"/>
+                        </a:rPr>
+                        <a:t>평균 점수 및 평가자 수 출력</a:t>
+                      </a:r>
+                      <a:endParaRPr lang="en-US" altLang="ko-KR" sz="1000" dirty="0">
+                        <a:solidFill>
+                          <a:schemeClr val="tx1">
+                            <a:lumMod val="50000"/>
+                            <a:lumOff val="50000"/>
+                          </a:schemeClr>
+                        </a:solidFill>
+                        <a:latin typeface="나눔고딕" panose="020D0604000000000000" pitchFamily="50" charset="-127"/>
+                        <a:ea typeface="나눔고딕" panose="020D0604000000000000" pitchFamily="50" charset="-127"/>
+                      </a:endParaRPr>
+                    </a:p>
+                    <a:p>
+                      <a:pPr marL="0" marR="0" indent="0" algn="l" defTabSz="914400" rtl="0" eaLnBrk="1" fontAlgn="auto" latinLnBrk="1" hangingPunct="1">
+                        <a:lnSpc>
+                          <a:spcPct val="150000"/>
+                        </a:lnSpc>
+                        <a:spcBef>
+                          <a:spcPts val="0"/>
+                        </a:spcBef>
+                        <a:spcAft>
+                          <a:spcPts val="0"/>
+                        </a:spcAft>
+                        <a:buClrTx/>
+                        <a:buSzTx/>
+                        <a:buFontTx/>
+                        <a:buNone/>
+                        <a:tabLst/>
+                        <a:defRPr/>
+                      </a:pPr>
+                      <a:r>
+                        <a:rPr lang="ko-KR" altLang="en-US" sz="1000" dirty="0">
+                          <a:solidFill>
+                            <a:schemeClr val="tx1">
+                              <a:lumMod val="50000"/>
+                              <a:lumOff val="50000"/>
+                            </a:schemeClr>
+                          </a:solidFill>
+                          <a:latin typeface="나눔고딕" panose="020D0604000000000000" pitchFamily="50" charset="-127"/>
+                          <a:ea typeface="나눔고딕" panose="020D0604000000000000" pitchFamily="50" charset="-127"/>
+                        </a:rPr>
+                        <a:t>평균 점수는 소수점 첫째 자리까지</a:t>
+                      </a:r>
+                      <a:endParaRPr lang="en-US" altLang="ko-KR" sz="1000" dirty="0">
+                        <a:solidFill>
+                          <a:schemeClr val="tx1">
+                            <a:lumMod val="50000"/>
+                            <a:lumOff val="50000"/>
+                          </a:schemeClr>
+                        </a:solidFill>
+                        <a:latin typeface="나눔고딕" panose="020D0604000000000000" pitchFamily="50" charset="-127"/>
+                        <a:ea typeface="나눔고딕" panose="020D0604000000000000" pitchFamily="50" charset="-127"/>
+                      </a:endParaRPr>
+                    </a:p>
+                  </a:txBody>
+                  <a:tcPr anchor="ctr">
+                    <a:lnL w="3175" cap="flat" cmpd="sng" algn="ctr">
+                      <a:solidFill>
+                        <a:schemeClr val="bg1">
+                          <a:lumMod val="75000"/>
+                        </a:schemeClr>
+                      </a:solidFill>
+                      <a:prstDash val="solid"/>
+                      <a:round/>
+                      <a:headEnd type="none" w="med" len="med"/>
+                      <a:tailEnd type="none" w="med" len="med"/>
+                    </a:lnL>
+                    <a:lnR w="3175" cap="flat" cmpd="sng" algn="ctr">
+                      <a:noFill/>
+                      <a:prstDash val="solid"/>
+                      <a:round/>
+                      <a:headEnd type="none" w="med" len="med"/>
+                      <a:tailEnd type="none" w="med" len="med"/>
+                    </a:lnR>
+                    <a:lnT w="3175" cap="flat" cmpd="sng" algn="ctr">
+                      <a:solidFill>
+                        <a:schemeClr val="bg1">
+                          <a:lumMod val="75000"/>
+                        </a:schemeClr>
+                      </a:solidFill>
+                      <a:prstDash val="solid"/>
+                      <a:round/>
+                      <a:headEnd type="none" w="med" len="med"/>
+                      <a:tailEnd type="none" w="med" len="med"/>
+                    </a:lnT>
+                    <a:lnB w="3175" cap="flat" cmpd="sng" algn="ctr">
+                      <a:solidFill>
+                        <a:schemeClr val="bg1">
+                          <a:lumMod val="75000"/>
+                        </a:schemeClr>
+                      </a:solidFill>
+                      <a:prstDash val="solid"/>
+                      <a:round/>
+                      <a:headEnd type="none" w="med" len="med"/>
+                      <a:tailEnd type="none" w="med" len="med"/>
+                    </a:lnB>
+                    <a:lnTlToBr w="12700" cmpd="sng">
+                      <a:noFill/>
+                      <a:prstDash val="solid"/>
+                    </a:lnTlToBr>
+                    <a:lnBlToTr w="12700" cmpd="sng">
+                      <a:noFill/>
+                      <a:prstDash val="solid"/>
+                    </a:lnBlToTr>
+                    <a:noFill/>
+                  </a:tcPr>
+                </a:tc>
+                <a:extLst>
+                  <a:ext uri="{0D108BD9-81ED-4DB2-BD59-A6C34878D82A}">
+                    <a16:rowId xmlns:a16="http://schemas.microsoft.com/office/drawing/2014/main" val="10004"/>
+                  </a:ext>
+                </a:extLst>
+              </a:tr>
+              <a:tr h="495520">
+                <a:tc>
+                  <a:txBody>
+                    <a:bodyPr/>
+                    <a:lstStyle/>
+                    <a:p>
+                      <a:pPr algn="ctr" latinLnBrk="1">
+                        <a:lnSpc>
+                          <a:spcPct val="150000"/>
+                        </a:lnSpc>
+                      </a:pPr>
+                      <a:r>
+                        <a:rPr lang="en-US" altLang="ko-KR" sz="700" b="0" dirty="0">
+                          <a:solidFill>
+                            <a:schemeClr val="tx1">
+                              <a:lumMod val="50000"/>
+                              <a:lumOff val="50000"/>
+                            </a:schemeClr>
+                          </a:solidFill>
+                          <a:latin typeface="나눔고딕" panose="020D0604000000000000" pitchFamily="50" charset="-127"/>
+                          <a:ea typeface="나눔고딕" panose="020D0604000000000000" pitchFamily="50" charset="-127"/>
+                        </a:rPr>
+                        <a:t>5</a:t>
+                      </a:r>
+                      <a:endParaRPr lang="ko-KR" altLang="en-US" sz="700" b="0" dirty="0">
+                        <a:solidFill>
+                          <a:schemeClr val="tx1">
+                            <a:lumMod val="50000"/>
+                            <a:lumOff val="50000"/>
+                          </a:schemeClr>
+                        </a:solidFill>
+                        <a:latin typeface="나눔고딕" panose="020D0604000000000000" pitchFamily="50" charset="-127"/>
+                        <a:ea typeface="나눔고딕" panose="020D0604000000000000" pitchFamily="50" charset="-127"/>
+                      </a:endParaRPr>
+                    </a:p>
+                  </a:txBody>
+                  <a:tcPr anchor="ctr">
+                    <a:lnL w="3175" cap="flat" cmpd="sng" algn="ctr">
+                      <a:noFill/>
+                      <a:prstDash val="solid"/>
+                      <a:round/>
+                      <a:headEnd type="none" w="med" len="med"/>
+                      <a:tailEnd type="none" w="med" len="med"/>
+                    </a:lnL>
+                    <a:lnR w="3175" cap="flat" cmpd="sng" algn="ctr">
+                      <a:solidFill>
+                        <a:schemeClr val="bg1">
+                          <a:lumMod val="75000"/>
+                        </a:schemeClr>
+                      </a:solidFill>
+                      <a:prstDash val="solid"/>
+                      <a:round/>
+                      <a:headEnd type="none" w="med" len="med"/>
+                      <a:tailEnd type="none" w="med" len="med"/>
+                    </a:lnR>
+                    <a:lnT w="3175" cap="flat" cmpd="sng" algn="ctr">
+                      <a:solidFill>
+                        <a:schemeClr val="bg1">
+                          <a:lumMod val="75000"/>
+                        </a:schemeClr>
+                      </a:solidFill>
+                      <a:prstDash val="solid"/>
+                      <a:round/>
+                      <a:headEnd type="none" w="med" len="med"/>
+                      <a:tailEnd type="none" w="med" len="med"/>
+                    </a:lnT>
+                    <a:lnB w="3175" cap="flat" cmpd="sng" algn="ctr">
+                      <a:solidFill>
+                        <a:schemeClr val="bg1">
+                          <a:lumMod val="75000"/>
+                        </a:schemeClr>
+                      </a:solidFill>
+                      <a:prstDash val="solid"/>
+                      <a:round/>
+                      <a:headEnd type="none" w="med" len="med"/>
+                      <a:tailEnd type="none" w="med" len="med"/>
+                    </a:lnB>
+                    <a:lnTlToBr w="12700" cmpd="sng">
+                      <a:noFill/>
+                      <a:prstDash val="solid"/>
+                    </a:lnTlToBr>
+                    <a:lnBlToTr w="12700" cmpd="sng">
+                      <a:noFill/>
+                      <a:prstDash val="solid"/>
+                    </a:lnBlToTr>
+                    <a:noFill/>
+                  </a:tcPr>
+                </a:tc>
+                <a:tc>
+                  <a:txBody>
+                    <a:bodyPr/>
+                    <a:lstStyle/>
+                    <a:p>
+                      <a:pPr marL="0" marR="0" indent="0" algn="l" defTabSz="914400" rtl="0" eaLnBrk="1" fontAlgn="auto" latinLnBrk="1" hangingPunct="1">
+                        <a:lnSpc>
+                          <a:spcPct val="150000"/>
+                        </a:lnSpc>
+                        <a:spcBef>
+                          <a:spcPts val="0"/>
+                        </a:spcBef>
+                        <a:spcAft>
+                          <a:spcPts val="0"/>
+                        </a:spcAft>
+                        <a:buClrTx/>
+                        <a:buSzTx/>
+                        <a:buFontTx/>
+                        <a:buNone/>
+                        <a:tabLst/>
+                        <a:defRPr/>
+                      </a:pPr>
+                      <a:r>
+                        <a:rPr lang="ko-KR" altLang="en-US" sz="1000" dirty="0">
+                          <a:solidFill>
+                            <a:schemeClr val="tx1">
+                              <a:lumMod val="50000"/>
+                              <a:lumOff val="50000"/>
+                            </a:schemeClr>
+                          </a:solidFill>
+                          <a:latin typeface="나눔고딕" panose="020D0604000000000000" pitchFamily="50" charset="-127"/>
+                          <a:ea typeface="나눔고딕" panose="020D0604000000000000" pitchFamily="50" charset="-127"/>
+                          <a:sym typeface="Wingdings" panose="05000000000000000000" pitchFamily="2" charset="2"/>
+                        </a:rPr>
+                        <a:t>좋아요 싫어요 입력 수 표기</a:t>
+                      </a:r>
+                      <a:endParaRPr lang="en-US" altLang="ko-KR" sz="1000" dirty="0">
+                        <a:solidFill>
+                          <a:schemeClr val="tx1">
+                            <a:lumMod val="50000"/>
+                            <a:lumOff val="50000"/>
+                          </a:schemeClr>
+                        </a:solidFill>
+                        <a:latin typeface="나눔고딕" panose="020D0604000000000000" pitchFamily="50" charset="-127"/>
+                        <a:ea typeface="나눔고딕" panose="020D0604000000000000" pitchFamily="50" charset="-127"/>
+                        <a:sym typeface="Wingdings" panose="05000000000000000000" pitchFamily="2" charset="2"/>
+                      </a:endParaRPr>
+                    </a:p>
+                    <a:p>
+                      <a:pPr marL="0" marR="0" indent="0" algn="l" defTabSz="914400" rtl="0" eaLnBrk="1" fontAlgn="auto" latinLnBrk="1" hangingPunct="1">
+                        <a:lnSpc>
+                          <a:spcPct val="150000"/>
+                        </a:lnSpc>
+                        <a:spcBef>
+                          <a:spcPts val="0"/>
+                        </a:spcBef>
+                        <a:spcAft>
+                          <a:spcPts val="0"/>
+                        </a:spcAft>
+                        <a:buClrTx/>
+                        <a:buSzTx/>
+                        <a:buFontTx/>
+                        <a:buNone/>
+                        <a:tabLst/>
+                        <a:defRPr/>
+                      </a:pPr>
+                      <a:r>
+                        <a:rPr lang="en-US" altLang="ko-KR" sz="1000" dirty="0">
+                          <a:solidFill>
+                            <a:schemeClr val="tx1">
+                              <a:lumMod val="50000"/>
+                              <a:lumOff val="50000"/>
+                            </a:schemeClr>
+                          </a:solidFill>
+                          <a:latin typeface="나눔고딕" panose="020D0604000000000000" pitchFamily="50" charset="-127"/>
+                          <a:ea typeface="나눔고딕" panose="020D0604000000000000" pitchFamily="50" charset="-127"/>
+                        </a:rPr>
+                        <a:t>(</a:t>
+                      </a:r>
+                      <a:r>
+                        <a:rPr lang="ko-KR" altLang="en-US" sz="1000" dirty="0">
+                          <a:solidFill>
+                            <a:schemeClr val="tx1">
+                              <a:lumMod val="50000"/>
+                              <a:lumOff val="50000"/>
+                            </a:schemeClr>
+                          </a:solidFill>
+                          <a:latin typeface="나눔고딕" panose="020D0604000000000000" pitchFamily="50" charset="-127"/>
+                          <a:ea typeface="나눔고딕" panose="020D0604000000000000" pitchFamily="50" charset="-127"/>
+                        </a:rPr>
+                        <a:t>평가 시 로그인 필요</a:t>
+                      </a:r>
+                      <a:r>
+                        <a:rPr lang="en-US" altLang="ko-KR" sz="1000" dirty="0">
+                          <a:solidFill>
+                            <a:schemeClr val="tx1">
+                              <a:lumMod val="50000"/>
+                              <a:lumOff val="50000"/>
+                            </a:schemeClr>
+                          </a:solidFill>
+                          <a:latin typeface="나눔고딕" panose="020D0604000000000000" pitchFamily="50" charset="-127"/>
+                          <a:ea typeface="나눔고딕" panose="020D0604000000000000" pitchFamily="50" charset="-127"/>
+                        </a:rPr>
+                        <a:t>)</a:t>
+                      </a:r>
+                      <a:endParaRPr lang="en-US" altLang="ko-KR" sz="1000" dirty="0">
+                        <a:solidFill>
+                          <a:schemeClr val="tx1">
+                            <a:lumMod val="50000"/>
+                            <a:lumOff val="50000"/>
+                          </a:schemeClr>
+                        </a:solidFill>
+                        <a:latin typeface="나눔고딕" panose="020D0604000000000000" pitchFamily="50" charset="-127"/>
+                        <a:ea typeface="나눔고딕" panose="020D0604000000000000" pitchFamily="50" charset="-127"/>
+                        <a:sym typeface="Wingdings" panose="05000000000000000000" pitchFamily="2" charset="2"/>
+                      </a:endParaRPr>
+                    </a:p>
+                  </a:txBody>
+                  <a:tcPr anchor="ctr">
+                    <a:lnL w="3175" cap="flat" cmpd="sng" algn="ctr">
+                      <a:solidFill>
+                        <a:schemeClr val="bg1">
+                          <a:lumMod val="75000"/>
+                        </a:schemeClr>
+                      </a:solidFill>
+                      <a:prstDash val="solid"/>
+                      <a:round/>
+                      <a:headEnd type="none" w="med" len="med"/>
+                      <a:tailEnd type="none" w="med" len="med"/>
+                    </a:lnL>
+                    <a:lnR w="3175" cap="flat" cmpd="sng" algn="ctr">
+                      <a:noFill/>
+                      <a:prstDash val="solid"/>
+                      <a:round/>
+                      <a:headEnd type="none" w="med" len="med"/>
+                      <a:tailEnd type="none" w="med" len="med"/>
+                    </a:lnR>
+                    <a:lnT w="3175" cap="flat" cmpd="sng" algn="ctr">
+                      <a:solidFill>
+                        <a:schemeClr val="bg1">
+                          <a:lumMod val="75000"/>
+                        </a:schemeClr>
+                      </a:solidFill>
+                      <a:prstDash val="solid"/>
+                      <a:round/>
+                      <a:headEnd type="none" w="med" len="med"/>
+                      <a:tailEnd type="none" w="med" len="med"/>
+                    </a:lnT>
+                    <a:lnB w="3175" cap="flat" cmpd="sng" algn="ctr">
+                      <a:solidFill>
+                        <a:schemeClr val="bg1">
+                          <a:lumMod val="75000"/>
+                        </a:schemeClr>
+                      </a:solidFill>
+                      <a:prstDash val="solid"/>
+                      <a:round/>
+                      <a:headEnd type="none" w="med" len="med"/>
+                      <a:tailEnd type="none" w="med" len="med"/>
+                    </a:lnB>
+                    <a:lnTlToBr w="12700" cmpd="sng">
+                      <a:noFill/>
+                      <a:prstDash val="solid"/>
+                    </a:lnTlToBr>
+                    <a:lnBlToTr w="12700" cmpd="sng">
+                      <a:noFill/>
+                      <a:prstDash val="solid"/>
+                    </a:lnBlToTr>
+                    <a:noFill/>
+                  </a:tcPr>
+                </a:tc>
+                <a:extLst>
+                  <a:ext uri="{0D108BD9-81ED-4DB2-BD59-A6C34878D82A}">
+                    <a16:rowId xmlns:a16="http://schemas.microsoft.com/office/drawing/2014/main" val="10005"/>
+                  </a:ext>
+                </a:extLst>
+              </a:tr>
+              <a:tr h="495520">
+                <a:tc>
+                  <a:txBody>
+                    <a:bodyPr/>
+                    <a:lstStyle/>
+                    <a:p>
+                      <a:pPr algn="ctr" latinLnBrk="1">
+                        <a:lnSpc>
+                          <a:spcPct val="150000"/>
+                        </a:lnSpc>
+                      </a:pPr>
+                      <a:r>
+                        <a:rPr lang="en-US" altLang="ko-KR" sz="700" b="0" dirty="0">
+                          <a:solidFill>
+                            <a:schemeClr val="tx1">
+                              <a:lumMod val="50000"/>
+                              <a:lumOff val="50000"/>
+                            </a:schemeClr>
+                          </a:solidFill>
+                          <a:latin typeface="나눔고딕" panose="020D0604000000000000" pitchFamily="50" charset="-127"/>
+                          <a:ea typeface="나눔고딕" panose="020D0604000000000000" pitchFamily="50" charset="-127"/>
+                        </a:rPr>
+                        <a:t>6</a:t>
+                      </a:r>
+                      <a:endParaRPr lang="ko-KR" altLang="en-US" sz="700" b="0" dirty="0">
+                        <a:solidFill>
+                          <a:schemeClr val="tx1">
+                            <a:lumMod val="50000"/>
+                            <a:lumOff val="50000"/>
+                          </a:schemeClr>
+                        </a:solidFill>
+                        <a:latin typeface="나눔고딕" panose="020D0604000000000000" pitchFamily="50" charset="-127"/>
+                        <a:ea typeface="나눔고딕" panose="020D0604000000000000" pitchFamily="50" charset="-127"/>
+                      </a:endParaRPr>
+                    </a:p>
+                  </a:txBody>
+                  <a:tcPr anchor="ctr">
+                    <a:lnL w="3175" cap="flat" cmpd="sng" algn="ctr">
+                      <a:noFill/>
+                      <a:prstDash val="solid"/>
+                      <a:round/>
+                      <a:headEnd type="none" w="med" len="med"/>
+                      <a:tailEnd type="none" w="med" len="med"/>
+                    </a:lnL>
+                    <a:lnR w="3175" cap="flat" cmpd="sng" algn="ctr">
+                      <a:solidFill>
+                        <a:schemeClr val="bg1">
+                          <a:lumMod val="75000"/>
+                        </a:schemeClr>
+                      </a:solidFill>
+                      <a:prstDash val="solid"/>
+                      <a:round/>
+                      <a:headEnd type="none" w="med" len="med"/>
+                      <a:tailEnd type="none" w="med" len="med"/>
+                    </a:lnR>
+                    <a:lnT w="3175" cap="flat" cmpd="sng" algn="ctr">
+                      <a:solidFill>
+                        <a:schemeClr val="bg1">
+                          <a:lumMod val="75000"/>
+                        </a:schemeClr>
+                      </a:solidFill>
+                      <a:prstDash val="solid"/>
+                      <a:round/>
+                      <a:headEnd type="none" w="med" len="med"/>
+                      <a:tailEnd type="none" w="med" len="med"/>
+                    </a:lnT>
+                    <a:lnB w="3175" cap="flat" cmpd="sng" algn="ctr">
+                      <a:solidFill>
+                        <a:schemeClr val="bg1">
+                          <a:lumMod val="75000"/>
+                        </a:schemeClr>
+                      </a:solidFill>
+                      <a:prstDash val="solid"/>
+                      <a:round/>
+                      <a:headEnd type="none" w="med" len="med"/>
+                      <a:tailEnd type="none" w="med" len="med"/>
+                    </a:lnB>
+                    <a:lnTlToBr w="12700" cmpd="sng">
+                      <a:noFill/>
+                      <a:prstDash val="solid"/>
+                    </a:lnTlToBr>
+                    <a:lnBlToTr w="12700" cmpd="sng">
+                      <a:noFill/>
+                      <a:prstDash val="solid"/>
+                    </a:lnBlToTr>
+                    <a:noFill/>
+                  </a:tcPr>
+                </a:tc>
+                <a:tc>
+                  <a:txBody>
+                    <a:bodyPr/>
+                    <a:lstStyle/>
+                    <a:p>
+                      <a:pPr marL="0" marR="0" indent="0" algn="l" defTabSz="914400" rtl="0" eaLnBrk="1" fontAlgn="auto" latinLnBrk="1" hangingPunct="1">
+                        <a:lnSpc>
+                          <a:spcPct val="150000"/>
+                        </a:lnSpc>
+                        <a:spcBef>
+                          <a:spcPts val="0"/>
+                        </a:spcBef>
+                        <a:spcAft>
+                          <a:spcPts val="0"/>
+                        </a:spcAft>
+                        <a:buClrTx/>
+                        <a:buSzTx/>
+                        <a:buFontTx/>
+                        <a:buNone/>
+                        <a:tabLst/>
+                        <a:defRPr/>
+                      </a:pPr>
+                      <a:endParaRPr lang="en-US" altLang="ko-KR" sz="1000" dirty="0">
+                        <a:solidFill>
+                          <a:schemeClr val="tx1">
+                            <a:lumMod val="50000"/>
+                            <a:lumOff val="50000"/>
+                          </a:schemeClr>
+                        </a:solidFill>
+                        <a:latin typeface="나눔고딕" panose="020D0604000000000000" pitchFamily="50" charset="-127"/>
+                        <a:ea typeface="나눔고딕" panose="020D0604000000000000" pitchFamily="50" charset="-127"/>
+                        <a:sym typeface="Wingdings" panose="05000000000000000000" pitchFamily="2" charset="2"/>
+                      </a:endParaRPr>
+                    </a:p>
+                  </a:txBody>
+                  <a:tcPr anchor="ctr">
+                    <a:lnL w="3175" cap="flat" cmpd="sng" algn="ctr">
+                      <a:solidFill>
+                        <a:schemeClr val="bg1">
+                          <a:lumMod val="75000"/>
+                        </a:schemeClr>
+                      </a:solidFill>
+                      <a:prstDash val="solid"/>
+                      <a:round/>
+                      <a:headEnd type="none" w="med" len="med"/>
+                      <a:tailEnd type="none" w="med" len="med"/>
+                    </a:lnL>
+                    <a:lnR w="3175" cap="flat" cmpd="sng" algn="ctr">
+                      <a:noFill/>
+                      <a:prstDash val="solid"/>
+                      <a:round/>
+                      <a:headEnd type="none" w="med" len="med"/>
+                      <a:tailEnd type="none" w="med" len="med"/>
+                    </a:lnR>
+                    <a:lnT w="3175" cap="flat" cmpd="sng" algn="ctr">
+                      <a:solidFill>
+                        <a:schemeClr val="bg1">
+                          <a:lumMod val="75000"/>
+                        </a:schemeClr>
+                      </a:solidFill>
+                      <a:prstDash val="solid"/>
+                      <a:round/>
+                      <a:headEnd type="none" w="med" len="med"/>
+                      <a:tailEnd type="none" w="med" len="med"/>
+                    </a:lnT>
+                    <a:lnB w="3175" cap="flat" cmpd="sng" algn="ctr">
+                      <a:solidFill>
+                        <a:schemeClr val="bg1">
+                          <a:lumMod val="75000"/>
+                        </a:schemeClr>
+                      </a:solidFill>
+                      <a:prstDash val="solid"/>
+                      <a:round/>
+                      <a:headEnd type="none" w="med" len="med"/>
+                      <a:tailEnd type="none" w="med" len="med"/>
+                    </a:lnB>
+                    <a:lnTlToBr w="12700" cmpd="sng">
+                      <a:noFill/>
+                      <a:prstDash val="solid"/>
+                    </a:lnTlToBr>
+                    <a:lnBlToTr w="12700" cmpd="sng">
+                      <a:noFill/>
+                      <a:prstDash val="solid"/>
+                    </a:lnBlToTr>
+                    <a:noFill/>
+                  </a:tcPr>
+                </a:tc>
+                <a:extLst>
+                  <a:ext uri="{0D108BD9-81ED-4DB2-BD59-A6C34878D82A}">
+                    <a16:rowId xmlns:a16="http://schemas.microsoft.com/office/drawing/2014/main" val="10006"/>
+                  </a:ext>
+                </a:extLst>
+              </a:tr>
+              <a:tr h="495520">
+                <a:tc>
+                  <a:txBody>
+                    <a:bodyPr/>
+                    <a:lstStyle/>
+                    <a:p>
+                      <a:pPr algn="ctr" latinLnBrk="1">
+                        <a:lnSpc>
+                          <a:spcPct val="150000"/>
+                        </a:lnSpc>
+                      </a:pPr>
+                      <a:r>
+                        <a:rPr lang="en-US" altLang="ko-KR" sz="700" b="0" dirty="0">
+                          <a:solidFill>
+                            <a:schemeClr val="tx1">
+                              <a:lumMod val="50000"/>
+                              <a:lumOff val="50000"/>
+                            </a:schemeClr>
+                          </a:solidFill>
+                          <a:latin typeface="나눔고딕" panose="020D0604000000000000" pitchFamily="50" charset="-127"/>
+                          <a:ea typeface="나눔고딕" panose="020D0604000000000000" pitchFamily="50" charset="-127"/>
+                        </a:rPr>
+                        <a:t>7</a:t>
+                      </a:r>
+                      <a:endParaRPr lang="ko-KR" altLang="en-US" sz="700" b="0" dirty="0">
+                        <a:solidFill>
+                          <a:schemeClr val="tx1">
+                            <a:lumMod val="50000"/>
+                            <a:lumOff val="50000"/>
+                          </a:schemeClr>
+                        </a:solidFill>
+                        <a:latin typeface="나눔고딕" panose="020D0604000000000000" pitchFamily="50" charset="-127"/>
+                        <a:ea typeface="나눔고딕" panose="020D0604000000000000" pitchFamily="50" charset="-127"/>
+                      </a:endParaRPr>
+                    </a:p>
+                  </a:txBody>
+                  <a:tcPr anchor="ctr">
+                    <a:lnL w="3175" cap="flat" cmpd="sng" algn="ctr">
+                      <a:noFill/>
+                      <a:prstDash val="solid"/>
+                      <a:round/>
+                      <a:headEnd type="none" w="med" len="med"/>
+                      <a:tailEnd type="none" w="med" len="med"/>
+                    </a:lnL>
+                    <a:lnR w="3175" cap="flat" cmpd="sng" algn="ctr">
+                      <a:solidFill>
+                        <a:schemeClr val="bg1">
+                          <a:lumMod val="75000"/>
+                        </a:schemeClr>
+                      </a:solidFill>
+                      <a:prstDash val="solid"/>
+                      <a:round/>
+                      <a:headEnd type="none" w="med" len="med"/>
+                      <a:tailEnd type="none" w="med" len="med"/>
+                    </a:lnR>
+                    <a:lnT w="3175" cap="flat" cmpd="sng" algn="ctr">
+                      <a:solidFill>
+                        <a:schemeClr val="bg1">
+                          <a:lumMod val="75000"/>
+                        </a:schemeClr>
+                      </a:solidFill>
+                      <a:prstDash val="solid"/>
+                      <a:round/>
+                      <a:headEnd type="none" w="med" len="med"/>
+                      <a:tailEnd type="none" w="med" len="med"/>
+                    </a:lnT>
+                    <a:lnB w="3175" cap="flat" cmpd="sng" algn="ctr">
+                      <a:solidFill>
+                        <a:schemeClr val="bg1">
+                          <a:lumMod val="75000"/>
+                        </a:schemeClr>
+                      </a:solidFill>
+                      <a:prstDash val="solid"/>
+                      <a:round/>
+                      <a:headEnd type="none" w="med" len="med"/>
+                      <a:tailEnd type="none" w="med" len="med"/>
+                    </a:lnB>
+                    <a:lnTlToBr w="12700" cmpd="sng">
+                      <a:noFill/>
+                      <a:prstDash val="solid"/>
+                    </a:lnTlToBr>
+                    <a:lnBlToTr w="12700" cmpd="sng">
+                      <a:noFill/>
+                      <a:prstDash val="solid"/>
+                    </a:lnBlToTr>
+                    <a:noFill/>
+                  </a:tcPr>
+                </a:tc>
+                <a:tc>
+                  <a:txBody>
+                    <a:bodyPr/>
+                    <a:lstStyle/>
+                    <a:p>
+                      <a:pPr marL="0" marR="0" indent="0" algn="l" defTabSz="914400" rtl="0" eaLnBrk="1" fontAlgn="auto" latinLnBrk="1" hangingPunct="1">
+                        <a:lnSpc>
+                          <a:spcPct val="150000"/>
+                        </a:lnSpc>
+                        <a:spcBef>
+                          <a:spcPts val="0"/>
+                        </a:spcBef>
+                        <a:spcAft>
+                          <a:spcPts val="0"/>
+                        </a:spcAft>
+                        <a:buClrTx/>
+                        <a:buSzTx/>
+                        <a:buFontTx/>
+                        <a:buNone/>
+                        <a:tabLst/>
+                        <a:defRPr/>
+                      </a:pPr>
+                      <a:endParaRPr lang="en-US" altLang="ko-KR" sz="1000" dirty="0">
+                        <a:solidFill>
+                          <a:schemeClr val="tx1">
+                            <a:lumMod val="50000"/>
+                            <a:lumOff val="50000"/>
+                          </a:schemeClr>
+                        </a:solidFill>
+                        <a:latin typeface="나눔고딕" panose="020D0604000000000000" pitchFamily="50" charset="-127"/>
+                        <a:ea typeface="나눔고딕" panose="020D0604000000000000" pitchFamily="50" charset="-127"/>
+                      </a:endParaRPr>
+                    </a:p>
+                  </a:txBody>
+                  <a:tcPr anchor="ctr">
+                    <a:lnL w="3175" cap="flat" cmpd="sng" algn="ctr">
+                      <a:solidFill>
+                        <a:schemeClr val="bg1">
+                          <a:lumMod val="75000"/>
+                        </a:schemeClr>
+                      </a:solidFill>
+                      <a:prstDash val="solid"/>
+                      <a:round/>
+                      <a:headEnd type="none" w="med" len="med"/>
+                      <a:tailEnd type="none" w="med" len="med"/>
+                    </a:lnL>
+                    <a:lnR w="3175" cap="flat" cmpd="sng" algn="ctr">
+                      <a:noFill/>
+                      <a:prstDash val="solid"/>
+                      <a:round/>
+                      <a:headEnd type="none" w="med" len="med"/>
+                      <a:tailEnd type="none" w="med" len="med"/>
+                    </a:lnR>
+                    <a:lnT w="3175" cap="flat" cmpd="sng" algn="ctr">
+                      <a:solidFill>
+                        <a:schemeClr val="bg1">
+                          <a:lumMod val="75000"/>
+                        </a:schemeClr>
+                      </a:solidFill>
+                      <a:prstDash val="solid"/>
+                      <a:round/>
+                      <a:headEnd type="none" w="med" len="med"/>
+                      <a:tailEnd type="none" w="med" len="med"/>
+                    </a:lnT>
+                    <a:lnB w="3175" cap="flat" cmpd="sng" algn="ctr">
+                      <a:solidFill>
+                        <a:schemeClr val="bg1">
+                          <a:lumMod val="75000"/>
+                        </a:schemeClr>
+                      </a:solidFill>
+                      <a:prstDash val="solid"/>
+                      <a:round/>
+                      <a:headEnd type="none" w="med" len="med"/>
+                      <a:tailEnd type="none" w="med" len="med"/>
+                    </a:lnB>
+                    <a:lnTlToBr w="12700" cmpd="sng">
+                      <a:noFill/>
+                      <a:prstDash val="solid"/>
+                    </a:lnTlToBr>
+                    <a:lnBlToTr w="12700" cmpd="sng">
+                      <a:noFill/>
+                      <a:prstDash val="solid"/>
+                    </a:lnBlToTr>
+                    <a:noFill/>
+                  </a:tcPr>
+                </a:tc>
+                <a:extLst>
+                  <a:ext uri="{0D108BD9-81ED-4DB2-BD59-A6C34878D82A}">
+                    <a16:rowId xmlns:a16="http://schemas.microsoft.com/office/drawing/2014/main" val="2879893876"/>
+                  </a:ext>
+                </a:extLst>
+              </a:tr>
+              <a:tr h="495520">
+                <a:tc>
+                  <a:txBody>
+                    <a:bodyPr/>
+                    <a:lstStyle/>
+                    <a:p>
+                      <a:pPr algn="ctr" latinLnBrk="1">
+                        <a:lnSpc>
+                          <a:spcPct val="150000"/>
+                        </a:lnSpc>
+                      </a:pPr>
+                      <a:r>
+                        <a:rPr lang="en-US" altLang="ko-KR" sz="700" b="0" dirty="0">
+                          <a:solidFill>
+                            <a:schemeClr val="tx1">
+                              <a:lumMod val="50000"/>
+                              <a:lumOff val="50000"/>
+                            </a:schemeClr>
+                          </a:solidFill>
+                          <a:latin typeface="나눔고딕" panose="020D0604000000000000" pitchFamily="50" charset="-127"/>
+                          <a:ea typeface="나눔고딕" panose="020D0604000000000000" pitchFamily="50" charset="-127"/>
+                        </a:rPr>
+                        <a:t>8</a:t>
+                      </a:r>
+                      <a:endParaRPr lang="ko-KR" altLang="en-US" sz="700" b="0" dirty="0">
+                        <a:solidFill>
+                          <a:schemeClr val="tx1">
+                            <a:lumMod val="50000"/>
+                            <a:lumOff val="50000"/>
+                          </a:schemeClr>
+                        </a:solidFill>
+                        <a:latin typeface="나눔고딕" panose="020D0604000000000000" pitchFamily="50" charset="-127"/>
+                        <a:ea typeface="나눔고딕" panose="020D0604000000000000" pitchFamily="50" charset="-127"/>
+                      </a:endParaRPr>
+                    </a:p>
+                  </a:txBody>
+                  <a:tcPr anchor="ctr">
+                    <a:lnL w="3175" cap="flat" cmpd="sng" algn="ctr">
+                      <a:noFill/>
+                      <a:prstDash val="solid"/>
+                      <a:round/>
+                      <a:headEnd type="none" w="med" len="med"/>
+                      <a:tailEnd type="none" w="med" len="med"/>
+                    </a:lnL>
+                    <a:lnR w="3175" cap="flat" cmpd="sng" algn="ctr">
+                      <a:solidFill>
+                        <a:schemeClr val="bg1">
+                          <a:lumMod val="75000"/>
+                        </a:schemeClr>
+                      </a:solidFill>
+                      <a:prstDash val="solid"/>
+                      <a:round/>
+                      <a:headEnd type="none" w="med" len="med"/>
+                      <a:tailEnd type="none" w="med" len="med"/>
+                    </a:lnR>
+                    <a:lnT w="3175" cap="flat" cmpd="sng" algn="ctr">
+                      <a:solidFill>
+                        <a:schemeClr val="bg1">
+                          <a:lumMod val="75000"/>
+                        </a:schemeClr>
+                      </a:solidFill>
+                      <a:prstDash val="solid"/>
+                      <a:round/>
+                      <a:headEnd type="none" w="med" len="med"/>
+                      <a:tailEnd type="none" w="med" len="med"/>
+                    </a:lnT>
+                    <a:lnB w="3175" cap="flat" cmpd="sng" algn="ctr">
+                      <a:solidFill>
+                        <a:schemeClr val="bg1">
+                          <a:lumMod val="75000"/>
+                        </a:schemeClr>
+                      </a:solidFill>
+                      <a:prstDash val="solid"/>
+                      <a:round/>
+                      <a:headEnd type="none" w="med" len="med"/>
+                      <a:tailEnd type="none" w="med" len="med"/>
+                    </a:lnB>
+                    <a:lnTlToBr w="12700" cmpd="sng">
+                      <a:noFill/>
+                      <a:prstDash val="solid"/>
+                    </a:lnTlToBr>
+                    <a:lnBlToTr w="12700" cmpd="sng">
+                      <a:noFill/>
+                      <a:prstDash val="solid"/>
+                    </a:lnBlToTr>
+                    <a:noFill/>
+                  </a:tcPr>
+                </a:tc>
+                <a:tc>
+                  <a:txBody>
+                    <a:bodyPr/>
+                    <a:lstStyle/>
+                    <a:p>
+                      <a:pPr marL="0" marR="0" indent="0" algn="l" defTabSz="914400" rtl="0" eaLnBrk="1" fontAlgn="auto" latinLnBrk="1" hangingPunct="1">
+                        <a:lnSpc>
+                          <a:spcPct val="150000"/>
+                        </a:lnSpc>
+                        <a:spcBef>
+                          <a:spcPts val="0"/>
+                        </a:spcBef>
+                        <a:spcAft>
+                          <a:spcPts val="0"/>
+                        </a:spcAft>
+                        <a:buClrTx/>
+                        <a:buSzTx/>
+                        <a:buFontTx/>
+                        <a:buNone/>
+                        <a:tabLst/>
+                        <a:defRPr/>
+                      </a:pPr>
+                      <a:endParaRPr lang="en-US" altLang="ko-KR" sz="1000" dirty="0">
+                        <a:solidFill>
+                          <a:schemeClr val="tx1">
+                            <a:lumMod val="50000"/>
+                            <a:lumOff val="50000"/>
+                          </a:schemeClr>
+                        </a:solidFill>
+                        <a:latin typeface="나눔고딕" panose="020D0604000000000000" pitchFamily="50" charset="-127"/>
+                        <a:ea typeface="나눔고딕" panose="020D0604000000000000" pitchFamily="50" charset="-127"/>
+                        <a:sym typeface="Wingdings" panose="05000000000000000000" pitchFamily="2" charset="2"/>
+                      </a:endParaRPr>
+                    </a:p>
+                  </a:txBody>
+                  <a:tcPr anchor="ctr">
+                    <a:lnL w="3175" cap="flat" cmpd="sng" algn="ctr">
+                      <a:solidFill>
+                        <a:schemeClr val="bg1">
+                          <a:lumMod val="75000"/>
+                        </a:schemeClr>
+                      </a:solidFill>
+                      <a:prstDash val="solid"/>
+                      <a:round/>
+                      <a:headEnd type="none" w="med" len="med"/>
+                      <a:tailEnd type="none" w="med" len="med"/>
+                    </a:lnL>
+                    <a:lnR w="3175" cap="flat" cmpd="sng" algn="ctr">
+                      <a:noFill/>
+                      <a:prstDash val="solid"/>
+                      <a:round/>
+                      <a:headEnd type="none" w="med" len="med"/>
+                      <a:tailEnd type="none" w="med" len="med"/>
+                    </a:lnR>
+                    <a:lnT w="3175" cap="flat" cmpd="sng" algn="ctr">
+                      <a:solidFill>
+                        <a:schemeClr val="bg1">
+                          <a:lumMod val="75000"/>
+                        </a:schemeClr>
+                      </a:solidFill>
+                      <a:prstDash val="solid"/>
+                      <a:round/>
+                      <a:headEnd type="none" w="med" len="med"/>
+                      <a:tailEnd type="none" w="med" len="med"/>
+                    </a:lnT>
+                    <a:lnB w="3175" cap="flat" cmpd="sng" algn="ctr">
+                      <a:solidFill>
+                        <a:schemeClr val="bg1">
+                          <a:lumMod val="75000"/>
+                        </a:schemeClr>
+                      </a:solidFill>
+                      <a:prstDash val="solid"/>
+                      <a:round/>
+                      <a:headEnd type="none" w="med" len="med"/>
+                      <a:tailEnd type="none" w="med" len="med"/>
+                    </a:lnB>
+                    <a:lnTlToBr w="12700" cmpd="sng">
+                      <a:noFill/>
+                      <a:prstDash val="solid"/>
+                    </a:lnTlToBr>
+                    <a:lnBlToTr w="12700" cmpd="sng">
+                      <a:noFill/>
+                      <a:prstDash val="solid"/>
+                    </a:lnBlToTr>
+                    <a:noFill/>
+                  </a:tcPr>
+                </a:tc>
+                <a:extLst>
+                  <a:ext uri="{0D108BD9-81ED-4DB2-BD59-A6C34878D82A}">
+                    <a16:rowId xmlns:a16="http://schemas.microsoft.com/office/drawing/2014/main" val="3321615543"/>
+                  </a:ext>
+                </a:extLst>
+              </a:tr>
+              <a:tr h="495520">
+                <a:tc>
+                  <a:txBody>
+                    <a:bodyPr/>
+                    <a:lstStyle/>
+                    <a:p>
+                      <a:pPr algn="ctr" latinLnBrk="1">
+                        <a:lnSpc>
+                          <a:spcPct val="150000"/>
+                        </a:lnSpc>
+                      </a:pPr>
+                      <a:r>
+                        <a:rPr lang="en-US" altLang="ko-KR" sz="700" b="0" dirty="0">
+                          <a:solidFill>
+                            <a:schemeClr val="tx1">
+                              <a:lumMod val="50000"/>
+                              <a:lumOff val="50000"/>
+                            </a:schemeClr>
+                          </a:solidFill>
+                          <a:latin typeface="나눔고딕" panose="020D0604000000000000" pitchFamily="50" charset="-127"/>
+                          <a:ea typeface="나눔고딕" panose="020D0604000000000000" pitchFamily="50" charset="-127"/>
+                        </a:rPr>
+                        <a:t>9</a:t>
+                      </a:r>
+                      <a:endParaRPr lang="ko-KR" altLang="en-US" sz="700" b="0" dirty="0">
+                        <a:solidFill>
+                          <a:schemeClr val="tx1">
+                            <a:lumMod val="50000"/>
+                            <a:lumOff val="50000"/>
+                          </a:schemeClr>
+                        </a:solidFill>
+                        <a:latin typeface="나눔고딕" panose="020D0604000000000000" pitchFamily="50" charset="-127"/>
+                        <a:ea typeface="나눔고딕" panose="020D0604000000000000" pitchFamily="50" charset="-127"/>
+                      </a:endParaRPr>
+                    </a:p>
+                  </a:txBody>
+                  <a:tcPr anchor="ctr">
+                    <a:lnL w="3175" cap="flat" cmpd="sng" algn="ctr">
+                      <a:noFill/>
+                      <a:prstDash val="solid"/>
+                      <a:round/>
+                      <a:headEnd type="none" w="med" len="med"/>
+                      <a:tailEnd type="none" w="med" len="med"/>
+                    </a:lnL>
+                    <a:lnR w="3175" cap="flat" cmpd="sng" algn="ctr">
+                      <a:solidFill>
+                        <a:schemeClr val="bg1">
+                          <a:lumMod val="75000"/>
+                        </a:schemeClr>
+                      </a:solidFill>
+                      <a:prstDash val="solid"/>
+                      <a:round/>
+                      <a:headEnd type="none" w="med" len="med"/>
+                      <a:tailEnd type="none" w="med" len="med"/>
+                    </a:lnR>
+                    <a:lnT w="3175" cap="flat" cmpd="sng" algn="ctr">
+                      <a:solidFill>
+                        <a:schemeClr val="bg1">
+                          <a:lumMod val="75000"/>
+                        </a:schemeClr>
+                      </a:solidFill>
+                      <a:prstDash val="solid"/>
+                      <a:round/>
+                      <a:headEnd type="none" w="med" len="med"/>
+                      <a:tailEnd type="none" w="med" len="med"/>
+                    </a:lnT>
+                    <a:lnB w="3175" cap="flat" cmpd="sng" algn="ctr">
+                      <a:solidFill>
+                        <a:schemeClr val="bg1">
+                          <a:lumMod val="75000"/>
+                        </a:schemeClr>
+                      </a:solidFill>
+                      <a:prstDash val="solid"/>
+                      <a:round/>
+                      <a:headEnd type="none" w="med" len="med"/>
+                      <a:tailEnd type="none" w="med" len="med"/>
+                    </a:lnB>
+                    <a:lnTlToBr w="12700" cmpd="sng">
+                      <a:noFill/>
+                      <a:prstDash val="solid"/>
+                    </a:lnTlToBr>
+                    <a:lnBlToTr w="12700" cmpd="sng">
+                      <a:noFill/>
+                      <a:prstDash val="solid"/>
+                    </a:lnBlToTr>
+                    <a:noFill/>
+                  </a:tcPr>
+                </a:tc>
+                <a:tc>
+                  <a:txBody>
+                    <a:bodyPr/>
+                    <a:lstStyle/>
+                    <a:p>
+                      <a:pPr marL="0" marR="0" indent="0" algn="l" defTabSz="914400" rtl="0" eaLnBrk="1" fontAlgn="auto" latinLnBrk="1" hangingPunct="1">
+                        <a:lnSpc>
+                          <a:spcPct val="150000"/>
+                        </a:lnSpc>
+                        <a:spcBef>
+                          <a:spcPts val="0"/>
+                        </a:spcBef>
+                        <a:spcAft>
+                          <a:spcPts val="0"/>
+                        </a:spcAft>
+                        <a:buClrTx/>
+                        <a:buSzTx/>
+                        <a:buFontTx/>
+                        <a:buNone/>
+                        <a:tabLst/>
+                        <a:defRPr/>
+                      </a:pPr>
+                      <a:endParaRPr lang="en-US" altLang="ko-KR" sz="1000" dirty="0">
+                        <a:solidFill>
+                          <a:schemeClr val="tx1">
+                            <a:lumMod val="50000"/>
+                            <a:lumOff val="50000"/>
+                          </a:schemeClr>
+                        </a:solidFill>
+                        <a:latin typeface="나눔고딕" panose="020D0604000000000000" pitchFamily="50" charset="-127"/>
+                        <a:ea typeface="나눔고딕" panose="020D0604000000000000" pitchFamily="50" charset="-127"/>
+                        <a:sym typeface="Wingdings" panose="05000000000000000000" pitchFamily="2" charset="2"/>
+                      </a:endParaRPr>
+                    </a:p>
+                  </a:txBody>
+                  <a:tcPr anchor="ctr">
+                    <a:lnL w="3175" cap="flat" cmpd="sng" algn="ctr">
+                      <a:solidFill>
+                        <a:schemeClr val="bg1">
+                          <a:lumMod val="75000"/>
+                        </a:schemeClr>
+                      </a:solidFill>
+                      <a:prstDash val="solid"/>
+                      <a:round/>
+                      <a:headEnd type="none" w="med" len="med"/>
+                      <a:tailEnd type="none" w="med" len="med"/>
+                    </a:lnL>
+                    <a:lnR w="3175" cap="flat" cmpd="sng" algn="ctr">
+                      <a:noFill/>
+                      <a:prstDash val="solid"/>
+                      <a:round/>
+                      <a:headEnd type="none" w="med" len="med"/>
+                      <a:tailEnd type="none" w="med" len="med"/>
+                    </a:lnR>
+                    <a:lnT w="3175" cap="flat" cmpd="sng" algn="ctr">
+                      <a:solidFill>
+                        <a:schemeClr val="bg1">
+                          <a:lumMod val="75000"/>
+                        </a:schemeClr>
+                      </a:solidFill>
+                      <a:prstDash val="solid"/>
+                      <a:round/>
+                      <a:headEnd type="none" w="med" len="med"/>
+                      <a:tailEnd type="none" w="med" len="med"/>
+                    </a:lnT>
+                    <a:lnB w="3175" cap="flat" cmpd="sng" algn="ctr">
+                      <a:solidFill>
+                        <a:schemeClr val="bg1">
+                          <a:lumMod val="75000"/>
+                        </a:schemeClr>
+                      </a:solidFill>
+                      <a:prstDash val="solid"/>
+                      <a:round/>
+                      <a:headEnd type="none" w="med" len="med"/>
+                      <a:tailEnd type="none" w="med" len="med"/>
+                    </a:lnB>
+                    <a:lnTlToBr w="12700" cmpd="sng">
+                      <a:noFill/>
+                      <a:prstDash val="solid"/>
+                    </a:lnTlToBr>
+                    <a:lnBlToTr w="12700" cmpd="sng">
+                      <a:noFill/>
+                      <a:prstDash val="solid"/>
+                    </a:lnBlToTr>
+                    <a:noFill/>
+                  </a:tcPr>
+                </a:tc>
+                <a:extLst>
+                  <a:ext uri="{0D108BD9-81ED-4DB2-BD59-A6C34878D82A}">
+                    <a16:rowId xmlns:a16="http://schemas.microsoft.com/office/drawing/2014/main" val="1849626541"/>
+                  </a:ext>
+                </a:extLst>
+              </a:tr>
+              <a:tr h="495520">
+                <a:tc>
+                  <a:txBody>
+                    <a:bodyPr/>
+                    <a:lstStyle/>
+                    <a:p>
+                      <a:pPr algn="ctr" latinLnBrk="1">
+                        <a:lnSpc>
+                          <a:spcPct val="150000"/>
+                        </a:lnSpc>
+                      </a:pPr>
+                      <a:r>
+                        <a:rPr lang="en-US" altLang="ko-KR" sz="700" b="0" dirty="0">
+                          <a:solidFill>
+                            <a:schemeClr val="tx1">
+                              <a:lumMod val="50000"/>
+                              <a:lumOff val="50000"/>
+                            </a:schemeClr>
+                          </a:solidFill>
+                          <a:latin typeface="나눔고딕" panose="020D0604000000000000" pitchFamily="50" charset="-127"/>
+                          <a:ea typeface="나눔고딕" panose="020D0604000000000000" pitchFamily="50" charset="-127"/>
+                        </a:rPr>
+                        <a:t>10</a:t>
+                      </a:r>
+                      <a:endParaRPr lang="ko-KR" altLang="en-US" sz="700" b="0" dirty="0">
+                        <a:solidFill>
+                          <a:schemeClr val="tx1">
+                            <a:lumMod val="50000"/>
+                            <a:lumOff val="50000"/>
+                          </a:schemeClr>
+                        </a:solidFill>
+                        <a:latin typeface="나눔고딕" panose="020D0604000000000000" pitchFamily="50" charset="-127"/>
+                        <a:ea typeface="나눔고딕" panose="020D0604000000000000" pitchFamily="50" charset="-127"/>
+                      </a:endParaRPr>
+                    </a:p>
+                  </a:txBody>
+                  <a:tcPr anchor="ctr">
+                    <a:lnL w="3175" cap="flat" cmpd="sng" algn="ctr">
+                      <a:noFill/>
+                      <a:prstDash val="solid"/>
+                      <a:round/>
+                      <a:headEnd type="none" w="med" len="med"/>
+                      <a:tailEnd type="none" w="med" len="med"/>
+                    </a:lnL>
+                    <a:lnR w="3175" cap="flat" cmpd="sng" algn="ctr">
+                      <a:solidFill>
+                        <a:schemeClr val="bg1">
+                          <a:lumMod val="75000"/>
+                        </a:schemeClr>
+                      </a:solidFill>
+                      <a:prstDash val="solid"/>
+                      <a:round/>
+                      <a:headEnd type="none" w="med" len="med"/>
+                      <a:tailEnd type="none" w="med" len="med"/>
+                    </a:lnR>
+                    <a:lnT w="3175" cap="flat" cmpd="sng" algn="ctr">
+                      <a:solidFill>
+                        <a:schemeClr val="bg1">
+                          <a:lumMod val="75000"/>
+                        </a:schemeClr>
+                      </a:solidFill>
+                      <a:prstDash val="solid"/>
+                      <a:round/>
+                      <a:headEnd type="none" w="med" len="med"/>
+                      <a:tailEnd type="none" w="med" len="med"/>
+                    </a:lnT>
+                    <a:lnB w="3175" cap="flat" cmpd="sng" algn="ctr">
+                      <a:solidFill>
+                        <a:schemeClr val="bg1">
+                          <a:lumMod val="75000"/>
+                        </a:schemeClr>
+                      </a:solidFill>
+                      <a:prstDash val="solid"/>
+                      <a:round/>
+                      <a:headEnd type="none" w="med" len="med"/>
+                      <a:tailEnd type="none" w="med" len="med"/>
+                    </a:lnB>
+                    <a:lnTlToBr w="12700" cmpd="sng">
+                      <a:noFill/>
+                      <a:prstDash val="solid"/>
+                    </a:lnTlToBr>
+                    <a:lnBlToTr w="12700" cmpd="sng">
+                      <a:noFill/>
+                      <a:prstDash val="solid"/>
+                    </a:lnBlToTr>
+                    <a:noFill/>
+                  </a:tcPr>
+                </a:tc>
+                <a:tc>
+                  <a:txBody>
+                    <a:bodyPr/>
+                    <a:lstStyle/>
+                    <a:p>
+                      <a:pPr marL="0" marR="0" indent="0" algn="l" defTabSz="914400" rtl="0" eaLnBrk="1" fontAlgn="auto" latinLnBrk="1" hangingPunct="1">
+                        <a:lnSpc>
+                          <a:spcPct val="150000"/>
+                        </a:lnSpc>
+                        <a:spcBef>
+                          <a:spcPts val="0"/>
+                        </a:spcBef>
+                        <a:spcAft>
+                          <a:spcPts val="0"/>
+                        </a:spcAft>
+                        <a:buClrTx/>
+                        <a:buSzTx/>
+                        <a:buFontTx/>
+                        <a:buNone/>
+                        <a:tabLst/>
+                        <a:defRPr/>
+                      </a:pPr>
+                      <a:endParaRPr lang="en-US" altLang="ko-KR" sz="1000" dirty="0">
+                        <a:solidFill>
+                          <a:schemeClr val="tx1">
+                            <a:lumMod val="50000"/>
+                            <a:lumOff val="50000"/>
+                          </a:schemeClr>
+                        </a:solidFill>
+                        <a:latin typeface="나눔고딕" panose="020D0604000000000000" pitchFamily="50" charset="-127"/>
+                        <a:ea typeface="나눔고딕" panose="020D0604000000000000" pitchFamily="50" charset="-127"/>
+                        <a:sym typeface="Wingdings" panose="05000000000000000000" pitchFamily="2" charset="2"/>
+                      </a:endParaRPr>
+                    </a:p>
+                  </a:txBody>
+                  <a:tcPr anchor="ctr">
+                    <a:lnL w="3175" cap="flat" cmpd="sng" algn="ctr">
+                      <a:solidFill>
+                        <a:schemeClr val="bg1">
+                          <a:lumMod val="75000"/>
+                        </a:schemeClr>
+                      </a:solidFill>
+                      <a:prstDash val="solid"/>
+                      <a:round/>
+                      <a:headEnd type="none" w="med" len="med"/>
+                      <a:tailEnd type="none" w="med" len="med"/>
+                    </a:lnL>
+                    <a:lnR w="3175" cap="flat" cmpd="sng" algn="ctr">
+                      <a:noFill/>
+                      <a:prstDash val="solid"/>
+                      <a:round/>
+                      <a:headEnd type="none" w="med" len="med"/>
+                      <a:tailEnd type="none" w="med" len="med"/>
+                    </a:lnR>
+                    <a:lnT w="3175" cap="flat" cmpd="sng" algn="ctr">
+                      <a:solidFill>
+                        <a:schemeClr val="bg1">
+                          <a:lumMod val="75000"/>
+                        </a:schemeClr>
+                      </a:solidFill>
+                      <a:prstDash val="solid"/>
+                      <a:round/>
+                      <a:headEnd type="none" w="med" len="med"/>
+                      <a:tailEnd type="none" w="med" len="med"/>
+                    </a:lnT>
+                    <a:lnB w="3175" cap="flat" cmpd="sng" algn="ctr">
+                      <a:solidFill>
+                        <a:schemeClr val="bg1">
+                          <a:lumMod val="75000"/>
+                        </a:schemeClr>
+                      </a:solidFill>
+                      <a:prstDash val="solid"/>
+                      <a:round/>
+                      <a:headEnd type="none" w="med" len="med"/>
+                      <a:tailEnd type="none" w="med" len="med"/>
+                    </a:lnB>
+                    <a:lnTlToBr w="12700" cmpd="sng">
+                      <a:noFill/>
+                      <a:prstDash val="solid"/>
+                    </a:lnTlToBr>
+                    <a:lnBlToTr w="12700" cmpd="sng">
+                      <a:noFill/>
+                      <a:prstDash val="solid"/>
+                    </a:lnBlToTr>
+                    <a:noFill/>
+                  </a:tcPr>
+                </a:tc>
+                <a:extLst>
+                  <a:ext uri="{0D108BD9-81ED-4DB2-BD59-A6C34878D82A}">
+                    <a16:rowId xmlns:a16="http://schemas.microsoft.com/office/drawing/2014/main" val="131482767"/>
+                  </a:ext>
+                </a:extLst>
+              </a:tr>
+              <a:tr h="495520">
+                <a:tc>
+                  <a:txBody>
+                    <a:bodyPr/>
+                    <a:lstStyle/>
+                    <a:p>
+                      <a:pPr algn="ctr" latinLnBrk="1">
+                        <a:lnSpc>
+                          <a:spcPct val="150000"/>
+                        </a:lnSpc>
+                      </a:pPr>
+                      <a:r>
+                        <a:rPr lang="en-US" altLang="ko-KR" sz="700" b="0" dirty="0">
+                          <a:solidFill>
+                            <a:schemeClr val="tx1">
+                              <a:lumMod val="50000"/>
+                              <a:lumOff val="50000"/>
+                            </a:schemeClr>
+                          </a:solidFill>
+                          <a:latin typeface="나눔고딕" panose="020D0604000000000000" pitchFamily="50" charset="-127"/>
+                          <a:ea typeface="나눔고딕" panose="020D0604000000000000" pitchFamily="50" charset="-127"/>
+                        </a:rPr>
+                        <a:t>11</a:t>
+                      </a:r>
+                      <a:endParaRPr lang="ko-KR" altLang="en-US" sz="700" b="0" dirty="0">
+                        <a:solidFill>
+                          <a:schemeClr val="tx1">
+                            <a:lumMod val="50000"/>
+                            <a:lumOff val="50000"/>
+                          </a:schemeClr>
+                        </a:solidFill>
+                        <a:latin typeface="나눔고딕" panose="020D0604000000000000" pitchFamily="50" charset="-127"/>
+                        <a:ea typeface="나눔고딕" panose="020D0604000000000000" pitchFamily="50" charset="-127"/>
+                      </a:endParaRPr>
+                    </a:p>
+                  </a:txBody>
+                  <a:tcPr anchor="ctr">
+                    <a:lnL w="3175" cap="flat" cmpd="sng" algn="ctr">
+                      <a:noFill/>
+                      <a:prstDash val="solid"/>
+                      <a:round/>
+                      <a:headEnd type="none" w="med" len="med"/>
+                      <a:tailEnd type="none" w="med" len="med"/>
+                    </a:lnL>
+                    <a:lnR w="3175" cap="flat" cmpd="sng" algn="ctr">
+                      <a:solidFill>
+                        <a:schemeClr val="bg1">
+                          <a:lumMod val="75000"/>
+                        </a:schemeClr>
+                      </a:solidFill>
+                      <a:prstDash val="solid"/>
+                      <a:round/>
+                      <a:headEnd type="none" w="med" len="med"/>
+                      <a:tailEnd type="none" w="med" len="med"/>
+                    </a:lnR>
+                    <a:lnT w="3175" cap="flat" cmpd="sng" algn="ctr">
+                      <a:solidFill>
+                        <a:schemeClr val="bg1">
+                          <a:lumMod val="75000"/>
+                        </a:schemeClr>
+                      </a:solidFill>
+                      <a:prstDash val="solid"/>
+                      <a:round/>
+                      <a:headEnd type="none" w="med" len="med"/>
+                      <a:tailEnd type="none" w="med" len="med"/>
+                    </a:lnT>
+                    <a:lnB w="3175" cap="flat" cmpd="sng" algn="ctr">
+                      <a:solidFill>
+                        <a:schemeClr val="bg1">
+                          <a:lumMod val="75000"/>
+                        </a:schemeClr>
+                      </a:solidFill>
+                      <a:prstDash val="solid"/>
+                      <a:round/>
+                      <a:headEnd type="none" w="med" len="med"/>
+                      <a:tailEnd type="none" w="med" len="med"/>
+                    </a:lnB>
+                    <a:lnTlToBr w="12700" cmpd="sng">
+                      <a:noFill/>
+                      <a:prstDash val="solid"/>
+                    </a:lnTlToBr>
+                    <a:lnBlToTr w="12700" cmpd="sng">
+                      <a:noFill/>
+                      <a:prstDash val="solid"/>
+                    </a:lnBlToTr>
+                    <a:noFill/>
+                  </a:tcPr>
+                </a:tc>
+                <a:tc>
+                  <a:txBody>
+                    <a:bodyPr/>
+                    <a:lstStyle/>
+                    <a:p>
+                      <a:pPr marL="0" marR="0" indent="0" algn="l" defTabSz="914400" rtl="0" eaLnBrk="1" fontAlgn="auto" latinLnBrk="1" hangingPunct="1">
+                        <a:lnSpc>
+                          <a:spcPct val="150000"/>
+                        </a:lnSpc>
+                        <a:spcBef>
+                          <a:spcPts val="0"/>
+                        </a:spcBef>
+                        <a:spcAft>
+                          <a:spcPts val="0"/>
+                        </a:spcAft>
+                        <a:buClrTx/>
+                        <a:buSzTx/>
+                        <a:buFontTx/>
+                        <a:buNone/>
+                        <a:tabLst/>
+                        <a:defRPr/>
+                      </a:pPr>
+                      <a:endParaRPr lang="en-US" altLang="ko-KR" sz="1000" dirty="0">
+                        <a:solidFill>
+                          <a:schemeClr val="tx1">
+                            <a:lumMod val="50000"/>
+                            <a:lumOff val="50000"/>
+                          </a:schemeClr>
+                        </a:solidFill>
+                        <a:latin typeface="나눔고딕" panose="020D0604000000000000" pitchFamily="50" charset="-127"/>
+                        <a:ea typeface="나눔고딕" panose="020D0604000000000000" pitchFamily="50" charset="-127"/>
+                        <a:sym typeface="Wingdings" panose="05000000000000000000" pitchFamily="2" charset="2"/>
+                      </a:endParaRPr>
+                    </a:p>
+                  </a:txBody>
+                  <a:tcPr anchor="ctr">
+                    <a:lnL w="3175" cap="flat" cmpd="sng" algn="ctr">
+                      <a:solidFill>
+                        <a:schemeClr val="bg1">
+                          <a:lumMod val="75000"/>
+                        </a:schemeClr>
+                      </a:solidFill>
+                      <a:prstDash val="solid"/>
+                      <a:round/>
+                      <a:headEnd type="none" w="med" len="med"/>
+                      <a:tailEnd type="none" w="med" len="med"/>
+                    </a:lnL>
+                    <a:lnR w="3175" cap="flat" cmpd="sng" algn="ctr">
+                      <a:noFill/>
+                      <a:prstDash val="solid"/>
+                      <a:round/>
+                      <a:headEnd type="none" w="med" len="med"/>
+                      <a:tailEnd type="none" w="med" len="med"/>
+                    </a:lnR>
+                    <a:lnT w="3175" cap="flat" cmpd="sng" algn="ctr">
+                      <a:solidFill>
+                        <a:schemeClr val="bg1">
+                          <a:lumMod val="75000"/>
+                        </a:schemeClr>
+                      </a:solidFill>
+                      <a:prstDash val="solid"/>
+                      <a:round/>
+                      <a:headEnd type="none" w="med" len="med"/>
+                      <a:tailEnd type="none" w="med" len="med"/>
+                    </a:lnT>
+                    <a:lnB w="3175" cap="flat" cmpd="sng" algn="ctr">
+                      <a:solidFill>
+                        <a:schemeClr val="bg1">
+                          <a:lumMod val="75000"/>
+                        </a:schemeClr>
+                      </a:solidFill>
+                      <a:prstDash val="solid"/>
+                      <a:round/>
+                      <a:headEnd type="none" w="med" len="med"/>
+                      <a:tailEnd type="none" w="med" len="med"/>
+                    </a:lnB>
+                    <a:lnTlToBr w="12700" cmpd="sng">
+                      <a:noFill/>
+                      <a:prstDash val="solid"/>
+                    </a:lnTlToBr>
+                    <a:lnBlToTr w="12700" cmpd="sng">
+                      <a:noFill/>
+                      <a:prstDash val="solid"/>
+                    </a:lnBlToTr>
+                    <a:noFill/>
+                  </a:tcPr>
+                </a:tc>
+                <a:extLst>
+                  <a:ext uri="{0D108BD9-81ED-4DB2-BD59-A6C34878D82A}">
+                    <a16:rowId xmlns:a16="http://schemas.microsoft.com/office/drawing/2014/main" val="3736605348"/>
+                  </a:ext>
+                </a:extLst>
+              </a:tr>
+              <a:tr h="495520">
+                <a:tc>
+                  <a:txBody>
+                    <a:bodyPr/>
+                    <a:lstStyle/>
+                    <a:p>
+                      <a:pPr algn="ctr" latinLnBrk="1">
+                        <a:lnSpc>
+                          <a:spcPct val="150000"/>
+                        </a:lnSpc>
+                      </a:pPr>
+                      <a:r>
+                        <a:rPr lang="en-US" altLang="ko-KR" sz="700" b="0" dirty="0">
+                          <a:solidFill>
+                            <a:schemeClr val="tx1">
+                              <a:lumMod val="50000"/>
+                              <a:lumOff val="50000"/>
+                            </a:schemeClr>
+                          </a:solidFill>
+                          <a:latin typeface="나눔고딕" panose="020D0604000000000000" pitchFamily="50" charset="-127"/>
+                          <a:ea typeface="나눔고딕" panose="020D0604000000000000" pitchFamily="50" charset="-127"/>
+                        </a:rPr>
+                        <a:t>12</a:t>
+                      </a:r>
+                      <a:endParaRPr lang="ko-KR" altLang="en-US" sz="700" b="0" dirty="0">
+                        <a:solidFill>
+                          <a:schemeClr val="tx1">
+                            <a:lumMod val="50000"/>
+                            <a:lumOff val="50000"/>
+                          </a:schemeClr>
+                        </a:solidFill>
+                        <a:latin typeface="나눔고딕" panose="020D0604000000000000" pitchFamily="50" charset="-127"/>
+                        <a:ea typeface="나눔고딕" panose="020D0604000000000000" pitchFamily="50" charset="-127"/>
+                      </a:endParaRPr>
+                    </a:p>
+                  </a:txBody>
+                  <a:tcPr anchor="ctr">
+                    <a:lnL w="3175" cap="flat" cmpd="sng" algn="ctr">
+                      <a:noFill/>
+                      <a:prstDash val="solid"/>
+                      <a:round/>
+                      <a:headEnd type="none" w="med" len="med"/>
+                      <a:tailEnd type="none" w="med" len="med"/>
+                    </a:lnL>
+                    <a:lnR w="3175" cap="flat" cmpd="sng" algn="ctr">
+                      <a:solidFill>
+                        <a:schemeClr val="bg1">
+                          <a:lumMod val="75000"/>
+                        </a:schemeClr>
+                      </a:solidFill>
+                      <a:prstDash val="solid"/>
+                      <a:round/>
+                      <a:headEnd type="none" w="med" len="med"/>
+                      <a:tailEnd type="none" w="med" len="med"/>
+                    </a:lnR>
+                    <a:lnT w="3175" cap="flat" cmpd="sng" algn="ctr">
+                      <a:solidFill>
+                        <a:schemeClr val="bg1">
+                          <a:lumMod val="75000"/>
+                        </a:schemeClr>
+                      </a:solidFill>
+                      <a:prstDash val="solid"/>
+                      <a:round/>
+                      <a:headEnd type="none" w="med" len="med"/>
+                      <a:tailEnd type="none" w="med" len="med"/>
+                    </a:lnT>
+                    <a:lnB w="3175" cap="flat" cmpd="sng" algn="ctr">
+                      <a:noFill/>
+                      <a:prstDash val="solid"/>
+                      <a:round/>
+                      <a:headEnd type="none" w="med" len="med"/>
+                      <a:tailEnd type="none" w="med" len="med"/>
+                    </a:lnB>
+                    <a:lnTlToBr w="12700" cmpd="sng">
+                      <a:noFill/>
+                      <a:prstDash val="solid"/>
+                    </a:lnTlToBr>
+                    <a:lnBlToTr w="12700" cmpd="sng">
+                      <a:noFill/>
+                      <a:prstDash val="solid"/>
+                    </a:lnBlToTr>
+                    <a:noFill/>
+                  </a:tcPr>
+                </a:tc>
+                <a:tc>
+                  <a:txBody>
+                    <a:bodyPr/>
+                    <a:lstStyle/>
+                    <a:p>
+                      <a:pPr marL="0" marR="0" indent="0" algn="l" defTabSz="914400" rtl="0" eaLnBrk="1" fontAlgn="auto" latinLnBrk="1" hangingPunct="1">
+                        <a:lnSpc>
+                          <a:spcPct val="150000"/>
+                        </a:lnSpc>
+                        <a:spcBef>
+                          <a:spcPts val="0"/>
+                        </a:spcBef>
+                        <a:spcAft>
+                          <a:spcPts val="0"/>
+                        </a:spcAft>
+                        <a:buClrTx/>
+                        <a:buSzTx/>
+                        <a:buFontTx/>
+                        <a:buNone/>
+                        <a:tabLst/>
+                        <a:defRPr/>
+                      </a:pPr>
+                      <a:endParaRPr lang="en-US" altLang="ko-KR" sz="1000" dirty="0">
+                        <a:solidFill>
+                          <a:schemeClr val="tx1">
+                            <a:lumMod val="50000"/>
+                            <a:lumOff val="50000"/>
+                          </a:schemeClr>
+                        </a:solidFill>
+                        <a:latin typeface="나눔고딕" panose="020D0604000000000000" pitchFamily="50" charset="-127"/>
+                        <a:ea typeface="나눔고딕" panose="020D0604000000000000" pitchFamily="50" charset="-127"/>
+                        <a:sym typeface="Wingdings" panose="05000000000000000000" pitchFamily="2" charset="2"/>
+                      </a:endParaRPr>
+                    </a:p>
+                  </a:txBody>
+                  <a:tcPr anchor="ctr">
+                    <a:lnL w="3175" cap="flat" cmpd="sng" algn="ctr">
+                      <a:solidFill>
+                        <a:schemeClr val="bg1">
+                          <a:lumMod val="75000"/>
+                        </a:schemeClr>
+                      </a:solidFill>
+                      <a:prstDash val="solid"/>
+                      <a:round/>
+                      <a:headEnd type="none" w="med" len="med"/>
+                      <a:tailEnd type="none" w="med" len="med"/>
+                    </a:lnL>
+                    <a:lnR w="3175" cap="flat" cmpd="sng" algn="ctr">
+                      <a:noFill/>
+                      <a:prstDash val="solid"/>
+                      <a:round/>
+                      <a:headEnd type="none" w="med" len="med"/>
+                      <a:tailEnd type="none" w="med" len="med"/>
+                    </a:lnR>
+                    <a:lnT w="3175" cap="flat" cmpd="sng" algn="ctr">
+                      <a:solidFill>
+                        <a:schemeClr val="bg1">
+                          <a:lumMod val="75000"/>
+                        </a:schemeClr>
+                      </a:solidFill>
+                      <a:prstDash val="solid"/>
+                      <a:round/>
+                      <a:headEnd type="none" w="med" len="med"/>
+                      <a:tailEnd type="none" w="med" len="med"/>
+                    </a:lnT>
+                    <a:lnB w="3175" cap="flat" cmpd="sng" algn="ctr">
+                      <a:noFill/>
+                      <a:prstDash val="solid"/>
+                      <a:round/>
+                      <a:headEnd type="none" w="med" len="med"/>
+                      <a:tailEnd type="none" w="med" len="med"/>
+                    </a:lnB>
+                    <a:lnTlToBr w="12700" cmpd="sng">
+                      <a:noFill/>
+                      <a:prstDash val="solid"/>
+                    </a:lnTlToBr>
+                    <a:lnBlToTr w="12700" cmpd="sng">
+                      <a:noFill/>
+                      <a:prstDash val="solid"/>
+                    </a:lnBlToTr>
+                    <a:noFill/>
+                  </a:tcPr>
+                </a:tc>
+                <a:extLst>
+                  <a:ext uri="{0D108BD9-81ED-4DB2-BD59-A6C34878D82A}">
+                    <a16:rowId xmlns:a16="http://schemas.microsoft.com/office/drawing/2014/main" val="1398225848"/>
+                  </a:ext>
+                </a:extLst>
+              </a:tr>
+            </a:tbl>
+          </a:graphicData>
+        </a:graphic>
+      </p:graphicFrame>
+      <p:pic>
+        <p:nvPicPr>
+          <p:cNvPr id="5" name="그림 4" descr="스크린샷이(가) 표시된 사진&#10;&#10;자동 생성된 설명">
+            <a:extLst>
+              <a:ext uri="{FF2B5EF4-FFF2-40B4-BE49-F238E27FC236}">
+                <a16:creationId xmlns:a16="http://schemas.microsoft.com/office/drawing/2014/main" id="{CEDCF875-7583-4FE6-9D6C-D90A5CDED72F}"/>
+              </a:ext>
+            </a:extLst>
+          </p:cNvPr>
+          <p:cNvPicPr>
+            <a:picLocks noChangeAspect="1"/>
+          </p:cNvPicPr>
+          <p:nvPr/>
+        </p:nvPicPr>
+        <p:blipFill>
+          <a:blip r:embed="rId2">
+            <a:extLst>
+              <a:ext uri="{28A0092B-C50C-407E-A947-70E740481C1C}">
+                <a14:useLocalDpi xmlns:a14="http://schemas.microsoft.com/office/drawing/2010/main" val="0"/>
+              </a:ext>
+            </a:extLst>
+          </a:blip>
+          <a:stretch>
+            <a:fillRect/>
+          </a:stretch>
+        </p:blipFill>
+        <p:spPr>
+          <a:xfrm>
+            <a:off x="2448337" y="708851"/>
+            <a:ext cx="2854751" cy="5868099"/>
+          </a:xfrm>
+          <a:prstGeom prst="rect">
+            <a:avLst/>
+          </a:prstGeom>
+          <a:effectLst>
+            <a:outerShdw blurRad="50800" dist="38100" dir="2700000" algn="tl" rotWithShape="0">
+              <a:prstClr val="black">
+                <a:alpha val="40000"/>
+              </a:prstClr>
+            </a:outerShdw>
+          </a:effectLst>
+        </p:spPr>
+      </p:pic>
+      <p:grpSp>
+        <p:nvGrpSpPr>
+          <p:cNvPr id="25" name="그룹 24">
+            <a:extLst>
+              <a:ext uri="{FF2B5EF4-FFF2-40B4-BE49-F238E27FC236}">
+                <a16:creationId xmlns:a16="http://schemas.microsoft.com/office/drawing/2014/main" id="{7FE97898-7D08-43D3-9340-37B03168F637}"/>
+              </a:ext>
+            </a:extLst>
+          </p:cNvPr>
+          <p:cNvGrpSpPr/>
+          <p:nvPr/>
+        </p:nvGrpSpPr>
+        <p:grpSpPr>
+          <a:xfrm>
+            <a:off x="4716610" y="3228945"/>
+            <a:ext cx="388720" cy="200055"/>
+            <a:chOff x="4727047" y="5307508"/>
+            <a:chExt cx="388720" cy="200055"/>
+          </a:xfrm>
+        </p:grpSpPr>
+        <p:sp>
+          <p:nvSpPr>
+            <p:cNvPr id="26" name="타원 25">
+              <a:extLst>
+                <a:ext uri="{FF2B5EF4-FFF2-40B4-BE49-F238E27FC236}">
+                  <a16:creationId xmlns:a16="http://schemas.microsoft.com/office/drawing/2014/main" id="{11FA5498-84C8-4557-8941-00CF6009B6A7}"/>
+                </a:ext>
+              </a:extLst>
+            </p:cNvPr>
+            <p:cNvSpPr/>
+            <p:nvPr/>
+          </p:nvSpPr>
+          <p:spPr>
+            <a:xfrm>
+              <a:off x="4831407" y="5317535"/>
+              <a:ext cx="180000" cy="180000"/>
+            </a:xfrm>
+            <a:prstGeom prst="ellipse">
+              <a:avLst/>
+            </a:prstGeom>
+            <a:solidFill>
+              <a:srgbClr val="FF0000"/>
+            </a:solidFill>
+            <a:ln>
+              <a:noFill/>
+            </a:ln>
+            <a:effectLst>
+              <a:glow rad="50800">
+                <a:srgbClr val="FF0000">
+                  <a:alpha val="30000"/>
+                </a:srgbClr>
+              </a:glow>
+              <a:softEdge rad="0"/>
+            </a:effectLst>
+          </p:spPr>
+          <p:style>
+            <a:lnRef idx="2">
+              <a:schemeClr val="accent1">
+                <a:shade val="50000"/>
+              </a:schemeClr>
+            </a:lnRef>
+            <a:fillRef idx="1">
+              <a:schemeClr val="accent1"/>
+            </a:fillRef>
+            <a:effectRef idx="0">
+              <a:schemeClr val="accent1"/>
+            </a:effectRef>
+            <a:fontRef idx="minor">
+              <a:schemeClr val="lt1"/>
+            </a:fontRef>
+          </p:style>
+          <p:txBody>
+            <a:bodyPr rtlCol="0" anchor="ctr"/>
+            <a:lstStyle>
+              <a:defPPr>
+                <a:defRPr lang="ko-KR"/>
+              </a:defPPr>
+              <a:lvl1pPr marL="0" algn="l" defTabSz="713232" rtl="0" eaLnBrk="1" latinLnBrk="1" hangingPunct="1">
+                <a:defRPr sz="1404" kern="1200">
+                  <a:solidFill>
+                    <a:schemeClr val="lt1"/>
+                  </a:solidFill>
+                  <a:latin typeface="+mn-lt"/>
+                  <a:ea typeface="+mn-ea"/>
+                  <a:cs typeface="+mn-cs"/>
+                </a:defRPr>
+              </a:lvl1pPr>
+              <a:lvl2pPr marL="356616" algn="l" defTabSz="713232" rtl="0" eaLnBrk="1" latinLnBrk="1" hangingPunct="1">
+                <a:defRPr sz="1404" kern="1200">
+                  <a:solidFill>
+                    <a:schemeClr val="lt1"/>
+                  </a:solidFill>
+                  <a:latin typeface="+mn-lt"/>
+                  <a:ea typeface="+mn-ea"/>
+                  <a:cs typeface="+mn-cs"/>
+                </a:defRPr>
+              </a:lvl2pPr>
+              <a:lvl3pPr marL="713232" algn="l" defTabSz="713232" rtl="0" eaLnBrk="1" latinLnBrk="1" hangingPunct="1">
+                <a:defRPr sz="1404" kern="1200">
+                  <a:solidFill>
+                    <a:schemeClr val="lt1"/>
+                  </a:solidFill>
+                  <a:latin typeface="+mn-lt"/>
+                  <a:ea typeface="+mn-ea"/>
+                  <a:cs typeface="+mn-cs"/>
+                </a:defRPr>
+              </a:lvl3pPr>
+              <a:lvl4pPr marL="1069848" algn="l" defTabSz="713232" rtl="0" eaLnBrk="1" latinLnBrk="1" hangingPunct="1">
+                <a:defRPr sz="1404" kern="1200">
+                  <a:solidFill>
+                    <a:schemeClr val="lt1"/>
+                  </a:solidFill>
+                  <a:latin typeface="+mn-lt"/>
+                  <a:ea typeface="+mn-ea"/>
+                  <a:cs typeface="+mn-cs"/>
+                </a:defRPr>
+              </a:lvl4pPr>
+              <a:lvl5pPr marL="1426464" algn="l" defTabSz="713232" rtl="0" eaLnBrk="1" latinLnBrk="1" hangingPunct="1">
+                <a:defRPr sz="1404" kern="1200">
+                  <a:solidFill>
+                    <a:schemeClr val="lt1"/>
+                  </a:solidFill>
+                  <a:latin typeface="+mn-lt"/>
+                  <a:ea typeface="+mn-ea"/>
+                  <a:cs typeface="+mn-cs"/>
+                </a:defRPr>
+              </a:lvl5pPr>
+              <a:lvl6pPr marL="1783080" algn="l" defTabSz="713232" rtl="0" eaLnBrk="1" latinLnBrk="1" hangingPunct="1">
+                <a:defRPr sz="1404" kern="1200">
+                  <a:solidFill>
+                    <a:schemeClr val="lt1"/>
+                  </a:solidFill>
+                  <a:latin typeface="+mn-lt"/>
+                  <a:ea typeface="+mn-ea"/>
+                  <a:cs typeface="+mn-cs"/>
+                </a:defRPr>
+              </a:lvl6pPr>
+              <a:lvl7pPr marL="2139696" algn="l" defTabSz="713232" rtl="0" eaLnBrk="1" latinLnBrk="1" hangingPunct="1">
+                <a:defRPr sz="1404" kern="1200">
+                  <a:solidFill>
+                    <a:schemeClr val="lt1"/>
+                  </a:solidFill>
+                  <a:latin typeface="+mn-lt"/>
+                  <a:ea typeface="+mn-ea"/>
+                  <a:cs typeface="+mn-cs"/>
+                </a:defRPr>
+              </a:lvl7pPr>
+              <a:lvl8pPr marL="2496312" algn="l" defTabSz="713232" rtl="0" eaLnBrk="1" latinLnBrk="1" hangingPunct="1">
+                <a:defRPr sz="1404" kern="1200">
+                  <a:solidFill>
+                    <a:schemeClr val="lt1"/>
+                  </a:solidFill>
+                  <a:latin typeface="+mn-lt"/>
+                  <a:ea typeface="+mn-ea"/>
+                  <a:cs typeface="+mn-cs"/>
+                </a:defRPr>
+              </a:lvl8pPr>
+              <a:lvl9pPr marL="2852928" algn="l" defTabSz="713232" rtl="0" eaLnBrk="1" latinLnBrk="1" hangingPunct="1">
+                <a:defRPr sz="1404" kern="1200">
+                  <a:solidFill>
+                    <a:schemeClr val="lt1"/>
+                  </a:solidFill>
+                  <a:latin typeface="+mn-lt"/>
+                  <a:ea typeface="+mn-ea"/>
+                  <a:cs typeface="+mn-cs"/>
+                </a:defRPr>
+              </a:lvl9pPr>
+            </a:lstStyle>
+            <a:p>
+              <a:pPr algn="ctr"/>
+              <a:endParaRPr lang="ko-KR" altLang="en-US" sz="900">
+                <a:latin typeface="나눔고딕" panose="020D0604000000000000" pitchFamily="50" charset="-127"/>
+                <a:ea typeface="나눔고딕" panose="020D0604000000000000" pitchFamily="50" charset="-127"/>
+              </a:endParaRPr>
+            </a:p>
+          </p:txBody>
+        </p:sp>
+        <p:sp>
+          <p:nvSpPr>
+            <p:cNvPr id="27" name="TextBox 27">
+              <a:extLst>
+                <a:ext uri="{FF2B5EF4-FFF2-40B4-BE49-F238E27FC236}">
+                  <a16:creationId xmlns:a16="http://schemas.microsoft.com/office/drawing/2014/main" id="{71B3D4AA-9325-44CA-8165-CC3F4C61650E}"/>
+                </a:ext>
+              </a:extLst>
+            </p:cNvPr>
+            <p:cNvSpPr txBox="1"/>
+            <p:nvPr/>
+          </p:nvSpPr>
+          <p:spPr>
+            <a:xfrm>
+              <a:off x="4727047" y="5307508"/>
+              <a:ext cx="388720" cy="200055"/>
+            </a:xfrm>
+            <a:prstGeom prst="rect">
+              <a:avLst/>
+            </a:prstGeom>
+            <a:noFill/>
+          </p:spPr>
+          <p:txBody>
+            <a:bodyPr wrap="square" rtlCol="0">
+              <a:spAutoFit/>
+            </a:bodyPr>
+            <a:lstStyle>
+              <a:defPPr>
+                <a:defRPr lang="ko-KR"/>
+              </a:defPPr>
+              <a:lvl1pPr marL="0" algn="l" defTabSz="713232" rtl="0" eaLnBrk="1" latinLnBrk="1" hangingPunct="1">
+                <a:defRPr sz="1404" kern="1200">
+                  <a:solidFill>
+                    <a:schemeClr val="tx1"/>
+                  </a:solidFill>
+                  <a:latin typeface="+mn-lt"/>
+                  <a:ea typeface="+mn-ea"/>
+                  <a:cs typeface="+mn-cs"/>
+                </a:defRPr>
+              </a:lvl1pPr>
+              <a:lvl2pPr marL="356616" algn="l" defTabSz="713232" rtl="0" eaLnBrk="1" latinLnBrk="1" hangingPunct="1">
+                <a:defRPr sz="1404" kern="1200">
+                  <a:solidFill>
+                    <a:schemeClr val="tx1"/>
+                  </a:solidFill>
+                  <a:latin typeface="+mn-lt"/>
+                  <a:ea typeface="+mn-ea"/>
+                  <a:cs typeface="+mn-cs"/>
+                </a:defRPr>
+              </a:lvl2pPr>
+              <a:lvl3pPr marL="713232" algn="l" defTabSz="713232" rtl="0" eaLnBrk="1" latinLnBrk="1" hangingPunct="1">
+                <a:defRPr sz="1404" kern="1200">
+                  <a:solidFill>
+                    <a:schemeClr val="tx1"/>
+                  </a:solidFill>
+                  <a:latin typeface="+mn-lt"/>
+                  <a:ea typeface="+mn-ea"/>
+                  <a:cs typeface="+mn-cs"/>
+                </a:defRPr>
+              </a:lvl3pPr>
+              <a:lvl4pPr marL="1069848" algn="l" defTabSz="713232" rtl="0" eaLnBrk="1" latinLnBrk="1" hangingPunct="1">
+                <a:defRPr sz="1404" kern="1200">
+                  <a:solidFill>
+                    <a:schemeClr val="tx1"/>
+                  </a:solidFill>
+                  <a:latin typeface="+mn-lt"/>
+                  <a:ea typeface="+mn-ea"/>
+                  <a:cs typeface="+mn-cs"/>
+                </a:defRPr>
+              </a:lvl4pPr>
+              <a:lvl5pPr marL="1426464" algn="l" defTabSz="713232" rtl="0" eaLnBrk="1" latinLnBrk="1" hangingPunct="1">
+                <a:defRPr sz="1404" kern="1200">
+                  <a:solidFill>
+                    <a:schemeClr val="tx1"/>
+                  </a:solidFill>
+                  <a:latin typeface="+mn-lt"/>
+                  <a:ea typeface="+mn-ea"/>
+                  <a:cs typeface="+mn-cs"/>
+                </a:defRPr>
+              </a:lvl5pPr>
+              <a:lvl6pPr marL="1783080" algn="l" defTabSz="713232" rtl="0" eaLnBrk="1" latinLnBrk="1" hangingPunct="1">
+                <a:defRPr sz="1404" kern="1200">
+                  <a:solidFill>
+                    <a:schemeClr val="tx1"/>
+                  </a:solidFill>
+                  <a:latin typeface="+mn-lt"/>
+                  <a:ea typeface="+mn-ea"/>
+                  <a:cs typeface="+mn-cs"/>
+                </a:defRPr>
+              </a:lvl6pPr>
+              <a:lvl7pPr marL="2139696" algn="l" defTabSz="713232" rtl="0" eaLnBrk="1" latinLnBrk="1" hangingPunct="1">
+                <a:defRPr sz="1404" kern="1200">
+                  <a:solidFill>
+                    <a:schemeClr val="tx1"/>
+                  </a:solidFill>
+                  <a:latin typeface="+mn-lt"/>
+                  <a:ea typeface="+mn-ea"/>
+                  <a:cs typeface="+mn-cs"/>
+                </a:defRPr>
+              </a:lvl7pPr>
+              <a:lvl8pPr marL="2496312" algn="l" defTabSz="713232" rtl="0" eaLnBrk="1" latinLnBrk="1" hangingPunct="1">
+                <a:defRPr sz="1404" kern="1200">
+                  <a:solidFill>
+                    <a:schemeClr val="tx1"/>
+                  </a:solidFill>
+                  <a:latin typeface="+mn-lt"/>
+                  <a:ea typeface="+mn-ea"/>
+                  <a:cs typeface="+mn-cs"/>
+                </a:defRPr>
+              </a:lvl8pPr>
+              <a:lvl9pPr marL="2852928" algn="l" defTabSz="713232" rtl="0" eaLnBrk="1" latinLnBrk="1" hangingPunct="1">
+                <a:defRPr sz="1404" kern="1200">
+                  <a:solidFill>
+                    <a:schemeClr val="tx1"/>
+                  </a:solidFill>
+                  <a:latin typeface="+mn-lt"/>
+                  <a:ea typeface="+mn-ea"/>
+                  <a:cs typeface="+mn-cs"/>
+                </a:defRPr>
+              </a:lvl9pPr>
+            </a:lstStyle>
+            <a:p>
+              <a:pPr algn="ctr"/>
+              <a:r>
+                <a:rPr lang="en-US" altLang="ko-KR" sz="700" b="1" dirty="0">
+                  <a:solidFill>
+                    <a:schemeClr val="bg1"/>
+                  </a:solidFill>
+                  <a:latin typeface="나눔고딕" panose="020D0604000000000000" pitchFamily="50" charset="-127"/>
+                  <a:ea typeface="나눔고딕" panose="020D0604000000000000" pitchFamily="50" charset="-127"/>
+                </a:rPr>
+                <a:t>1</a:t>
+              </a:r>
+              <a:endParaRPr lang="ko-KR" altLang="en-US" sz="700" b="1" dirty="0">
+                <a:solidFill>
+                  <a:schemeClr val="bg1"/>
+                </a:solidFill>
+                <a:latin typeface="나눔고딕" panose="020D0604000000000000" pitchFamily="50" charset="-127"/>
+                <a:ea typeface="나눔고딕" panose="020D0604000000000000" pitchFamily="50" charset="-127"/>
+              </a:endParaRPr>
+            </a:p>
+          </p:txBody>
+        </p:sp>
+      </p:grpSp>
+      <p:grpSp>
+        <p:nvGrpSpPr>
+          <p:cNvPr id="28" name="그룹 27">
+            <a:extLst>
+              <a:ext uri="{FF2B5EF4-FFF2-40B4-BE49-F238E27FC236}">
+                <a16:creationId xmlns:a16="http://schemas.microsoft.com/office/drawing/2014/main" id="{347ABA9C-D570-4CB8-BFBE-DFFC97C111D9}"/>
+              </a:ext>
+            </a:extLst>
+          </p:cNvPr>
+          <p:cNvGrpSpPr/>
+          <p:nvPr/>
+        </p:nvGrpSpPr>
+        <p:grpSpPr>
+          <a:xfrm>
+            <a:off x="2796930" y="3634052"/>
+            <a:ext cx="388720" cy="200055"/>
+            <a:chOff x="4727047" y="5307508"/>
+            <a:chExt cx="388720" cy="200055"/>
+          </a:xfrm>
+        </p:grpSpPr>
+        <p:sp>
+          <p:nvSpPr>
+            <p:cNvPr id="29" name="타원 28">
+              <a:extLst>
+                <a:ext uri="{FF2B5EF4-FFF2-40B4-BE49-F238E27FC236}">
+                  <a16:creationId xmlns:a16="http://schemas.microsoft.com/office/drawing/2014/main" id="{9105E026-C2A3-45E6-8EBD-BD03E8F4A9A2}"/>
+                </a:ext>
+              </a:extLst>
+            </p:cNvPr>
+            <p:cNvSpPr/>
+            <p:nvPr/>
+          </p:nvSpPr>
+          <p:spPr>
+            <a:xfrm>
+              <a:off x="4831407" y="5317535"/>
+              <a:ext cx="180000" cy="180000"/>
+            </a:xfrm>
+            <a:prstGeom prst="ellipse">
+              <a:avLst/>
+            </a:prstGeom>
+            <a:solidFill>
+              <a:srgbClr val="FF0000"/>
+            </a:solidFill>
+            <a:ln>
+              <a:noFill/>
+            </a:ln>
+            <a:effectLst>
+              <a:glow rad="50800">
+                <a:srgbClr val="FF0000">
+                  <a:alpha val="30000"/>
+                </a:srgbClr>
+              </a:glow>
+              <a:softEdge rad="0"/>
+            </a:effectLst>
+          </p:spPr>
+          <p:style>
+            <a:lnRef idx="2">
+              <a:schemeClr val="accent1">
+                <a:shade val="50000"/>
+              </a:schemeClr>
+            </a:lnRef>
+            <a:fillRef idx="1">
+              <a:schemeClr val="accent1"/>
+            </a:fillRef>
+            <a:effectRef idx="0">
+              <a:schemeClr val="accent1"/>
+            </a:effectRef>
+            <a:fontRef idx="minor">
+              <a:schemeClr val="lt1"/>
+            </a:fontRef>
+          </p:style>
+          <p:txBody>
+            <a:bodyPr rtlCol="0" anchor="ctr"/>
+            <a:lstStyle>
+              <a:defPPr>
+                <a:defRPr lang="ko-KR"/>
+              </a:defPPr>
+              <a:lvl1pPr marL="0" algn="l" defTabSz="713232" rtl="0" eaLnBrk="1" latinLnBrk="1" hangingPunct="1">
+                <a:defRPr sz="1404" kern="1200">
+                  <a:solidFill>
+                    <a:schemeClr val="lt1"/>
+                  </a:solidFill>
+                  <a:latin typeface="+mn-lt"/>
+                  <a:ea typeface="+mn-ea"/>
+                  <a:cs typeface="+mn-cs"/>
+                </a:defRPr>
+              </a:lvl1pPr>
+              <a:lvl2pPr marL="356616" algn="l" defTabSz="713232" rtl="0" eaLnBrk="1" latinLnBrk="1" hangingPunct="1">
+                <a:defRPr sz="1404" kern="1200">
+                  <a:solidFill>
+                    <a:schemeClr val="lt1"/>
+                  </a:solidFill>
+                  <a:latin typeface="+mn-lt"/>
+                  <a:ea typeface="+mn-ea"/>
+                  <a:cs typeface="+mn-cs"/>
+                </a:defRPr>
+              </a:lvl2pPr>
+              <a:lvl3pPr marL="713232" algn="l" defTabSz="713232" rtl="0" eaLnBrk="1" latinLnBrk="1" hangingPunct="1">
+                <a:defRPr sz="1404" kern="1200">
+                  <a:solidFill>
+                    <a:schemeClr val="lt1"/>
+                  </a:solidFill>
+                  <a:latin typeface="+mn-lt"/>
+                  <a:ea typeface="+mn-ea"/>
+                  <a:cs typeface="+mn-cs"/>
+                </a:defRPr>
+              </a:lvl3pPr>
+              <a:lvl4pPr marL="1069848" algn="l" defTabSz="713232" rtl="0" eaLnBrk="1" latinLnBrk="1" hangingPunct="1">
+                <a:defRPr sz="1404" kern="1200">
+                  <a:solidFill>
+                    <a:schemeClr val="lt1"/>
+                  </a:solidFill>
+                  <a:latin typeface="+mn-lt"/>
+                  <a:ea typeface="+mn-ea"/>
+                  <a:cs typeface="+mn-cs"/>
+                </a:defRPr>
+              </a:lvl4pPr>
+              <a:lvl5pPr marL="1426464" algn="l" defTabSz="713232" rtl="0" eaLnBrk="1" latinLnBrk="1" hangingPunct="1">
+                <a:defRPr sz="1404" kern="1200">
+                  <a:solidFill>
+                    <a:schemeClr val="lt1"/>
+                  </a:solidFill>
+                  <a:latin typeface="+mn-lt"/>
+                  <a:ea typeface="+mn-ea"/>
+                  <a:cs typeface="+mn-cs"/>
+                </a:defRPr>
+              </a:lvl5pPr>
+              <a:lvl6pPr marL="1783080" algn="l" defTabSz="713232" rtl="0" eaLnBrk="1" latinLnBrk="1" hangingPunct="1">
+                <a:defRPr sz="1404" kern="1200">
+                  <a:solidFill>
+                    <a:schemeClr val="lt1"/>
+                  </a:solidFill>
+                  <a:latin typeface="+mn-lt"/>
+                  <a:ea typeface="+mn-ea"/>
+                  <a:cs typeface="+mn-cs"/>
+                </a:defRPr>
+              </a:lvl6pPr>
+              <a:lvl7pPr marL="2139696" algn="l" defTabSz="713232" rtl="0" eaLnBrk="1" latinLnBrk="1" hangingPunct="1">
+                <a:defRPr sz="1404" kern="1200">
+                  <a:solidFill>
+                    <a:schemeClr val="lt1"/>
+                  </a:solidFill>
+                  <a:latin typeface="+mn-lt"/>
+                  <a:ea typeface="+mn-ea"/>
+                  <a:cs typeface="+mn-cs"/>
+                </a:defRPr>
+              </a:lvl7pPr>
+              <a:lvl8pPr marL="2496312" algn="l" defTabSz="713232" rtl="0" eaLnBrk="1" latinLnBrk="1" hangingPunct="1">
+                <a:defRPr sz="1404" kern="1200">
+                  <a:solidFill>
+                    <a:schemeClr val="lt1"/>
+                  </a:solidFill>
+                  <a:latin typeface="+mn-lt"/>
+                  <a:ea typeface="+mn-ea"/>
+                  <a:cs typeface="+mn-cs"/>
+                </a:defRPr>
+              </a:lvl8pPr>
+              <a:lvl9pPr marL="2852928" algn="l" defTabSz="713232" rtl="0" eaLnBrk="1" latinLnBrk="1" hangingPunct="1">
+                <a:defRPr sz="1404" kern="1200">
+                  <a:solidFill>
+                    <a:schemeClr val="lt1"/>
+                  </a:solidFill>
+                  <a:latin typeface="+mn-lt"/>
+                  <a:ea typeface="+mn-ea"/>
+                  <a:cs typeface="+mn-cs"/>
+                </a:defRPr>
+              </a:lvl9pPr>
+            </a:lstStyle>
+            <a:p>
+              <a:pPr algn="ctr"/>
+              <a:endParaRPr lang="ko-KR" altLang="en-US" sz="900">
+                <a:latin typeface="나눔고딕" panose="020D0604000000000000" pitchFamily="50" charset="-127"/>
+                <a:ea typeface="나눔고딕" panose="020D0604000000000000" pitchFamily="50" charset="-127"/>
+              </a:endParaRPr>
+            </a:p>
+          </p:txBody>
+        </p:sp>
+        <p:sp>
+          <p:nvSpPr>
+            <p:cNvPr id="30" name="TextBox 27">
+              <a:extLst>
+                <a:ext uri="{FF2B5EF4-FFF2-40B4-BE49-F238E27FC236}">
+                  <a16:creationId xmlns:a16="http://schemas.microsoft.com/office/drawing/2014/main" id="{B839DEA7-A73B-4F65-A10D-0844EE16D260}"/>
+                </a:ext>
+              </a:extLst>
+            </p:cNvPr>
+            <p:cNvSpPr txBox="1"/>
+            <p:nvPr/>
+          </p:nvSpPr>
+          <p:spPr>
+            <a:xfrm>
+              <a:off x="4727047" y="5307508"/>
+              <a:ext cx="388720" cy="200055"/>
+            </a:xfrm>
+            <a:prstGeom prst="rect">
+              <a:avLst/>
+            </a:prstGeom>
+            <a:noFill/>
+          </p:spPr>
+          <p:txBody>
+            <a:bodyPr wrap="square" rtlCol="0">
+              <a:spAutoFit/>
+            </a:bodyPr>
+            <a:lstStyle>
+              <a:defPPr>
+                <a:defRPr lang="ko-KR"/>
+              </a:defPPr>
+              <a:lvl1pPr marL="0" algn="l" defTabSz="713232" rtl="0" eaLnBrk="1" latinLnBrk="1" hangingPunct="1">
+                <a:defRPr sz="1404" kern="1200">
+                  <a:solidFill>
+                    <a:schemeClr val="tx1"/>
+                  </a:solidFill>
+                  <a:latin typeface="+mn-lt"/>
+                  <a:ea typeface="+mn-ea"/>
+                  <a:cs typeface="+mn-cs"/>
+                </a:defRPr>
+              </a:lvl1pPr>
+              <a:lvl2pPr marL="356616" algn="l" defTabSz="713232" rtl="0" eaLnBrk="1" latinLnBrk="1" hangingPunct="1">
+                <a:defRPr sz="1404" kern="1200">
+                  <a:solidFill>
+                    <a:schemeClr val="tx1"/>
+                  </a:solidFill>
+                  <a:latin typeface="+mn-lt"/>
+                  <a:ea typeface="+mn-ea"/>
+                  <a:cs typeface="+mn-cs"/>
+                </a:defRPr>
+              </a:lvl2pPr>
+              <a:lvl3pPr marL="713232" algn="l" defTabSz="713232" rtl="0" eaLnBrk="1" latinLnBrk="1" hangingPunct="1">
+                <a:defRPr sz="1404" kern="1200">
+                  <a:solidFill>
+                    <a:schemeClr val="tx1"/>
+                  </a:solidFill>
+                  <a:latin typeface="+mn-lt"/>
+                  <a:ea typeface="+mn-ea"/>
+                  <a:cs typeface="+mn-cs"/>
+                </a:defRPr>
+              </a:lvl3pPr>
+              <a:lvl4pPr marL="1069848" algn="l" defTabSz="713232" rtl="0" eaLnBrk="1" latinLnBrk="1" hangingPunct="1">
+                <a:defRPr sz="1404" kern="1200">
+                  <a:solidFill>
+                    <a:schemeClr val="tx1"/>
+                  </a:solidFill>
+                  <a:latin typeface="+mn-lt"/>
+                  <a:ea typeface="+mn-ea"/>
+                  <a:cs typeface="+mn-cs"/>
+                </a:defRPr>
+              </a:lvl4pPr>
+              <a:lvl5pPr marL="1426464" algn="l" defTabSz="713232" rtl="0" eaLnBrk="1" latinLnBrk="1" hangingPunct="1">
+                <a:defRPr sz="1404" kern="1200">
+                  <a:solidFill>
+                    <a:schemeClr val="tx1"/>
+                  </a:solidFill>
+                  <a:latin typeface="+mn-lt"/>
+                  <a:ea typeface="+mn-ea"/>
+                  <a:cs typeface="+mn-cs"/>
+                </a:defRPr>
+              </a:lvl5pPr>
+              <a:lvl6pPr marL="1783080" algn="l" defTabSz="713232" rtl="0" eaLnBrk="1" latinLnBrk="1" hangingPunct="1">
+                <a:defRPr sz="1404" kern="1200">
+                  <a:solidFill>
+                    <a:schemeClr val="tx1"/>
+                  </a:solidFill>
+                  <a:latin typeface="+mn-lt"/>
+                  <a:ea typeface="+mn-ea"/>
+                  <a:cs typeface="+mn-cs"/>
+                </a:defRPr>
+              </a:lvl6pPr>
+              <a:lvl7pPr marL="2139696" algn="l" defTabSz="713232" rtl="0" eaLnBrk="1" latinLnBrk="1" hangingPunct="1">
+                <a:defRPr sz="1404" kern="1200">
+                  <a:solidFill>
+                    <a:schemeClr val="tx1"/>
+                  </a:solidFill>
+                  <a:latin typeface="+mn-lt"/>
+                  <a:ea typeface="+mn-ea"/>
+                  <a:cs typeface="+mn-cs"/>
+                </a:defRPr>
+              </a:lvl7pPr>
+              <a:lvl8pPr marL="2496312" algn="l" defTabSz="713232" rtl="0" eaLnBrk="1" latinLnBrk="1" hangingPunct="1">
+                <a:defRPr sz="1404" kern="1200">
+                  <a:solidFill>
+                    <a:schemeClr val="tx1"/>
+                  </a:solidFill>
+                  <a:latin typeface="+mn-lt"/>
+                  <a:ea typeface="+mn-ea"/>
+                  <a:cs typeface="+mn-cs"/>
+                </a:defRPr>
+              </a:lvl8pPr>
+              <a:lvl9pPr marL="2852928" algn="l" defTabSz="713232" rtl="0" eaLnBrk="1" latinLnBrk="1" hangingPunct="1">
+                <a:defRPr sz="1404" kern="1200">
+                  <a:solidFill>
+                    <a:schemeClr val="tx1"/>
+                  </a:solidFill>
+                  <a:latin typeface="+mn-lt"/>
+                  <a:ea typeface="+mn-ea"/>
+                  <a:cs typeface="+mn-cs"/>
+                </a:defRPr>
+              </a:lvl9pPr>
+            </a:lstStyle>
+            <a:p>
+              <a:pPr algn="ctr"/>
+              <a:r>
+                <a:rPr lang="en-US" altLang="ko-KR" sz="700" b="1" dirty="0">
+                  <a:solidFill>
+                    <a:schemeClr val="bg1"/>
+                  </a:solidFill>
+                  <a:latin typeface="나눔고딕" panose="020D0604000000000000" pitchFamily="50" charset="-127"/>
+                  <a:ea typeface="나눔고딕" panose="020D0604000000000000" pitchFamily="50" charset="-127"/>
+                </a:rPr>
+                <a:t>2</a:t>
+              </a:r>
+              <a:endParaRPr lang="ko-KR" altLang="en-US" sz="700" b="1" dirty="0">
+                <a:solidFill>
+                  <a:schemeClr val="bg1"/>
+                </a:solidFill>
+                <a:latin typeface="나눔고딕" panose="020D0604000000000000" pitchFamily="50" charset="-127"/>
+                <a:ea typeface="나눔고딕" panose="020D0604000000000000" pitchFamily="50" charset="-127"/>
+              </a:endParaRPr>
+            </a:p>
+          </p:txBody>
+        </p:sp>
+      </p:grpSp>
+      <p:grpSp>
+        <p:nvGrpSpPr>
+          <p:cNvPr id="31" name="그룹 30">
+            <a:extLst>
+              <a:ext uri="{FF2B5EF4-FFF2-40B4-BE49-F238E27FC236}">
+                <a16:creationId xmlns:a16="http://schemas.microsoft.com/office/drawing/2014/main" id="{A1E08A04-F04F-4F15-ADEE-D08CC81EA2FE}"/>
+              </a:ext>
+            </a:extLst>
+          </p:cNvPr>
+          <p:cNvGrpSpPr/>
+          <p:nvPr/>
+        </p:nvGrpSpPr>
+        <p:grpSpPr>
+          <a:xfrm>
+            <a:off x="2448337" y="4214290"/>
+            <a:ext cx="388720" cy="200055"/>
+            <a:chOff x="4727047" y="5307508"/>
+            <a:chExt cx="388720" cy="200055"/>
+          </a:xfrm>
+        </p:grpSpPr>
+        <p:sp>
+          <p:nvSpPr>
+            <p:cNvPr id="32" name="타원 31">
+              <a:extLst>
+                <a:ext uri="{FF2B5EF4-FFF2-40B4-BE49-F238E27FC236}">
+                  <a16:creationId xmlns:a16="http://schemas.microsoft.com/office/drawing/2014/main" id="{4DF95D3F-6507-4B0E-8065-CC0F58F83019}"/>
+                </a:ext>
+              </a:extLst>
+            </p:cNvPr>
+            <p:cNvSpPr/>
+            <p:nvPr/>
+          </p:nvSpPr>
+          <p:spPr>
+            <a:xfrm>
+              <a:off x="4831407" y="5317535"/>
+              <a:ext cx="180000" cy="180000"/>
+            </a:xfrm>
+            <a:prstGeom prst="ellipse">
+              <a:avLst/>
+            </a:prstGeom>
+            <a:solidFill>
+              <a:srgbClr val="FF0000"/>
+            </a:solidFill>
+            <a:ln>
+              <a:noFill/>
+            </a:ln>
+            <a:effectLst>
+              <a:glow rad="50800">
+                <a:srgbClr val="FF0000">
+                  <a:alpha val="30000"/>
+                </a:srgbClr>
+              </a:glow>
+              <a:softEdge rad="0"/>
+            </a:effectLst>
+          </p:spPr>
+          <p:style>
+            <a:lnRef idx="2">
+              <a:schemeClr val="accent1">
+                <a:shade val="50000"/>
+              </a:schemeClr>
+            </a:lnRef>
+            <a:fillRef idx="1">
+              <a:schemeClr val="accent1"/>
+            </a:fillRef>
+            <a:effectRef idx="0">
+              <a:schemeClr val="accent1"/>
+            </a:effectRef>
+            <a:fontRef idx="minor">
+              <a:schemeClr val="lt1"/>
+            </a:fontRef>
+          </p:style>
+          <p:txBody>
+            <a:bodyPr rtlCol="0" anchor="ctr"/>
+            <a:lstStyle>
+              <a:defPPr>
+                <a:defRPr lang="ko-KR"/>
+              </a:defPPr>
+              <a:lvl1pPr marL="0" algn="l" defTabSz="713232" rtl="0" eaLnBrk="1" latinLnBrk="1" hangingPunct="1">
+                <a:defRPr sz="1404" kern="1200">
+                  <a:solidFill>
+                    <a:schemeClr val="lt1"/>
+                  </a:solidFill>
+                  <a:latin typeface="+mn-lt"/>
+                  <a:ea typeface="+mn-ea"/>
+                  <a:cs typeface="+mn-cs"/>
+                </a:defRPr>
+              </a:lvl1pPr>
+              <a:lvl2pPr marL="356616" algn="l" defTabSz="713232" rtl="0" eaLnBrk="1" latinLnBrk="1" hangingPunct="1">
+                <a:defRPr sz="1404" kern="1200">
+                  <a:solidFill>
+                    <a:schemeClr val="lt1"/>
+                  </a:solidFill>
+                  <a:latin typeface="+mn-lt"/>
+                  <a:ea typeface="+mn-ea"/>
+                  <a:cs typeface="+mn-cs"/>
+                </a:defRPr>
+              </a:lvl2pPr>
+              <a:lvl3pPr marL="713232" algn="l" defTabSz="713232" rtl="0" eaLnBrk="1" latinLnBrk="1" hangingPunct="1">
+                <a:defRPr sz="1404" kern="1200">
+                  <a:solidFill>
+                    <a:schemeClr val="lt1"/>
+                  </a:solidFill>
+                  <a:latin typeface="+mn-lt"/>
+                  <a:ea typeface="+mn-ea"/>
+                  <a:cs typeface="+mn-cs"/>
+                </a:defRPr>
+              </a:lvl3pPr>
+              <a:lvl4pPr marL="1069848" algn="l" defTabSz="713232" rtl="0" eaLnBrk="1" latinLnBrk="1" hangingPunct="1">
+                <a:defRPr sz="1404" kern="1200">
+                  <a:solidFill>
+                    <a:schemeClr val="lt1"/>
+                  </a:solidFill>
+                  <a:latin typeface="+mn-lt"/>
+                  <a:ea typeface="+mn-ea"/>
+                  <a:cs typeface="+mn-cs"/>
+                </a:defRPr>
+              </a:lvl4pPr>
+              <a:lvl5pPr marL="1426464" algn="l" defTabSz="713232" rtl="0" eaLnBrk="1" latinLnBrk="1" hangingPunct="1">
+                <a:defRPr sz="1404" kern="1200">
+                  <a:solidFill>
+                    <a:schemeClr val="lt1"/>
+                  </a:solidFill>
+                  <a:latin typeface="+mn-lt"/>
+                  <a:ea typeface="+mn-ea"/>
+                  <a:cs typeface="+mn-cs"/>
+                </a:defRPr>
+              </a:lvl5pPr>
+              <a:lvl6pPr marL="1783080" algn="l" defTabSz="713232" rtl="0" eaLnBrk="1" latinLnBrk="1" hangingPunct="1">
+                <a:defRPr sz="1404" kern="1200">
+                  <a:solidFill>
+                    <a:schemeClr val="lt1"/>
+                  </a:solidFill>
+                  <a:latin typeface="+mn-lt"/>
+                  <a:ea typeface="+mn-ea"/>
+                  <a:cs typeface="+mn-cs"/>
+                </a:defRPr>
+              </a:lvl6pPr>
+              <a:lvl7pPr marL="2139696" algn="l" defTabSz="713232" rtl="0" eaLnBrk="1" latinLnBrk="1" hangingPunct="1">
+                <a:defRPr sz="1404" kern="1200">
+                  <a:solidFill>
+                    <a:schemeClr val="lt1"/>
+                  </a:solidFill>
+                  <a:latin typeface="+mn-lt"/>
+                  <a:ea typeface="+mn-ea"/>
+                  <a:cs typeface="+mn-cs"/>
+                </a:defRPr>
+              </a:lvl7pPr>
+              <a:lvl8pPr marL="2496312" algn="l" defTabSz="713232" rtl="0" eaLnBrk="1" latinLnBrk="1" hangingPunct="1">
+                <a:defRPr sz="1404" kern="1200">
+                  <a:solidFill>
+                    <a:schemeClr val="lt1"/>
+                  </a:solidFill>
+                  <a:latin typeface="+mn-lt"/>
+                  <a:ea typeface="+mn-ea"/>
+                  <a:cs typeface="+mn-cs"/>
+                </a:defRPr>
+              </a:lvl8pPr>
+              <a:lvl9pPr marL="2852928" algn="l" defTabSz="713232" rtl="0" eaLnBrk="1" latinLnBrk="1" hangingPunct="1">
+                <a:defRPr sz="1404" kern="1200">
+                  <a:solidFill>
+                    <a:schemeClr val="lt1"/>
+                  </a:solidFill>
+                  <a:latin typeface="+mn-lt"/>
+                  <a:ea typeface="+mn-ea"/>
+                  <a:cs typeface="+mn-cs"/>
+                </a:defRPr>
+              </a:lvl9pPr>
+            </a:lstStyle>
+            <a:p>
+              <a:pPr algn="ctr"/>
+              <a:endParaRPr lang="ko-KR" altLang="en-US" sz="900">
+                <a:latin typeface="나눔고딕" panose="020D0604000000000000" pitchFamily="50" charset="-127"/>
+                <a:ea typeface="나눔고딕" panose="020D0604000000000000" pitchFamily="50" charset="-127"/>
+              </a:endParaRPr>
+            </a:p>
+          </p:txBody>
+        </p:sp>
+        <p:sp>
+          <p:nvSpPr>
+            <p:cNvPr id="33" name="TextBox 27">
+              <a:extLst>
+                <a:ext uri="{FF2B5EF4-FFF2-40B4-BE49-F238E27FC236}">
+                  <a16:creationId xmlns:a16="http://schemas.microsoft.com/office/drawing/2014/main" id="{129E22A6-E0B1-4FB6-8981-C62651D3D22F}"/>
+                </a:ext>
+              </a:extLst>
+            </p:cNvPr>
+            <p:cNvSpPr txBox="1"/>
+            <p:nvPr/>
+          </p:nvSpPr>
+          <p:spPr>
+            <a:xfrm>
+              <a:off x="4727047" y="5307508"/>
+              <a:ext cx="388720" cy="200055"/>
+            </a:xfrm>
+            <a:prstGeom prst="rect">
+              <a:avLst/>
+            </a:prstGeom>
+            <a:noFill/>
+          </p:spPr>
+          <p:txBody>
+            <a:bodyPr wrap="square" rtlCol="0">
+              <a:spAutoFit/>
+            </a:bodyPr>
+            <a:lstStyle>
+              <a:defPPr>
+                <a:defRPr lang="ko-KR"/>
+              </a:defPPr>
+              <a:lvl1pPr marL="0" algn="l" defTabSz="713232" rtl="0" eaLnBrk="1" latinLnBrk="1" hangingPunct="1">
+                <a:defRPr sz="1404" kern="1200">
+                  <a:solidFill>
+                    <a:schemeClr val="tx1"/>
+                  </a:solidFill>
+                  <a:latin typeface="+mn-lt"/>
+                  <a:ea typeface="+mn-ea"/>
+                  <a:cs typeface="+mn-cs"/>
+                </a:defRPr>
+              </a:lvl1pPr>
+              <a:lvl2pPr marL="356616" algn="l" defTabSz="713232" rtl="0" eaLnBrk="1" latinLnBrk="1" hangingPunct="1">
+                <a:defRPr sz="1404" kern="1200">
+                  <a:solidFill>
+                    <a:schemeClr val="tx1"/>
+                  </a:solidFill>
+                  <a:latin typeface="+mn-lt"/>
+                  <a:ea typeface="+mn-ea"/>
+                  <a:cs typeface="+mn-cs"/>
+                </a:defRPr>
+              </a:lvl2pPr>
+              <a:lvl3pPr marL="713232" algn="l" defTabSz="713232" rtl="0" eaLnBrk="1" latinLnBrk="1" hangingPunct="1">
+                <a:defRPr sz="1404" kern="1200">
+                  <a:solidFill>
+                    <a:schemeClr val="tx1"/>
+                  </a:solidFill>
+                  <a:latin typeface="+mn-lt"/>
+                  <a:ea typeface="+mn-ea"/>
+                  <a:cs typeface="+mn-cs"/>
+                </a:defRPr>
+              </a:lvl3pPr>
+              <a:lvl4pPr marL="1069848" algn="l" defTabSz="713232" rtl="0" eaLnBrk="1" latinLnBrk="1" hangingPunct="1">
+                <a:defRPr sz="1404" kern="1200">
+                  <a:solidFill>
+                    <a:schemeClr val="tx1"/>
+                  </a:solidFill>
+                  <a:latin typeface="+mn-lt"/>
+                  <a:ea typeface="+mn-ea"/>
+                  <a:cs typeface="+mn-cs"/>
+                </a:defRPr>
+              </a:lvl4pPr>
+              <a:lvl5pPr marL="1426464" algn="l" defTabSz="713232" rtl="0" eaLnBrk="1" latinLnBrk="1" hangingPunct="1">
+                <a:defRPr sz="1404" kern="1200">
+                  <a:solidFill>
+                    <a:schemeClr val="tx1"/>
+                  </a:solidFill>
+                  <a:latin typeface="+mn-lt"/>
+                  <a:ea typeface="+mn-ea"/>
+                  <a:cs typeface="+mn-cs"/>
+                </a:defRPr>
+              </a:lvl5pPr>
+              <a:lvl6pPr marL="1783080" algn="l" defTabSz="713232" rtl="0" eaLnBrk="1" latinLnBrk="1" hangingPunct="1">
+                <a:defRPr sz="1404" kern="1200">
+                  <a:solidFill>
+                    <a:schemeClr val="tx1"/>
+                  </a:solidFill>
+                  <a:latin typeface="+mn-lt"/>
+                  <a:ea typeface="+mn-ea"/>
+                  <a:cs typeface="+mn-cs"/>
+                </a:defRPr>
+              </a:lvl6pPr>
+              <a:lvl7pPr marL="2139696" algn="l" defTabSz="713232" rtl="0" eaLnBrk="1" latinLnBrk="1" hangingPunct="1">
+                <a:defRPr sz="1404" kern="1200">
+                  <a:solidFill>
+                    <a:schemeClr val="tx1"/>
+                  </a:solidFill>
+                  <a:latin typeface="+mn-lt"/>
+                  <a:ea typeface="+mn-ea"/>
+                  <a:cs typeface="+mn-cs"/>
+                </a:defRPr>
+              </a:lvl7pPr>
+              <a:lvl8pPr marL="2496312" algn="l" defTabSz="713232" rtl="0" eaLnBrk="1" latinLnBrk="1" hangingPunct="1">
+                <a:defRPr sz="1404" kern="1200">
+                  <a:solidFill>
+                    <a:schemeClr val="tx1"/>
+                  </a:solidFill>
+                  <a:latin typeface="+mn-lt"/>
+                  <a:ea typeface="+mn-ea"/>
+                  <a:cs typeface="+mn-cs"/>
+                </a:defRPr>
+              </a:lvl8pPr>
+              <a:lvl9pPr marL="2852928" algn="l" defTabSz="713232" rtl="0" eaLnBrk="1" latinLnBrk="1" hangingPunct="1">
+                <a:defRPr sz="1404" kern="1200">
+                  <a:solidFill>
+                    <a:schemeClr val="tx1"/>
+                  </a:solidFill>
+                  <a:latin typeface="+mn-lt"/>
+                  <a:ea typeface="+mn-ea"/>
+                  <a:cs typeface="+mn-cs"/>
+                </a:defRPr>
+              </a:lvl9pPr>
+            </a:lstStyle>
+            <a:p>
+              <a:pPr algn="ctr"/>
+              <a:r>
+                <a:rPr lang="en-US" altLang="ko-KR" sz="700" b="1" dirty="0">
+                  <a:solidFill>
+                    <a:schemeClr val="bg1"/>
+                  </a:solidFill>
+                  <a:latin typeface="나눔고딕" panose="020D0604000000000000" pitchFamily="50" charset="-127"/>
+                  <a:ea typeface="나눔고딕" panose="020D0604000000000000" pitchFamily="50" charset="-127"/>
+                </a:rPr>
+                <a:t>3</a:t>
+              </a:r>
+              <a:endParaRPr lang="ko-KR" altLang="en-US" sz="700" b="1" dirty="0">
+                <a:solidFill>
+                  <a:schemeClr val="bg1"/>
+                </a:solidFill>
+                <a:latin typeface="나눔고딕" panose="020D0604000000000000" pitchFamily="50" charset="-127"/>
+                <a:ea typeface="나눔고딕" panose="020D0604000000000000" pitchFamily="50" charset="-127"/>
+              </a:endParaRPr>
+            </a:p>
+          </p:txBody>
+        </p:sp>
+      </p:grpSp>
+      <p:grpSp>
+        <p:nvGrpSpPr>
+          <p:cNvPr id="34" name="그룹 33">
+            <a:extLst>
+              <a:ext uri="{FF2B5EF4-FFF2-40B4-BE49-F238E27FC236}">
+                <a16:creationId xmlns:a16="http://schemas.microsoft.com/office/drawing/2014/main" id="{AD1522D4-42FF-4604-9017-767C63202953}"/>
+              </a:ext>
+            </a:extLst>
+          </p:cNvPr>
+          <p:cNvGrpSpPr/>
+          <p:nvPr/>
+        </p:nvGrpSpPr>
+        <p:grpSpPr>
+          <a:xfrm>
+            <a:off x="4295818" y="4114262"/>
+            <a:ext cx="388720" cy="200055"/>
+            <a:chOff x="4727047" y="5307508"/>
+            <a:chExt cx="388720" cy="200055"/>
+          </a:xfrm>
+        </p:grpSpPr>
+        <p:sp>
+          <p:nvSpPr>
+            <p:cNvPr id="35" name="타원 34">
+              <a:extLst>
+                <a:ext uri="{FF2B5EF4-FFF2-40B4-BE49-F238E27FC236}">
+                  <a16:creationId xmlns:a16="http://schemas.microsoft.com/office/drawing/2014/main" id="{43BC7190-8FE9-41A5-BE8E-A2C85C31004C}"/>
+                </a:ext>
+              </a:extLst>
+            </p:cNvPr>
+            <p:cNvSpPr/>
+            <p:nvPr/>
+          </p:nvSpPr>
+          <p:spPr>
+            <a:xfrm>
+              <a:off x="4831407" y="5317535"/>
+              <a:ext cx="180000" cy="180000"/>
+            </a:xfrm>
+            <a:prstGeom prst="ellipse">
+              <a:avLst/>
+            </a:prstGeom>
+            <a:solidFill>
+              <a:srgbClr val="FF0000"/>
+            </a:solidFill>
+            <a:ln>
+              <a:noFill/>
+            </a:ln>
+            <a:effectLst>
+              <a:glow rad="50800">
+                <a:srgbClr val="FF0000">
+                  <a:alpha val="30000"/>
+                </a:srgbClr>
+              </a:glow>
+              <a:softEdge rad="0"/>
+            </a:effectLst>
+          </p:spPr>
+          <p:style>
+            <a:lnRef idx="2">
+              <a:schemeClr val="accent1">
+                <a:shade val="50000"/>
+              </a:schemeClr>
+            </a:lnRef>
+            <a:fillRef idx="1">
+              <a:schemeClr val="accent1"/>
+            </a:fillRef>
+            <a:effectRef idx="0">
+              <a:schemeClr val="accent1"/>
+            </a:effectRef>
+            <a:fontRef idx="minor">
+              <a:schemeClr val="lt1"/>
+            </a:fontRef>
+          </p:style>
+          <p:txBody>
+            <a:bodyPr rtlCol="0" anchor="ctr"/>
+            <a:lstStyle>
+              <a:defPPr>
+                <a:defRPr lang="ko-KR"/>
+              </a:defPPr>
+              <a:lvl1pPr marL="0" algn="l" defTabSz="713232" rtl="0" eaLnBrk="1" latinLnBrk="1" hangingPunct="1">
+                <a:defRPr sz="1404" kern="1200">
+                  <a:solidFill>
+                    <a:schemeClr val="lt1"/>
+                  </a:solidFill>
+                  <a:latin typeface="+mn-lt"/>
+                  <a:ea typeface="+mn-ea"/>
+                  <a:cs typeface="+mn-cs"/>
+                </a:defRPr>
+              </a:lvl1pPr>
+              <a:lvl2pPr marL="356616" algn="l" defTabSz="713232" rtl="0" eaLnBrk="1" latinLnBrk="1" hangingPunct="1">
+                <a:defRPr sz="1404" kern="1200">
+                  <a:solidFill>
+                    <a:schemeClr val="lt1"/>
+                  </a:solidFill>
+                  <a:latin typeface="+mn-lt"/>
+                  <a:ea typeface="+mn-ea"/>
+                  <a:cs typeface="+mn-cs"/>
+                </a:defRPr>
+              </a:lvl2pPr>
+              <a:lvl3pPr marL="713232" algn="l" defTabSz="713232" rtl="0" eaLnBrk="1" latinLnBrk="1" hangingPunct="1">
+                <a:defRPr sz="1404" kern="1200">
+                  <a:solidFill>
+                    <a:schemeClr val="lt1"/>
+                  </a:solidFill>
+                  <a:latin typeface="+mn-lt"/>
+                  <a:ea typeface="+mn-ea"/>
+                  <a:cs typeface="+mn-cs"/>
+                </a:defRPr>
+              </a:lvl3pPr>
+              <a:lvl4pPr marL="1069848" algn="l" defTabSz="713232" rtl="0" eaLnBrk="1" latinLnBrk="1" hangingPunct="1">
+                <a:defRPr sz="1404" kern="1200">
+                  <a:solidFill>
+                    <a:schemeClr val="lt1"/>
+                  </a:solidFill>
+                  <a:latin typeface="+mn-lt"/>
+                  <a:ea typeface="+mn-ea"/>
+                  <a:cs typeface="+mn-cs"/>
+                </a:defRPr>
+              </a:lvl4pPr>
+              <a:lvl5pPr marL="1426464" algn="l" defTabSz="713232" rtl="0" eaLnBrk="1" latinLnBrk="1" hangingPunct="1">
+                <a:defRPr sz="1404" kern="1200">
+                  <a:solidFill>
+                    <a:schemeClr val="lt1"/>
+                  </a:solidFill>
+                  <a:latin typeface="+mn-lt"/>
+                  <a:ea typeface="+mn-ea"/>
+                  <a:cs typeface="+mn-cs"/>
+                </a:defRPr>
+              </a:lvl5pPr>
+              <a:lvl6pPr marL="1783080" algn="l" defTabSz="713232" rtl="0" eaLnBrk="1" latinLnBrk="1" hangingPunct="1">
+                <a:defRPr sz="1404" kern="1200">
+                  <a:solidFill>
+                    <a:schemeClr val="lt1"/>
+                  </a:solidFill>
+                  <a:latin typeface="+mn-lt"/>
+                  <a:ea typeface="+mn-ea"/>
+                  <a:cs typeface="+mn-cs"/>
+                </a:defRPr>
+              </a:lvl6pPr>
+              <a:lvl7pPr marL="2139696" algn="l" defTabSz="713232" rtl="0" eaLnBrk="1" latinLnBrk="1" hangingPunct="1">
+                <a:defRPr sz="1404" kern="1200">
+                  <a:solidFill>
+                    <a:schemeClr val="lt1"/>
+                  </a:solidFill>
+                  <a:latin typeface="+mn-lt"/>
+                  <a:ea typeface="+mn-ea"/>
+                  <a:cs typeface="+mn-cs"/>
+                </a:defRPr>
+              </a:lvl7pPr>
+              <a:lvl8pPr marL="2496312" algn="l" defTabSz="713232" rtl="0" eaLnBrk="1" latinLnBrk="1" hangingPunct="1">
+                <a:defRPr sz="1404" kern="1200">
+                  <a:solidFill>
+                    <a:schemeClr val="lt1"/>
+                  </a:solidFill>
+                  <a:latin typeface="+mn-lt"/>
+                  <a:ea typeface="+mn-ea"/>
+                  <a:cs typeface="+mn-cs"/>
+                </a:defRPr>
+              </a:lvl8pPr>
+              <a:lvl9pPr marL="2852928" algn="l" defTabSz="713232" rtl="0" eaLnBrk="1" latinLnBrk="1" hangingPunct="1">
+                <a:defRPr sz="1404" kern="1200">
+                  <a:solidFill>
+                    <a:schemeClr val="lt1"/>
+                  </a:solidFill>
+                  <a:latin typeface="+mn-lt"/>
+                  <a:ea typeface="+mn-ea"/>
+                  <a:cs typeface="+mn-cs"/>
+                </a:defRPr>
+              </a:lvl9pPr>
+            </a:lstStyle>
+            <a:p>
+              <a:pPr algn="ctr"/>
+              <a:endParaRPr lang="ko-KR" altLang="en-US" sz="900">
+                <a:latin typeface="나눔고딕" panose="020D0604000000000000" pitchFamily="50" charset="-127"/>
+                <a:ea typeface="나눔고딕" panose="020D0604000000000000" pitchFamily="50" charset="-127"/>
+              </a:endParaRPr>
+            </a:p>
+          </p:txBody>
+        </p:sp>
+        <p:sp>
+          <p:nvSpPr>
+            <p:cNvPr id="36" name="TextBox 27">
+              <a:extLst>
+                <a:ext uri="{FF2B5EF4-FFF2-40B4-BE49-F238E27FC236}">
+                  <a16:creationId xmlns:a16="http://schemas.microsoft.com/office/drawing/2014/main" id="{94504F8C-C2FE-4FDE-93B8-3466B93898A8}"/>
+                </a:ext>
+              </a:extLst>
+            </p:cNvPr>
+            <p:cNvSpPr txBox="1"/>
+            <p:nvPr/>
+          </p:nvSpPr>
+          <p:spPr>
+            <a:xfrm>
+              <a:off x="4727047" y="5307508"/>
+              <a:ext cx="388720" cy="200055"/>
+            </a:xfrm>
+            <a:prstGeom prst="rect">
+              <a:avLst/>
+            </a:prstGeom>
+            <a:noFill/>
+          </p:spPr>
+          <p:txBody>
+            <a:bodyPr wrap="square" rtlCol="0">
+              <a:spAutoFit/>
+            </a:bodyPr>
+            <a:lstStyle>
+              <a:defPPr>
+                <a:defRPr lang="ko-KR"/>
+              </a:defPPr>
+              <a:lvl1pPr marL="0" algn="l" defTabSz="713232" rtl="0" eaLnBrk="1" latinLnBrk="1" hangingPunct="1">
+                <a:defRPr sz="1404" kern="1200">
+                  <a:solidFill>
+                    <a:schemeClr val="tx1"/>
+                  </a:solidFill>
+                  <a:latin typeface="+mn-lt"/>
+                  <a:ea typeface="+mn-ea"/>
+                  <a:cs typeface="+mn-cs"/>
+                </a:defRPr>
+              </a:lvl1pPr>
+              <a:lvl2pPr marL="356616" algn="l" defTabSz="713232" rtl="0" eaLnBrk="1" latinLnBrk="1" hangingPunct="1">
+                <a:defRPr sz="1404" kern="1200">
+                  <a:solidFill>
+                    <a:schemeClr val="tx1"/>
+                  </a:solidFill>
+                  <a:latin typeface="+mn-lt"/>
+                  <a:ea typeface="+mn-ea"/>
+                  <a:cs typeface="+mn-cs"/>
+                </a:defRPr>
+              </a:lvl2pPr>
+              <a:lvl3pPr marL="713232" algn="l" defTabSz="713232" rtl="0" eaLnBrk="1" latinLnBrk="1" hangingPunct="1">
+                <a:defRPr sz="1404" kern="1200">
+                  <a:solidFill>
+                    <a:schemeClr val="tx1"/>
+                  </a:solidFill>
+                  <a:latin typeface="+mn-lt"/>
+                  <a:ea typeface="+mn-ea"/>
+                  <a:cs typeface="+mn-cs"/>
+                </a:defRPr>
+              </a:lvl3pPr>
+              <a:lvl4pPr marL="1069848" algn="l" defTabSz="713232" rtl="0" eaLnBrk="1" latinLnBrk="1" hangingPunct="1">
+                <a:defRPr sz="1404" kern="1200">
+                  <a:solidFill>
+                    <a:schemeClr val="tx1"/>
+                  </a:solidFill>
+                  <a:latin typeface="+mn-lt"/>
+                  <a:ea typeface="+mn-ea"/>
+                  <a:cs typeface="+mn-cs"/>
+                </a:defRPr>
+              </a:lvl4pPr>
+              <a:lvl5pPr marL="1426464" algn="l" defTabSz="713232" rtl="0" eaLnBrk="1" latinLnBrk="1" hangingPunct="1">
+                <a:defRPr sz="1404" kern="1200">
+                  <a:solidFill>
+                    <a:schemeClr val="tx1"/>
+                  </a:solidFill>
+                  <a:latin typeface="+mn-lt"/>
+                  <a:ea typeface="+mn-ea"/>
+                  <a:cs typeface="+mn-cs"/>
+                </a:defRPr>
+              </a:lvl5pPr>
+              <a:lvl6pPr marL="1783080" algn="l" defTabSz="713232" rtl="0" eaLnBrk="1" latinLnBrk="1" hangingPunct="1">
+                <a:defRPr sz="1404" kern="1200">
+                  <a:solidFill>
+                    <a:schemeClr val="tx1"/>
+                  </a:solidFill>
+                  <a:latin typeface="+mn-lt"/>
+                  <a:ea typeface="+mn-ea"/>
+                  <a:cs typeface="+mn-cs"/>
+                </a:defRPr>
+              </a:lvl6pPr>
+              <a:lvl7pPr marL="2139696" algn="l" defTabSz="713232" rtl="0" eaLnBrk="1" latinLnBrk="1" hangingPunct="1">
+                <a:defRPr sz="1404" kern="1200">
+                  <a:solidFill>
+                    <a:schemeClr val="tx1"/>
+                  </a:solidFill>
+                  <a:latin typeface="+mn-lt"/>
+                  <a:ea typeface="+mn-ea"/>
+                  <a:cs typeface="+mn-cs"/>
+                </a:defRPr>
+              </a:lvl7pPr>
+              <a:lvl8pPr marL="2496312" algn="l" defTabSz="713232" rtl="0" eaLnBrk="1" latinLnBrk="1" hangingPunct="1">
+                <a:defRPr sz="1404" kern="1200">
+                  <a:solidFill>
+                    <a:schemeClr val="tx1"/>
+                  </a:solidFill>
+                  <a:latin typeface="+mn-lt"/>
+                  <a:ea typeface="+mn-ea"/>
+                  <a:cs typeface="+mn-cs"/>
+                </a:defRPr>
+              </a:lvl8pPr>
+              <a:lvl9pPr marL="2852928" algn="l" defTabSz="713232" rtl="0" eaLnBrk="1" latinLnBrk="1" hangingPunct="1">
+                <a:defRPr sz="1404" kern="1200">
+                  <a:solidFill>
+                    <a:schemeClr val="tx1"/>
+                  </a:solidFill>
+                  <a:latin typeface="+mn-lt"/>
+                  <a:ea typeface="+mn-ea"/>
+                  <a:cs typeface="+mn-cs"/>
+                </a:defRPr>
+              </a:lvl9pPr>
+            </a:lstStyle>
+            <a:p>
+              <a:pPr algn="ctr"/>
+              <a:r>
+                <a:rPr lang="en-US" altLang="ko-KR" sz="700" b="1" dirty="0">
+                  <a:solidFill>
+                    <a:schemeClr val="bg1"/>
+                  </a:solidFill>
+                  <a:latin typeface="나눔고딕" panose="020D0604000000000000" pitchFamily="50" charset="-127"/>
+                  <a:ea typeface="나눔고딕" panose="020D0604000000000000" pitchFamily="50" charset="-127"/>
+                </a:rPr>
+                <a:t>4</a:t>
+              </a:r>
+              <a:endParaRPr lang="ko-KR" altLang="en-US" sz="700" b="1" dirty="0">
+                <a:solidFill>
+                  <a:schemeClr val="bg1"/>
+                </a:solidFill>
+                <a:latin typeface="나눔고딕" panose="020D0604000000000000" pitchFamily="50" charset="-127"/>
+                <a:ea typeface="나눔고딕" panose="020D0604000000000000" pitchFamily="50" charset="-127"/>
+              </a:endParaRPr>
+            </a:p>
+          </p:txBody>
+        </p:sp>
+      </p:grpSp>
+      <p:grpSp>
+        <p:nvGrpSpPr>
+          <p:cNvPr id="55" name="그룹 54">
+            <a:extLst>
+              <a:ext uri="{FF2B5EF4-FFF2-40B4-BE49-F238E27FC236}">
+                <a16:creationId xmlns:a16="http://schemas.microsoft.com/office/drawing/2014/main" id="{C7A1D913-315A-4F43-9CF4-C1BFC8BCF46D}"/>
+              </a:ext>
+            </a:extLst>
+          </p:cNvPr>
+          <p:cNvGrpSpPr/>
+          <p:nvPr/>
+        </p:nvGrpSpPr>
+        <p:grpSpPr>
+          <a:xfrm>
+            <a:off x="4626610" y="5189952"/>
+            <a:ext cx="388720" cy="200055"/>
+            <a:chOff x="4727047" y="5307508"/>
+            <a:chExt cx="388720" cy="200055"/>
+          </a:xfrm>
+        </p:grpSpPr>
+        <p:sp>
+          <p:nvSpPr>
+            <p:cNvPr id="56" name="타원 55">
+              <a:extLst>
+                <a:ext uri="{FF2B5EF4-FFF2-40B4-BE49-F238E27FC236}">
+                  <a16:creationId xmlns:a16="http://schemas.microsoft.com/office/drawing/2014/main" id="{9D9F4D04-6F58-4103-846F-2DFC46AF03C0}"/>
+                </a:ext>
+              </a:extLst>
+            </p:cNvPr>
+            <p:cNvSpPr/>
+            <p:nvPr/>
+          </p:nvSpPr>
+          <p:spPr>
+            <a:xfrm>
+              <a:off x="4831407" y="5317535"/>
+              <a:ext cx="180000" cy="180000"/>
+            </a:xfrm>
+            <a:prstGeom prst="ellipse">
+              <a:avLst/>
+            </a:prstGeom>
+            <a:solidFill>
+              <a:srgbClr val="FF0000"/>
+            </a:solidFill>
+            <a:ln>
+              <a:noFill/>
+            </a:ln>
+            <a:effectLst>
+              <a:glow rad="50800">
+                <a:srgbClr val="FF0000">
+                  <a:alpha val="30000"/>
+                </a:srgbClr>
+              </a:glow>
+              <a:softEdge rad="0"/>
+            </a:effectLst>
+          </p:spPr>
+          <p:style>
+            <a:lnRef idx="2">
+              <a:schemeClr val="accent1">
+                <a:shade val="50000"/>
+              </a:schemeClr>
+            </a:lnRef>
+            <a:fillRef idx="1">
+              <a:schemeClr val="accent1"/>
+            </a:fillRef>
+            <a:effectRef idx="0">
+              <a:schemeClr val="accent1"/>
+            </a:effectRef>
+            <a:fontRef idx="minor">
+              <a:schemeClr val="lt1"/>
+            </a:fontRef>
+          </p:style>
+          <p:txBody>
+            <a:bodyPr rtlCol="0" anchor="ctr"/>
+            <a:lstStyle>
+              <a:defPPr>
+                <a:defRPr lang="ko-KR"/>
+              </a:defPPr>
+              <a:lvl1pPr marL="0" algn="l" defTabSz="713232" rtl="0" eaLnBrk="1" latinLnBrk="1" hangingPunct="1">
+                <a:defRPr sz="1404" kern="1200">
+                  <a:solidFill>
+                    <a:schemeClr val="lt1"/>
+                  </a:solidFill>
+                  <a:latin typeface="+mn-lt"/>
+                  <a:ea typeface="+mn-ea"/>
+                  <a:cs typeface="+mn-cs"/>
+                </a:defRPr>
+              </a:lvl1pPr>
+              <a:lvl2pPr marL="356616" algn="l" defTabSz="713232" rtl="0" eaLnBrk="1" latinLnBrk="1" hangingPunct="1">
+                <a:defRPr sz="1404" kern="1200">
+                  <a:solidFill>
+                    <a:schemeClr val="lt1"/>
+                  </a:solidFill>
+                  <a:latin typeface="+mn-lt"/>
+                  <a:ea typeface="+mn-ea"/>
+                  <a:cs typeface="+mn-cs"/>
+                </a:defRPr>
+              </a:lvl2pPr>
+              <a:lvl3pPr marL="713232" algn="l" defTabSz="713232" rtl="0" eaLnBrk="1" latinLnBrk="1" hangingPunct="1">
+                <a:defRPr sz="1404" kern="1200">
+                  <a:solidFill>
+                    <a:schemeClr val="lt1"/>
+                  </a:solidFill>
+                  <a:latin typeface="+mn-lt"/>
+                  <a:ea typeface="+mn-ea"/>
+                  <a:cs typeface="+mn-cs"/>
+                </a:defRPr>
+              </a:lvl3pPr>
+              <a:lvl4pPr marL="1069848" algn="l" defTabSz="713232" rtl="0" eaLnBrk="1" latinLnBrk="1" hangingPunct="1">
+                <a:defRPr sz="1404" kern="1200">
+                  <a:solidFill>
+                    <a:schemeClr val="lt1"/>
+                  </a:solidFill>
+                  <a:latin typeface="+mn-lt"/>
+                  <a:ea typeface="+mn-ea"/>
+                  <a:cs typeface="+mn-cs"/>
+                </a:defRPr>
+              </a:lvl4pPr>
+              <a:lvl5pPr marL="1426464" algn="l" defTabSz="713232" rtl="0" eaLnBrk="1" latinLnBrk="1" hangingPunct="1">
+                <a:defRPr sz="1404" kern="1200">
+                  <a:solidFill>
+                    <a:schemeClr val="lt1"/>
+                  </a:solidFill>
+                  <a:latin typeface="+mn-lt"/>
+                  <a:ea typeface="+mn-ea"/>
+                  <a:cs typeface="+mn-cs"/>
+                </a:defRPr>
+              </a:lvl5pPr>
+              <a:lvl6pPr marL="1783080" algn="l" defTabSz="713232" rtl="0" eaLnBrk="1" latinLnBrk="1" hangingPunct="1">
+                <a:defRPr sz="1404" kern="1200">
+                  <a:solidFill>
+                    <a:schemeClr val="lt1"/>
+                  </a:solidFill>
+                  <a:latin typeface="+mn-lt"/>
+                  <a:ea typeface="+mn-ea"/>
+                  <a:cs typeface="+mn-cs"/>
+                </a:defRPr>
+              </a:lvl6pPr>
+              <a:lvl7pPr marL="2139696" algn="l" defTabSz="713232" rtl="0" eaLnBrk="1" latinLnBrk="1" hangingPunct="1">
+                <a:defRPr sz="1404" kern="1200">
+                  <a:solidFill>
+                    <a:schemeClr val="lt1"/>
+                  </a:solidFill>
+                  <a:latin typeface="+mn-lt"/>
+                  <a:ea typeface="+mn-ea"/>
+                  <a:cs typeface="+mn-cs"/>
+                </a:defRPr>
+              </a:lvl7pPr>
+              <a:lvl8pPr marL="2496312" algn="l" defTabSz="713232" rtl="0" eaLnBrk="1" latinLnBrk="1" hangingPunct="1">
+                <a:defRPr sz="1404" kern="1200">
+                  <a:solidFill>
+                    <a:schemeClr val="lt1"/>
+                  </a:solidFill>
+                  <a:latin typeface="+mn-lt"/>
+                  <a:ea typeface="+mn-ea"/>
+                  <a:cs typeface="+mn-cs"/>
+                </a:defRPr>
+              </a:lvl8pPr>
+              <a:lvl9pPr marL="2852928" algn="l" defTabSz="713232" rtl="0" eaLnBrk="1" latinLnBrk="1" hangingPunct="1">
+                <a:defRPr sz="1404" kern="1200">
+                  <a:solidFill>
+                    <a:schemeClr val="lt1"/>
+                  </a:solidFill>
+                  <a:latin typeface="+mn-lt"/>
+                  <a:ea typeface="+mn-ea"/>
+                  <a:cs typeface="+mn-cs"/>
+                </a:defRPr>
+              </a:lvl9pPr>
+            </a:lstStyle>
+            <a:p>
+              <a:pPr algn="ctr"/>
+              <a:endParaRPr lang="ko-KR" altLang="en-US" sz="900">
+                <a:latin typeface="나눔고딕" panose="020D0604000000000000" pitchFamily="50" charset="-127"/>
+                <a:ea typeface="나눔고딕" panose="020D0604000000000000" pitchFamily="50" charset="-127"/>
+              </a:endParaRPr>
+            </a:p>
+          </p:txBody>
+        </p:sp>
+        <p:sp>
+          <p:nvSpPr>
+            <p:cNvPr id="57" name="TextBox 27">
+              <a:extLst>
+                <a:ext uri="{FF2B5EF4-FFF2-40B4-BE49-F238E27FC236}">
+                  <a16:creationId xmlns:a16="http://schemas.microsoft.com/office/drawing/2014/main" id="{9EBE5F4C-3438-4645-B149-86B36CF7CF8D}"/>
+                </a:ext>
+              </a:extLst>
+            </p:cNvPr>
+            <p:cNvSpPr txBox="1"/>
+            <p:nvPr/>
+          </p:nvSpPr>
+          <p:spPr>
+            <a:xfrm>
+              <a:off x="4727047" y="5307508"/>
+              <a:ext cx="388720" cy="200055"/>
+            </a:xfrm>
+            <a:prstGeom prst="rect">
+              <a:avLst/>
+            </a:prstGeom>
+            <a:noFill/>
+          </p:spPr>
+          <p:txBody>
+            <a:bodyPr wrap="square" rtlCol="0">
+              <a:spAutoFit/>
+            </a:bodyPr>
+            <a:lstStyle>
+              <a:defPPr>
+                <a:defRPr lang="ko-KR"/>
+              </a:defPPr>
+              <a:lvl1pPr marL="0" algn="l" defTabSz="713232" rtl="0" eaLnBrk="1" latinLnBrk="1" hangingPunct="1">
+                <a:defRPr sz="1404" kern="1200">
+                  <a:solidFill>
+                    <a:schemeClr val="tx1"/>
+                  </a:solidFill>
+                  <a:latin typeface="+mn-lt"/>
+                  <a:ea typeface="+mn-ea"/>
+                  <a:cs typeface="+mn-cs"/>
+                </a:defRPr>
+              </a:lvl1pPr>
+              <a:lvl2pPr marL="356616" algn="l" defTabSz="713232" rtl="0" eaLnBrk="1" latinLnBrk="1" hangingPunct="1">
+                <a:defRPr sz="1404" kern="1200">
+                  <a:solidFill>
+                    <a:schemeClr val="tx1"/>
+                  </a:solidFill>
+                  <a:latin typeface="+mn-lt"/>
+                  <a:ea typeface="+mn-ea"/>
+                  <a:cs typeface="+mn-cs"/>
+                </a:defRPr>
+              </a:lvl2pPr>
+              <a:lvl3pPr marL="713232" algn="l" defTabSz="713232" rtl="0" eaLnBrk="1" latinLnBrk="1" hangingPunct="1">
+                <a:defRPr sz="1404" kern="1200">
+                  <a:solidFill>
+                    <a:schemeClr val="tx1"/>
+                  </a:solidFill>
+                  <a:latin typeface="+mn-lt"/>
+                  <a:ea typeface="+mn-ea"/>
+                  <a:cs typeface="+mn-cs"/>
+                </a:defRPr>
+              </a:lvl3pPr>
+              <a:lvl4pPr marL="1069848" algn="l" defTabSz="713232" rtl="0" eaLnBrk="1" latinLnBrk="1" hangingPunct="1">
+                <a:defRPr sz="1404" kern="1200">
+                  <a:solidFill>
+                    <a:schemeClr val="tx1"/>
+                  </a:solidFill>
+                  <a:latin typeface="+mn-lt"/>
+                  <a:ea typeface="+mn-ea"/>
+                  <a:cs typeface="+mn-cs"/>
+                </a:defRPr>
+              </a:lvl4pPr>
+              <a:lvl5pPr marL="1426464" algn="l" defTabSz="713232" rtl="0" eaLnBrk="1" latinLnBrk="1" hangingPunct="1">
+                <a:defRPr sz="1404" kern="1200">
+                  <a:solidFill>
+                    <a:schemeClr val="tx1"/>
+                  </a:solidFill>
+                  <a:latin typeface="+mn-lt"/>
+                  <a:ea typeface="+mn-ea"/>
+                  <a:cs typeface="+mn-cs"/>
+                </a:defRPr>
+              </a:lvl5pPr>
+              <a:lvl6pPr marL="1783080" algn="l" defTabSz="713232" rtl="0" eaLnBrk="1" latinLnBrk="1" hangingPunct="1">
+                <a:defRPr sz="1404" kern="1200">
+                  <a:solidFill>
+                    <a:schemeClr val="tx1"/>
+                  </a:solidFill>
+                  <a:latin typeface="+mn-lt"/>
+                  <a:ea typeface="+mn-ea"/>
+                  <a:cs typeface="+mn-cs"/>
+                </a:defRPr>
+              </a:lvl6pPr>
+              <a:lvl7pPr marL="2139696" algn="l" defTabSz="713232" rtl="0" eaLnBrk="1" latinLnBrk="1" hangingPunct="1">
+                <a:defRPr sz="1404" kern="1200">
+                  <a:solidFill>
+                    <a:schemeClr val="tx1"/>
+                  </a:solidFill>
+                  <a:latin typeface="+mn-lt"/>
+                  <a:ea typeface="+mn-ea"/>
+                  <a:cs typeface="+mn-cs"/>
+                </a:defRPr>
+              </a:lvl7pPr>
+              <a:lvl8pPr marL="2496312" algn="l" defTabSz="713232" rtl="0" eaLnBrk="1" latinLnBrk="1" hangingPunct="1">
+                <a:defRPr sz="1404" kern="1200">
+                  <a:solidFill>
+                    <a:schemeClr val="tx1"/>
+                  </a:solidFill>
+                  <a:latin typeface="+mn-lt"/>
+                  <a:ea typeface="+mn-ea"/>
+                  <a:cs typeface="+mn-cs"/>
+                </a:defRPr>
+              </a:lvl8pPr>
+              <a:lvl9pPr marL="2852928" algn="l" defTabSz="713232" rtl="0" eaLnBrk="1" latinLnBrk="1" hangingPunct="1">
+                <a:defRPr sz="1404" kern="1200">
+                  <a:solidFill>
+                    <a:schemeClr val="tx1"/>
+                  </a:solidFill>
+                  <a:latin typeface="+mn-lt"/>
+                  <a:ea typeface="+mn-ea"/>
+                  <a:cs typeface="+mn-cs"/>
+                </a:defRPr>
+              </a:lvl9pPr>
+            </a:lstStyle>
+            <a:p>
+              <a:pPr algn="ctr"/>
+              <a:r>
+                <a:rPr lang="en-US" altLang="ko-KR" sz="700" b="1" dirty="0">
+                  <a:solidFill>
+                    <a:schemeClr val="bg1"/>
+                  </a:solidFill>
+                  <a:latin typeface="나눔고딕" panose="020D0604000000000000" pitchFamily="50" charset="-127"/>
+                  <a:ea typeface="나눔고딕" panose="020D0604000000000000" pitchFamily="50" charset="-127"/>
+                </a:rPr>
+                <a:t>5</a:t>
+              </a:r>
+              <a:endParaRPr lang="ko-KR" altLang="en-US" sz="700" b="1" dirty="0">
+                <a:solidFill>
+                  <a:schemeClr val="bg1"/>
+                </a:solidFill>
+                <a:latin typeface="나눔고딕" panose="020D0604000000000000" pitchFamily="50" charset="-127"/>
+                <a:ea typeface="나눔고딕" panose="020D0604000000000000" pitchFamily="50" charset="-127"/>
+              </a:endParaRPr>
+            </a:p>
+          </p:txBody>
+        </p:sp>
+      </p:grpSp>
+    </p:spTree>
+    <p:extLst>
+      <p:ext uri="{BB962C8B-B14F-4D97-AF65-F5344CB8AC3E}">
+        <p14:creationId xmlns:p14="http://schemas.microsoft.com/office/powerpoint/2010/main" val="879205883"/>
+      </p:ext>
+    </p:extLst>
+  </p:cSld>
+  <p:clrMapOvr>
+    <a:masterClrMapping/>
+  </p:clrMapOvr>
+</p:sld>
+</file>
+
+<file path=ppt/slides/slide11.xml><?xml version="1.0" encoding="utf-8"?>
+<p:sld xmlns:a="http://schemas.openxmlformats.org/drawingml/2006/main" xmlns:r="http://schemas.openxmlformats.org/officeDocument/2006/relationships" xmlns:p="http://schemas.openxmlformats.org/presentationml/2006/main">
+  <p:cSld>
+    <p:spTree>
+      <p:nvGrpSpPr>
+        <p:cNvPr id="1" name=""/>
+        <p:cNvGrpSpPr/>
+        <p:nvPr/>
+      </p:nvGrpSpPr>
+      <p:grpSpPr>
+        <a:xfrm>
+          <a:off x="0" y="0"/>
+          <a:ext cx="0" cy="0"/>
+          <a:chOff x="0" y="0"/>
+          <a:chExt cx="0" cy="0"/>
+        </a:xfrm>
+      </p:grpSpPr>
+      <p:sp>
+        <p:nvSpPr>
+          <p:cNvPr id="156" name="TextBox 155">
+            <a:extLst>
+              <a:ext uri="{FF2B5EF4-FFF2-40B4-BE49-F238E27FC236}">
+                <a16:creationId xmlns:a16="http://schemas.microsoft.com/office/drawing/2014/main" id="{D34E89E2-203B-445D-A9AD-28B4CFD35ADA}"/>
+              </a:ext>
+            </a:extLst>
+          </p:cNvPr>
+          <p:cNvSpPr txBox="1"/>
+          <p:nvPr/>
+        </p:nvSpPr>
+        <p:spPr>
+          <a:xfrm>
+            <a:off x="600856" y="62520"/>
+            <a:ext cx="3274857" cy="646331"/>
+          </a:xfrm>
+          <a:prstGeom prst="rect">
+            <a:avLst/>
+          </a:prstGeom>
+          <a:noFill/>
+        </p:spPr>
+        <p:txBody>
+          <a:bodyPr wrap="square" rtlCol="0">
+            <a:spAutoFit/>
+          </a:bodyPr>
+          <a:lstStyle/>
+          <a:p>
+            <a:r>
+              <a:rPr lang="en-US" altLang="ko-KR" b="1" dirty="0"/>
+              <a:t>2. </a:t>
+            </a:r>
+            <a:r>
+              <a:rPr lang="ko-KR" altLang="en-US" b="1" dirty="0" err="1"/>
+              <a:t>메인화면</a:t>
+            </a:r>
+            <a:r>
+              <a:rPr lang="ko-KR" altLang="en-US" b="1" dirty="0"/>
+              <a:t> </a:t>
+            </a:r>
+            <a:r>
+              <a:rPr lang="en-US" altLang="ko-KR" b="1" dirty="0"/>
+              <a:t>: </a:t>
+            </a:r>
+            <a:r>
               <a:rPr lang="ko-KR" altLang="en-US" b="1" dirty="0"/>
               <a:t>사이드바</a:t>
             </a:r>
@@ -8097,7 +12751,7 @@
 </p:sld>
 </file>
 
-<file path=ppt/slides/slide11.xml><?xml version="1.0" encoding="utf-8"?>
+<file path=ppt/slides/slide12.xml><?xml version="1.0" encoding="utf-8"?>
 <p:sld xmlns:a="http://schemas.openxmlformats.org/drawingml/2006/main" xmlns:r="http://schemas.openxmlformats.org/officeDocument/2006/relationships" xmlns:p="http://schemas.openxmlformats.org/presentationml/2006/main">
   <p:cSld>
     <p:spTree>
@@ -8299,7 +12953,7 @@
           <p:nvPr>
             <p:extLst>
               <p:ext uri="{D42A27DB-BD31-4B8C-83A1-F6EECF244321}">
-                <p14:modId xmlns:p14="http://schemas.microsoft.com/office/powerpoint/2010/main" val="477917024"/>
+                <p14:modId xmlns:p14="http://schemas.microsoft.com/office/powerpoint/2010/main" val="193904545"/>
               </p:ext>
             </p:extLst>
           </p:nvPr>
@@ -8708,7 +13362,7 @@
                         <a:defRPr/>
                       </a:pPr>
                       <a:r>
-                        <a:rPr lang="ko-KR" altLang="en-US" sz="1000" dirty="0">
+                        <a:rPr lang="en-US" altLang="ko-KR" sz="1000" dirty="0">
                           <a:solidFill>
                             <a:schemeClr val="tx1">
                               <a:lumMod val="50000"/>
@@ -8719,19 +13373,8 @@
                           <a:ea typeface="나눔고딕" panose="020D0604000000000000" pitchFamily="50" charset="-127"/>
                           <a:sym typeface="Wingdings" panose="05000000000000000000" pitchFamily="2" charset="2"/>
                         </a:rPr>
-                        <a:t>추가 필요</a:t>
+                        <a:t>mockup – source - profile.png</a:t>
                       </a:r>
-                      <a:endParaRPr lang="en-US" altLang="ko-KR" sz="1000" dirty="0">
-                        <a:solidFill>
-                          <a:schemeClr val="tx1">
-                            <a:lumMod val="50000"/>
-                            <a:lumOff val="50000"/>
-                          </a:schemeClr>
-                        </a:solidFill>
-                        <a:latin typeface="나눔고딕" panose="020D0604000000000000" pitchFamily="50" charset="-127"/>
-                        <a:ea typeface="나눔고딕" panose="020D0604000000000000" pitchFamily="50" charset="-127"/>
-                        <a:sym typeface="Wingdings" panose="05000000000000000000" pitchFamily="2" charset="2"/>
-                      </a:endParaRPr>
                     </a:p>
                   </a:txBody>
                   <a:tcPr anchor="ctr">
@@ -13304,14 +17947,14 @@
           <p:nvPr>
             <p:extLst>
               <p:ext uri="{D42A27DB-BD31-4B8C-83A1-F6EECF244321}">
-                <p14:modId xmlns:p14="http://schemas.microsoft.com/office/powerpoint/2010/main" val="970300580"/>
+                <p14:modId xmlns:p14="http://schemas.microsoft.com/office/powerpoint/2010/main" val="1636957497"/>
               </p:ext>
             </p:extLst>
           </p:nvPr>
         </p:nvGraphicFramePr>
         <p:xfrm>
           <a:off x="940477" y="852532"/>
-          <a:ext cx="10311045" cy="4466814"/>
+          <a:ext cx="10311045" cy="4564164"/>
         </p:xfrm>
         <a:graphic>
           <a:graphicData uri="http://schemas.openxmlformats.org/drawingml/2006/table">
@@ -13746,7 +18389,7 @@
                       <a:pPr algn="ctr" latinLnBrk="1"/>
                       <a:r>
                         <a:rPr lang="en-US" altLang="ko-KR" sz="1000" dirty="0"/>
-                        <a:t>2020-08-02</a:t>
+                        <a:t>2020-08-01</a:t>
                       </a:r>
                     </a:p>
                   </a:txBody>
@@ -14004,6 +18647,10 @@
                         <a:tabLst/>
                         <a:defRPr/>
                       </a:pPr>
+                      <a:r>
+                        <a:rPr lang="en-US" altLang="ko-KR" sz="1000" dirty="0"/>
+                        <a:t>v.0.2</a:t>
+                      </a:r>
                       <a:endParaRPr lang="ko-KR" altLang="en-US" sz="1000" dirty="0"/>
                     </a:p>
                   </a:txBody>
@@ -14073,7 +18720,10 @@
                         <a:tabLst/>
                         <a:defRPr/>
                       </a:pPr>
-                      <a:endParaRPr lang="en-US" altLang="ko-KR" sz="1000" dirty="0"/>
+                      <a:r>
+                        <a:rPr lang="en-US" altLang="ko-KR" sz="1000" dirty="0"/>
+                        <a:t>2020-08-02</a:t>
+                      </a:r>
                     </a:p>
                   </a:txBody>
                   <a:tcPr marL="82022" marR="82022" marT="41011" marB="41011" anchor="ctr">
@@ -14130,6 +18780,10 @@
                     <a:lstStyle/>
                     <a:p>
                       <a:pPr algn="ctr" latinLnBrk="1"/>
+                      <a:r>
+                        <a:rPr lang="en-US" altLang="ko-KR" sz="1000" dirty="0"/>
+                        <a:t>8, 9, 10</a:t>
+                      </a:r>
                       <a:endParaRPr lang="ko-KR" altLang="en-US" sz="1000" dirty="0"/>
                     </a:p>
                   </a:txBody>
@@ -14187,6 +18841,22 @@
                     <a:lstStyle/>
                     <a:p>
                       <a:pPr algn="l" latinLnBrk="1"/>
+                      <a:r>
+                        <a:rPr lang="ko-KR" altLang="en-US" sz="1000" dirty="0"/>
+                        <a:t>이미지 파일 경로추가</a:t>
+                      </a:r>
+                      <a:endParaRPr lang="en-US" altLang="ko-KR" sz="1000" dirty="0"/>
+                    </a:p>
+                    <a:p>
+                      <a:pPr algn="l" latinLnBrk="1"/>
+                      <a:r>
+                        <a:rPr lang="ko-KR" altLang="en-US" sz="1000" dirty="0" err="1"/>
+                        <a:t>위험지</a:t>
+                      </a:r>
+                      <a:r>
+                        <a:rPr lang="ko-KR" altLang="en-US" sz="1000" dirty="0"/>
+                        <a:t> 확인 창 추가</a:t>
+                      </a:r>
                       <a:endParaRPr lang="en-US" altLang="ko-KR" sz="1000" dirty="0"/>
                     </a:p>
                   </a:txBody>
@@ -14260,7 +18930,10 @@
                         <a:tabLst/>
                         <a:defRPr/>
                       </a:pPr>
-                      <a:endParaRPr lang="ko-KR" altLang="en-US" sz="1000" dirty="0"/>
+                      <a:r>
+                        <a:rPr lang="ko-KR" altLang="en-US" sz="1000" dirty="0"/>
+                        <a:t>황진주</a:t>
+                      </a:r>
                     </a:p>
                   </a:txBody>
                   <a:tcPr marL="82022" marR="82022" marT="41011" marB="41011" anchor="ctr">
@@ -31306,7 +35979,7 @@
         </p:nvGraphicFramePr>
         <p:xfrm>
           <a:off x="8196728" y="0"/>
-          <a:ext cx="3995272" cy="6880487"/>
+          <a:ext cx="3995272" cy="8560037"/>
         </p:xfrm>
         <a:graphic>
           <a:graphicData uri="http://schemas.openxmlformats.org/drawingml/2006/table">
@@ -32655,6 +37328,116 @@
                         <a:sym typeface="Wingdings" panose="05000000000000000000" pitchFamily="2" charset="2"/>
                       </a:endParaRPr>
                     </a:p>
+                    <a:p>
+                      <a:pPr marL="0" marR="0" indent="0" algn="l" defTabSz="914400" rtl="0" eaLnBrk="1" fontAlgn="auto" latinLnBrk="1" hangingPunct="1">
+                        <a:lnSpc>
+                          <a:spcPct val="150000"/>
+                        </a:lnSpc>
+                        <a:spcBef>
+                          <a:spcPts val="0"/>
+                        </a:spcBef>
+                        <a:spcAft>
+                          <a:spcPts val="0"/>
+                        </a:spcAft>
+                        <a:buClrTx/>
+                        <a:buSzTx/>
+                        <a:buFontTx/>
+                        <a:buNone/>
+                        <a:tabLst/>
+                        <a:defRPr/>
+                      </a:pPr>
+                      <a:endParaRPr lang="en-US" altLang="ko-KR" sz="1000" dirty="0">
+                        <a:solidFill>
+                          <a:schemeClr val="tx1">
+                            <a:lumMod val="50000"/>
+                            <a:lumOff val="50000"/>
+                          </a:schemeClr>
+                        </a:solidFill>
+                        <a:latin typeface="나눔고딕" panose="020D0604000000000000" pitchFamily="50" charset="-127"/>
+                        <a:ea typeface="나눔고딕" panose="020D0604000000000000" pitchFamily="50" charset="-127"/>
+                        <a:sym typeface="Wingdings" panose="05000000000000000000" pitchFamily="2" charset="2"/>
+                      </a:endParaRPr>
+                    </a:p>
+                    <a:p>
+                      <a:pPr marL="0" marR="0" indent="0" algn="l" defTabSz="914400" rtl="0" eaLnBrk="1" fontAlgn="auto" latinLnBrk="1" hangingPunct="1">
+                        <a:lnSpc>
+                          <a:spcPct val="150000"/>
+                        </a:lnSpc>
+                        <a:spcBef>
+                          <a:spcPts val="0"/>
+                        </a:spcBef>
+                        <a:spcAft>
+                          <a:spcPts val="0"/>
+                        </a:spcAft>
+                        <a:buClrTx/>
+                        <a:buSzTx/>
+                        <a:buFontTx/>
+                        <a:buNone/>
+                        <a:tabLst/>
+                        <a:defRPr/>
+                      </a:pPr>
+                      <a:r>
+                        <a:rPr lang="ko-KR" altLang="en-US" sz="1000" dirty="0">
+                          <a:solidFill>
+                            <a:schemeClr val="tx1">
+                              <a:lumMod val="50000"/>
+                              <a:lumOff val="50000"/>
+                            </a:schemeClr>
+                          </a:solidFill>
+                          <a:latin typeface="나눔고딕" panose="020D0604000000000000" pitchFamily="50" charset="-127"/>
+                          <a:ea typeface="나눔고딕" panose="020D0604000000000000" pitchFamily="50" charset="-127"/>
+                          <a:sym typeface="Wingdings" panose="05000000000000000000" pitchFamily="2" charset="2"/>
+                        </a:rPr>
+                        <a:t>이미지 파일 경로 </a:t>
+                      </a:r>
+                      <a:r>
+                        <a:rPr lang="en-US" altLang="ko-KR" sz="1000" dirty="0">
+                          <a:solidFill>
+                            <a:schemeClr val="tx1">
+                              <a:lumMod val="50000"/>
+                              <a:lumOff val="50000"/>
+                            </a:schemeClr>
+                          </a:solidFill>
+                          <a:latin typeface="나눔고딕" panose="020D0604000000000000" pitchFamily="50" charset="-127"/>
+                          <a:ea typeface="나눔고딕" panose="020D0604000000000000" pitchFamily="50" charset="-127"/>
+                          <a:sym typeface="Wingdings" panose="05000000000000000000" pitchFamily="2" charset="2"/>
+                        </a:rPr>
+                        <a:t>:</a:t>
+                      </a:r>
+                    </a:p>
+                    <a:p>
+                      <a:pPr marL="0" marR="0" indent="0" algn="l" defTabSz="914400" rtl="0" eaLnBrk="1" fontAlgn="auto" latinLnBrk="1" hangingPunct="1">
+                        <a:lnSpc>
+                          <a:spcPct val="150000"/>
+                        </a:lnSpc>
+                        <a:spcBef>
+                          <a:spcPts val="0"/>
+                        </a:spcBef>
+                        <a:spcAft>
+                          <a:spcPts val="0"/>
+                        </a:spcAft>
+                        <a:buClrTx/>
+                        <a:buSzTx/>
+                        <a:buFontTx/>
+                        <a:buNone/>
+                        <a:tabLst/>
+                        <a:defRPr/>
+                      </a:pPr>
+                      <a:r>
+                        <a:rPr lang="en-US" altLang="ko-KR" sz="1000" dirty="0">
+                          <a:solidFill>
+                            <a:schemeClr val="tx1">
+                              <a:lumMod val="50000"/>
+                              <a:lumOff val="50000"/>
+                            </a:schemeClr>
+                          </a:solidFill>
+                          <a:latin typeface="나눔고딕" panose="020D0604000000000000" pitchFamily="50" charset="-127"/>
+                          <a:ea typeface="나눔고딕" panose="020D0604000000000000" pitchFamily="50" charset="-127"/>
+                          <a:sym typeface="Wingdings" panose="05000000000000000000" pitchFamily="2" charset="2"/>
+                        </a:rPr>
+                        <a:t>mockup – source - siren.png </a:t>
+                      </a:r>
+                    </a:p>
                   </a:txBody>
                   <a:tcPr anchor="ctr">
                     <a:lnL w="3175" cap="flat" cmpd="sng" algn="ctr">
@@ -32850,6 +37633,116 @@
                         <a:sym typeface="Wingdings" panose="05000000000000000000" pitchFamily="2" charset="2"/>
                       </a:endParaRPr>
                     </a:p>
+                    <a:p>
+                      <a:pPr marL="0" marR="0" indent="0" algn="l" defTabSz="914400" rtl="0" eaLnBrk="1" fontAlgn="auto" latinLnBrk="1" hangingPunct="1">
+                        <a:lnSpc>
+                          <a:spcPct val="150000"/>
+                        </a:lnSpc>
+                        <a:spcBef>
+                          <a:spcPts val="0"/>
+                        </a:spcBef>
+                        <a:spcAft>
+                          <a:spcPts val="0"/>
+                        </a:spcAft>
+                        <a:buClrTx/>
+                        <a:buSzTx/>
+                        <a:buFontTx/>
+                        <a:buNone/>
+                        <a:tabLst/>
+                        <a:defRPr/>
+                      </a:pPr>
+                      <a:endParaRPr lang="en-US" altLang="ko-KR" sz="1000" dirty="0">
+                        <a:solidFill>
+                          <a:schemeClr val="tx1">
+                            <a:lumMod val="50000"/>
+                            <a:lumOff val="50000"/>
+                          </a:schemeClr>
+                        </a:solidFill>
+                        <a:latin typeface="나눔고딕" panose="020D0604000000000000" pitchFamily="50" charset="-127"/>
+                        <a:ea typeface="나눔고딕" panose="020D0604000000000000" pitchFamily="50" charset="-127"/>
+                        <a:sym typeface="Wingdings" panose="05000000000000000000" pitchFamily="2" charset="2"/>
+                      </a:endParaRPr>
+                    </a:p>
+                    <a:p>
+                      <a:pPr marL="0" marR="0" indent="0" algn="l" defTabSz="914400" rtl="0" eaLnBrk="1" fontAlgn="auto" latinLnBrk="1" hangingPunct="1">
+                        <a:lnSpc>
+                          <a:spcPct val="150000"/>
+                        </a:lnSpc>
+                        <a:spcBef>
+                          <a:spcPts val="0"/>
+                        </a:spcBef>
+                        <a:spcAft>
+                          <a:spcPts val="0"/>
+                        </a:spcAft>
+                        <a:buClrTx/>
+                        <a:buSzTx/>
+                        <a:buFontTx/>
+                        <a:buNone/>
+                        <a:tabLst/>
+                        <a:defRPr/>
+                      </a:pPr>
+                      <a:r>
+                        <a:rPr lang="ko-KR" altLang="en-US" sz="1000" dirty="0">
+                          <a:solidFill>
+                            <a:schemeClr val="tx1">
+                              <a:lumMod val="50000"/>
+                              <a:lumOff val="50000"/>
+                            </a:schemeClr>
+                          </a:solidFill>
+                          <a:latin typeface="나눔고딕" panose="020D0604000000000000" pitchFamily="50" charset="-127"/>
+                          <a:ea typeface="나눔고딕" panose="020D0604000000000000" pitchFamily="50" charset="-127"/>
+                          <a:sym typeface="Wingdings" panose="05000000000000000000" pitchFamily="2" charset="2"/>
+                        </a:rPr>
+                        <a:t>이미지 파일 경로 </a:t>
+                      </a:r>
+                      <a:r>
+                        <a:rPr lang="en-US" altLang="ko-KR" sz="1000" dirty="0">
+                          <a:solidFill>
+                            <a:schemeClr val="tx1">
+                              <a:lumMod val="50000"/>
+                              <a:lumOff val="50000"/>
+                            </a:schemeClr>
+                          </a:solidFill>
+                          <a:latin typeface="나눔고딕" panose="020D0604000000000000" pitchFamily="50" charset="-127"/>
+                          <a:ea typeface="나눔고딕" panose="020D0604000000000000" pitchFamily="50" charset="-127"/>
+                          <a:sym typeface="Wingdings" panose="05000000000000000000" pitchFamily="2" charset="2"/>
+                        </a:rPr>
+                        <a:t>:</a:t>
+                      </a:r>
+                    </a:p>
+                    <a:p>
+                      <a:pPr marL="0" marR="0" indent="0" algn="l" defTabSz="914400" rtl="0" eaLnBrk="1" fontAlgn="auto" latinLnBrk="1" hangingPunct="1">
+                        <a:lnSpc>
+                          <a:spcPct val="150000"/>
+                        </a:lnSpc>
+                        <a:spcBef>
+                          <a:spcPts val="0"/>
+                        </a:spcBef>
+                        <a:spcAft>
+                          <a:spcPts val="0"/>
+                        </a:spcAft>
+                        <a:buClrTx/>
+                        <a:buSzTx/>
+                        <a:buFontTx/>
+                        <a:buNone/>
+                        <a:tabLst/>
+                        <a:defRPr/>
+                      </a:pPr>
+                      <a:r>
+                        <a:rPr lang="en-US" altLang="ko-KR" sz="1000" dirty="0">
+                          <a:solidFill>
+                            <a:schemeClr val="tx1">
+                              <a:lumMod val="50000"/>
+                              <a:lumOff val="50000"/>
+                            </a:schemeClr>
+                          </a:solidFill>
+                          <a:latin typeface="나눔고딕" panose="020D0604000000000000" pitchFamily="50" charset="-127"/>
+                          <a:ea typeface="나눔고딕" panose="020D0604000000000000" pitchFamily="50" charset="-127"/>
+                          <a:sym typeface="Wingdings" panose="05000000000000000000" pitchFamily="2" charset="2"/>
+                        </a:rPr>
+                        <a:t>mockup – source - location.png</a:t>
+                      </a:r>
+                    </a:p>
                   </a:txBody>
                   <a:tcPr anchor="ctr">
                     <a:lnL w="3175" cap="flat" cmpd="sng" algn="ctr">
@@ -33203,6 +38096,20 @@
                         <a:tabLst/>
                         <a:defRPr/>
                       </a:pPr>
+                      <a:r>
+                        <a:rPr lang="ko-KR" altLang="en-US" sz="1000" dirty="0">
+                          <a:solidFill>
+                            <a:schemeClr val="tx1">
+                              <a:lumMod val="50000"/>
+                              <a:lumOff val="50000"/>
+                            </a:schemeClr>
+                          </a:solidFill>
+                          <a:latin typeface="나눔고딕" panose="020D0604000000000000" pitchFamily="50" charset="-127"/>
+                          <a:ea typeface="나눔고딕" panose="020D0604000000000000" pitchFamily="50" charset="-127"/>
+                          <a:sym typeface="Wingdings" panose="05000000000000000000" pitchFamily="2" charset="2"/>
+                        </a:rPr>
+                        <a:t>위험지역 알림 핑</a:t>
+                      </a:r>
                       <a:endParaRPr lang="en-US" altLang="ko-KR" sz="1000" dirty="0">
                         <a:solidFill>
                           <a:schemeClr val="tx1">
@@ -33214,6 +38121,205 @@
                         <a:ea typeface="나눔고딕" panose="020D0604000000000000" pitchFamily="50" charset="-127"/>
                         <a:sym typeface="Wingdings" panose="05000000000000000000" pitchFamily="2" charset="2"/>
                       </a:endParaRPr>
+                    </a:p>
+                    <a:p>
+                      <a:pPr marL="0" marR="0" indent="0" algn="l" defTabSz="914400" rtl="0" eaLnBrk="1" fontAlgn="auto" latinLnBrk="1" hangingPunct="1">
+                        <a:lnSpc>
+                          <a:spcPct val="150000"/>
+                        </a:lnSpc>
+                        <a:spcBef>
+                          <a:spcPts val="0"/>
+                        </a:spcBef>
+                        <a:spcAft>
+                          <a:spcPts val="0"/>
+                        </a:spcAft>
+                        <a:buClrTx/>
+                        <a:buSzTx/>
+                        <a:buFontTx/>
+                        <a:buNone/>
+                        <a:tabLst/>
+                        <a:defRPr/>
+                      </a:pPr>
+                      <a:r>
+                        <a:rPr lang="ko-KR" altLang="en-US" sz="1000" dirty="0" err="1">
+                          <a:solidFill>
+                            <a:schemeClr val="tx1">
+                              <a:lumMod val="50000"/>
+                              <a:lumOff val="50000"/>
+                            </a:schemeClr>
+                          </a:solidFill>
+                          <a:latin typeface="나눔고딕" panose="020D0604000000000000" pitchFamily="50" charset="-127"/>
+                          <a:ea typeface="나눔고딕" panose="020D0604000000000000" pitchFamily="50" charset="-127"/>
+                          <a:sym typeface="Wingdings" panose="05000000000000000000" pitchFamily="2" charset="2"/>
+                        </a:rPr>
+                        <a:t>위험지</a:t>
+                      </a:r>
+                      <a:r>
+                        <a:rPr lang="ko-KR" altLang="en-US" sz="1000" dirty="0">
+                          <a:solidFill>
+                            <a:schemeClr val="tx1">
+                              <a:lumMod val="50000"/>
+                              <a:lumOff val="50000"/>
+                            </a:schemeClr>
+                          </a:solidFill>
+                          <a:latin typeface="나눔고딕" panose="020D0604000000000000" pitchFamily="50" charset="-127"/>
+                          <a:ea typeface="나눔고딕" panose="020D0604000000000000" pitchFamily="50" charset="-127"/>
+                          <a:sym typeface="Wingdings" panose="05000000000000000000" pitchFamily="2" charset="2"/>
+                        </a:rPr>
+                        <a:t> 세부 사항 창 표시</a:t>
+                      </a:r>
+                      <a:r>
+                        <a:rPr lang="en-US" altLang="ko-KR" sz="1000" dirty="0">
+                          <a:solidFill>
+                            <a:schemeClr val="tx1">
+                              <a:lumMod val="50000"/>
+                              <a:lumOff val="50000"/>
+                            </a:schemeClr>
+                          </a:solidFill>
+                          <a:latin typeface="나눔고딕" panose="020D0604000000000000" pitchFamily="50" charset="-127"/>
+                          <a:ea typeface="나눔고딕" panose="020D0604000000000000" pitchFamily="50" charset="-127"/>
+                          <a:sym typeface="Wingdings" panose="05000000000000000000" pitchFamily="2" charset="2"/>
+                        </a:rPr>
+                        <a:t>(</a:t>
+                      </a:r>
+                      <a:r>
+                        <a:rPr lang="ko-KR" altLang="en-US" sz="1000" dirty="0">
+                          <a:solidFill>
+                            <a:schemeClr val="tx1">
+                              <a:lumMod val="50000"/>
+                              <a:lumOff val="50000"/>
+                            </a:schemeClr>
+                          </a:solidFill>
+                          <a:latin typeface="나눔고딕" panose="020D0604000000000000" pitchFamily="50" charset="-127"/>
+                          <a:ea typeface="나눔고딕" panose="020D0604000000000000" pitchFamily="50" charset="-127"/>
+                          <a:sym typeface="Wingdings" panose="05000000000000000000" pitchFamily="2" charset="2"/>
+                        </a:rPr>
+                        <a:t>타원 영역</a:t>
+                      </a:r>
+                      <a:r>
+                        <a:rPr lang="en-US" altLang="ko-KR" sz="1000" dirty="0">
+                          <a:solidFill>
+                            <a:schemeClr val="tx1">
+                              <a:lumMod val="50000"/>
+                              <a:lumOff val="50000"/>
+                            </a:schemeClr>
+                          </a:solidFill>
+                          <a:latin typeface="나눔고딕" panose="020D0604000000000000" pitchFamily="50" charset="-127"/>
+                          <a:ea typeface="나눔고딕" panose="020D0604000000000000" pitchFamily="50" charset="-127"/>
+                          <a:sym typeface="Wingdings" panose="05000000000000000000" pitchFamily="2" charset="2"/>
+                        </a:rPr>
+                        <a:t>)</a:t>
+                      </a:r>
+                    </a:p>
+                    <a:p>
+                      <a:pPr marL="0" marR="0" indent="0" algn="l" defTabSz="914400" rtl="0" eaLnBrk="1" fontAlgn="auto" latinLnBrk="1" hangingPunct="1">
+                        <a:lnSpc>
+                          <a:spcPct val="150000"/>
+                        </a:lnSpc>
+                        <a:spcBef>
+                          <a:spcPts val="0"/>
+                        </a:spcBef>
+                        <a:spcAft>
+                          <a:spcPts val="0"/>
+                        </a:spcAft>
+                        <a:buClrTx/>
+                        <a:buSzTx/>
+                        <a:buFontTx/>
+                        <a:buNone/>
+                        <a:tabLst/>
+                        <a:defRPr/>
+                      </a:pPr>
+                      <a:endParaRPr lang="en-US" altLang="ko-KR" sz="1000" dirty="0">
+                        <a:solidFill>
+                          <a:schemeClr val="tx1">
+                            <a:lumMod val="50000"/>
+                            <a:lumOff val="50000"/>
+                          </a:schemeClr>
+                        </a:solidFill>
+                        <a:latin typeface="나눔고딕" panose="020D0604000000000000" pitchFamily="50" charset="-127"/>
+                        <a:ea typeface="나눔고딕" panose="020D0604000000000000" pitchFamily="50" charset="-127"/>
+                        <a:sym typeface="Wingdings" panose="05000000000000000000" pitchFamily="2" charset="2"/>
+                      </a:endParaRPr>
+                    </a:p>
+                    <a:p>
+                      <a:pPr marL="0" marR="0" indent="0" algn="l" defTabSz="914400" rtl="0" eaLnBrk="1" fontAlgn="auto" latinLnBrk="1" hangingPunct="1">
+                        <a:lnSpc>
+                          <a:spcPct val="150000"/>
+                        </a:lnSpc>
+                        <a:spcBef>
+                          <a:spcPts val="0"/>
+                        </a:spcBef>
+                        <a:spcAft>
+                          <a:spcPts val="0"/>
+                        </a:spcAft>
+                        <a:buClrTx/>
+                        <a:buSzTx/>
+                        <a:buFontTx/>
+                        <a:buNone/>
+                        <a:tabLst/>
+                        <a:defRPr/>
+                      </a:pPr>
+                      <a:r>
+                        <a:rPr lang="ko-KR" altLang="en-US" sz="1000" dirty="0">
+                          <a:solidFill>
+                            <a:schemeClr val="tx1">
+                              <a:lumMod val="50000"/>
+                              <a:lumOff val="50000"/>
+                            </a:schemeClr>
+                          </a:solidFill>
+                          <a:latin typeface="나눔고딕" panose="020D0604000000000000" pitchFamily="50" charset="-127"/>
+                          <a:ea typeface="나눔고딕" panose="020D0604000000000000" pitchFamily="50" charset="-127"/>
+                          <a:sym typeface="Wingdings" panose="05000000000000000000" pitchFamily="2" charset="2"/>
+                        </a:rPr>
+                        <a:t>이미지 파일 경로 </a:t>
+                      </a:r>
+                      <a:r>
+                        <a:rPr lang="en-US" altLang="ko-KR" sz="1000" dirty="0">
+                          <a:solidFill>
+                            <a:schemeClr val="tx1">
+                              <a:lumMod val="50000"/>
+                              <a:lumOff val="50000"/>
+                            </a:schemeClr>
+                          </a:solidFill>
+                          <a:latin typeface="나눔고딕" panose="020D0604000000000000" pitchFamily="50" charset="-127"/>
+                          <a:ea typeface="나눔고딕" panose="020D0604000000000000" pitchFamily="50" charset="-127"/>
+                          <a:sym typeface="Wingdings" panose="05000000000000000000" pitchFamily="2" charset="2"/>
+                        </a:rPr>
+                        <a:t>:</a:t>
+                      </a:r>
+                    </a:p>
+                    <a:p>
+                      <a:pPr marL="0" marR="0" indent="0" algn="l" defTabSz="914400" rtl="0" eaLnBrk="1" fontAlgn="auto" latinLnBrk="1" hangingPunct="1">
+                        <a:lnSpc>
+                          <a:spcPct val="150000"/>
+                        </a:lnSpc>
+                        <a:spcBef>
+                          <a:spcPts val="0"/>
+                        </a:spcBef>
+                        <a:spcAft>
+                          <a:spcPts val="0"/>
+                        </a:spcAft>
+                        <a:buClrTx/>
+                        <a:buSzTx/>
+                        <a:buFontTx/>
+                        <a:buNone/>
+                        <a:tabLst/>
+                        <a:defRPr/>
+                      </a:pPr>
+                      <a:r>
+                        <a:rPr lang="en-US" altLang="ko-KR" sz="1000" dirty="0">
+                          <a:solidFill>
+                            <a:schemeClr val="tx1">
+                              <a:lumMod val="50000"/>
+                              <a:lumOff val="50000"/>
+                            </a:schemeClr>
+                          </a:solidFill>
+                          <a:latin typeface="나눔고딕" panose="020D0604000000000000" pitchFamily="50" charset="-127"/>
+                          <a:ea typeface="나눔고딕" panose="020D0604000000000000" pitchFamily="50" charset="-127"/>
+                          <a:sym typeface="Wingdings" panose="05000000000000000000" pitchFamily="2" charset="2"/>
+                        </a:rPr>
+                        <a:t>mockup – source - tag.png</a:t>
+                      </a:r>
                     </a:p>
                   </a:txBody>
                   <a:tcPr anchor="ctr">
@@ -36378,10 +41484,331 @@
           </p:txBody>
         </p:sp>
       </p:grpSp>
+      <p:grpSp>
+        <p:nvGrpSpPr>
+          <p:cNvPr id="30" name="그룹 29">
+            <a:extLst>
+              <a:ext uri="{FF2B5EF4-FFF2-40B4-BE49-F238E27FC236}">
+                <a16:creationId xmlns:a16="http://schemas.microsoft.com/office/drawing/2014/main" id="{31C0DAAF-B7EC-462A-9B0D-2CC08526A096}"/>
+              </a:ext>
+            </a:extLst>
+          </p:cNvPr>
+          <p:cNvGrpSpPr/>
+          <p:nvPr/>
+        </p:nvGrpSpPr>
+        <p:grpSpPr>
+          <a:xfrm>
+            <a:off x="5588855" y="4332736"/>
+            <a:ext cx="388720" cy="200055"/>
+            <a:chOff x="4727047" y="5307508"/>
+            <a:chExt cx="388720" cy="200055"/>
+          </a:xfrm>
+        </p:grpSpPr>
+        <p:sp>
+          <p:nvSpPr>
+            <p:cNvPr id="31" name="타원 30">
+              <a:extLst>
+                <a:ext uri="{FF2B5EF4-FFF2-40B4-BE49-F238E27FC236}">
+                  <a16:creationId xmlns:a16="http://schemas.microsoft.com/office/drawing/2014/main" id="{5A3BB814-96CF-4022-8ED4-A81FD2F43195}"/>
+                </a:ext>
+              </a:extLst>
+            </p:cNvPr>
+            <p:cNvSpPr/>
+            <p:nvPr/>
+          </p:nvSpPr>
+          <p:spPr>
+            <a:xfrm>
+              <a:off x="4831407" y="5317535"/>
+              <a:ext cx="180000" cy="180000"/>
+            </a:xfrm>
+            <a:prstGeom prst="ellipse">
+              <a:avLst/>
+            </a:prstGeom>
+            <a:solidFill>
+              <a:srgbClr val="FF0000"/>
+            </a:solidFill>
+            <a:ln>
+              <a:noFill/>
+            </a:ln>
+            <a:effectLst>
+              <a:glow rad="50800">
+                <a:srgbClr val="FF0000">
+                  <a:alpha val="30000"/>
+                </a:srgbClr>
+              </a:glow>
+              <a:softEdge rad="0"/>
+            </a:effectLst>
+          </p:spPr>
+          <p:style>
+            <a:lnRef idx="2">
+              <a:schemeClr val="accent1">
+                <a:shade val="50000"/>
+              </a:schemeClr>
+            </a:lnRef>
+            <a:fillRef idx="1">
+              <a:schemeClr val="accent1"/>
+            </a:fillRef>
+            <a:effectRef idx="0">
+              <a:schemeClr val="accent1"/>
+            </a:effectRef>
+            <a:fontRef idx="minor">
+              <a:schemeClr val="lt1"/>
+            </a:fontRef>
+          </p:style>
+          <p:txBody>
+            <a:bodyPr rtlCol="0" anchor="ctr"/>
+            <a:lstStyle>
+              <a:defPPr>
+                <a:defRPr lang="ko-KR"/>
+              </a:defPPr>
+              <a:lvl1pPr marL="0" algn="l" defTabSz="713232" rtl="0" eaLnBrk="1" latinLnBrk="1" hangingPunct="1">
+                <a:defRPr sz="1404" kern="1200">
+                  <a:solidFill>
+                    <a:schemeClr val="lt1"/>
+                  </a:solidFill>
+                  <a:latin typeface="+mn-lt"/>
+                  <a:ea typeface="+mn-ea"/>
+                  <a:cs typeface="+mn-cs"/>
+                </a:defRPr>
+              </a:lvl1pPr>
+              <a:lvl2pPr marL="356616" algn="l" defTabSz="713232" rtl="0" eaLnBrk="1" latinLnBrk="1" hangingPunct="1">
+                <a:defRPr sz="1404" kern="1200">
+                  <a:solidFill>
+                    <a:schemeClr val="lt1"/>
+                  </a:solidFill>
+                  <a:latin typeface="+mn-lt"/>
+                  <a:ea typeface="+mn-ea"/>
+                  <a:cs typeface="+mn-cs"/>
+                </a:defRPr>
+              </a:lvl2pPr>
+              <a:lvl3pPr marL="713232" algn="l" defTabSz="713232" rtl="0" eaLnBrk="1" latinLnBrk="1" hangingPunct="1">
+                <a:defRPr sz="1404" kern="1200">
+                  <a:solidFill>
+                    <a:schemeClr val="lt1"/>
+                  </a:solidFill>
+                  <a:latin typeface="+mn-lt"/>
+                  <a:ea typeface="+mn-ea"/>
+                  <a:cs typeface="+mn-cs"/>
+                </a:defRPr>
+              </a:lvl3pPr>
+              <a:lvl4pPr marL="1069848" algn="l" defTabSz="713232" rtl="0" eaLnBrk="1" latinLnBrk="1" hangingPunct="1">
+                <a:defRPr sz="1404" kern="1200">
+                  <a:solidFill>
+                    <a:schemeClr val="lt1"/>
+                  </a:solidFill>
+                  <a:latin typeface="+mn-lt"/>
+                  <a:ea typeface="+mn-ea"/>
+                  <a:cs typeface="+mn-cs"/>
+                </a:defRPr>
+              </a:lvl4pPr>
+              <a:lvl5pPr marL="1426464" algn="l" defTabSz="713232" rtl="0" eaLnBrk="1" latinLnBrk="1" hangingPunct="1">
+                <a:defRPr sz="1404" kern="1200">
+                  <a:solidFill>
+                    <a:schemeClr val="lt1"/>
+                  </a:solidFill>
+                  <a:latin typeface="+mn-lt"/>
+                  <a:ea typeface="+mn-ea"/>
+                  <a:cs typeface="+mn-cs"/>
+                </a:defRPr>
+              </a:lvl5pPr>
+              <a:lvl6pPr marL="1783080" algn="l" defTabSz="713232" rtl="0" eaLnBrk="1" latinLnBrk="1" hangingPunct="1">
+                <a:defRPr sz="1404" kern="1200">
+                  <a:solidFill>
+                    <a:schemeClr val="lt1"/>
+                  </a:solidFill>
+                  <a:latin typeface="+mn-lt"/>
+                  <a:ea typeface="+mn-ea"/>
+                  <a:cs typeface="+mn-cs"/>
+                </a:defRPr>
+              </a:lvl6pPr>
+              <a:lvl7pPr marL="2139696" algn="l" defTabSz="713232" rtl="0" eaLnBrk="1" latinLnBrk="1" hangingPunct="1">
+                <a:defRPr sz="1404" kern="1200">
+                  <a:solidFill>
+                    <a:schemeClr val="lt1"/>
+                  </a:solidFill>
+                  <a:latin typeface="+mn-lt"/>
+                  <a:ea typeface="+mn-ea"/>
+                  <a:cs typeface="+mn-cs"/>
+                </a:defRPr>
+              </a:lvl7pPr>
+              <a:lvl8pPr marL="2496312" algn="l" defTabSz="713232" rtl="0" eaLnBrk="1" latinLnBrk="1" hangingPunct="1">
+                <a:defRPr sz="1404" kern="1200">
+                  <a:solidFill>
+                    <a:schemeClr val="lt1"/>
+                  </a:solidFill>
+                  <a:latin typeface="+mn-lt"/>
+                  <a:ea typeface="+mn-ea"/>
+                  <a:cs typeface="+mn-cs"/>
+                </a:defRPr>
+              </a:lvl8pPr>
+              <a:lvl9pPr marL="2852928" algn="l" defTabSz="713232" rtl="0" eaLnBrk="1" latinLnBrk="1" hangingPunct="1">
+                <a:defRPr sz="1404" kern="1200">
+                  <a:solidFill>
+                    <a:schemeClr val="lt1"/>
+                  </a:solidFill>
+                  <a:latin typeface="+mn-lt"/>
+                  <a:ea typeface="+mn-ea"/>
+                  <a:cs typeface="+mn-cs"/>
+                </a:defRPr>
+              </a:lvl9pPr>
+            </a:lstStyle>
+            <a:p>
+              <a:pPr algn="ctr"/>
+              <a:endParaRPr lang="ko-KR" altLang="en-US" sz="900">
+                <a:latin typeface="나눔고딕" panose="020D0604000000000000" pitchFamily="50" charset="-127"/>
+                <a:ea typeface="나눔고딕" panose="020D0604000000000000" pitchFamily="50" charset="-127"/>
+              </a:endParaRPr>
+            </a:p>
+          </p:txBody>
+        </p:sp>
+        <p:sp>
+          <p:nvSpPr>
+            <p:cNvPr id="32" name="TextBox 27">
+              <a:extLst>
+                <a:ext uri="{FF2B5EF4-FFF2-40B4-BE49-F238E27FC236}">
+                  <a16:creationId xmlns:a16="http://schemas.microsoft.com/office/drawing/2014/main" id="{DE97565F-0FF0-43A7-A09B-14D392224D88}"/>
+                </a:ext>
+              </a:extLst>
+            </p:cNvPr>
+            <p:cNvSpPr txBox="1"/>
+            <p:nvPr/>
+          </p:nvSpPr>
+          <p:spPr>
+            <a:xfrm>
+              <a:off x="4727047" y="5307508"/>
+              <a:ext cx="388720" cy="200055"/>
+            </a:xfrm>
+            <a:prstGeom prst="rect">
+              <a:avLst/>
+            </a:prstGeom>
+            <a:noFill/>
+          </p:spPr>
+          <p:txBody>
+            <a:bodyPr wrap="square" rtlCol="0">
+              <a:spAutoFit/>
+            </a:bodyPr>
+            <a:lstStyle>
+              <a:defPPr>
+                <a:defRPr lang="ko-KR"/>
+              </a:defPPr>
+              <a:lvl1pPr marL="0" algn="l" defTabSz="713232" rtl="0" eaLnBrk="1" latinLnBrk="1" hangingPunct="1">
+                <a:defRPr sz="1404" kern="1200">
+                  <a:solidFill>
+                    <a:schemeClr val="tx1"/>
+                  </a:solidFill>
+                  <a:latin typeface="+mn-lt"/>
+                  <a:ea typeface="+mn-ea"/>
+                  <a:cs typeface="+mn-cs"/>
+                </a:defRPr>
+              </a:lvl1pPr>
+              <a:lvl2pPr marL="356616" algn="l" defTabSz="713232" rtl="0" eaLnBrk="1" latinLnBrk="1" hangingPunct="1">
+                <a:defRPr sz="1404" kern="1200">
+                  <a:solidFill>
+                    <a:schemeClr val="tx1"/>
+                  </a:solidFill>
+                  <a:latin typeface="+mn-lt"/>
+                  <a:ea typeface="+mn-ea"/>
+                  <a:cs typeface="+mn-cs"/>
+                </a:defRPr>
+              </a:lvl2pPr>
+              <a:lvl3pPr marL="713232" algn="l" defTabSz="713232" rtl="0" eaLnBrk="1" latinLnBrk="1" hangingPunct="1">
+                <a:defRPr sz="1404" kern="1200">
+                  <a:solidFill>
+                    <a:schemeClr val="tx1"/>
+                  </a:solidFill>
+                  <a:latin typeface="+mn-lt"/>
+                  <a:ea typeface="+mn-ea"/>
+                  <a:cs typeface="+mn-cs"/>
+                </a:defRPr>
+              </a:lvl3pPr>
+              <a:lvl4pPr marL="1069848" algn="l" defTabSz="713232" rtl="0" eaLnBrk="1" latinLnBrk="1" hangingPunct="1">
+                <a:defRPr sz="1404" kern="1200">
+                  <a:solidFill>
+                    <a:schemeClr val="tx1"/>
+                  </a:solidFill>
+                  <a:latin typeface="+mn-lt"/>
+                  <a:ea typeface="+mn-ea"/>
+                  <a:cs typeface="+mn-cs"/>
+                </a:defRPr>
+              </a:lvl4pPr>
+              <a:lvl5pPr marL="1426464" algn="l" defTabSz="713232" rtl="0" eaLnBrk="1" latinLnBrk="1" hangingPunct="1">
+                <a:defRPr sz="1404" kern="1200">
+                  <a:solidFill>
+                    <a:schemeClr val="tx1"/>
+                  </a:solidFill>
+                  <a:latin typeface="+mn-lt"/>
+                  <a:ea typeface="+mn-ea"/>
+                  <a:cs typeface="+mn-cs"/>
+                </a:defRPr>
+              </a:lvl5pPr>
+              <a:lvl6pPr marL="1783080" algn="l" defTabSz="713232" rtl="0" eaLnBrk="1" latinLnBrk="1" hangingPunct="1">
+                <a:defRPr sz="1404" kern="1200">
+                  <a:solidFill>
+                    <a:schemeClr val="tx1"/>
+                  </a:solidFill>
+                  <a:latin typeface="+mn-lt"/>
+                  <a:ea typeface="+mn-ea"/>
+                  <a:cs typeface="+mn-cs"/>
+                </a:defRPr>
+              </a:lvl6pPr>
+              <a:lvl7pPr marL="2139696" algn="l" defTabSz="713232" rtl="0" eaLnBrk="1" latinLnBrk="1" hangingPunct="1">
+                <a:defRPr sz="1404" kern="1200">
+                  <a:solidFill>
+                    <a:schemeClr val="tx1"/>
+                  </a:solidFill>
+                  <a:latin typeface="+mn-lt"/>
+                  <a:ea typeface="+mn-ea"/>
+                  <a:cs typeface="+mn-cs"/>
+                </a:defRPr>
+              </a:lvl7pPr>
+              <a:lvl8pPr marL="2496312" algn="l" defTabSz="713232" rtl="0" eaLnBrk="1" latinLnBrk="1" hangingPunct="1">
+                <a:defRPr sz="1404" kern="1200">
+                  <a:solidFill>
+                    <a:schemeClr val="tx1"/>
+                  </a:solidFill>
+                  <a:latin typeface="+mn-lt"/>
+                  <a:ea typeface="+mn-ea"/>
+                  <a:cs typeface="+mn-cs"/>
+                </a:defRPr>
+              </a:lvl8pPr>
+              <a:lvl9pPr marL="2852928" algn="l" defTabSz="713232" rtl="0" eaLnBrk="1" latinLnBrk="1" hangingPunct="1">
+                <a:defRPr sz="1404" kern="1200">
+                  <a:solidFill>
+                    <a:schemeClr val="tx1"/>
+                  </a:solidFill>
+                  <a:latin typeface="+mn-lt"/>
+                  <a:ea typeface="+mn-ea"/>
+                  <a:cs typeface="+mn-cs"/>
+                </a:defRPr>
+              </a:lvl9pPr>
+            </a:lstStyle>
+            <a:p>
+              <a:pPr algn="ctr"/>
+              <a:r>
+                <a:rPr lang="en-US" altLang="ko-KR" sz="700" b="1" dirty="0">
+                  <a:solidFill>
+                    <a:schemeClr val="bg1"/>
+                  </a:solidFill>
+                  <a:latin typeface="나눔고딕" panose="020D0604000000000000" pitchFamily="50" charset="-127"/>
+                  <a:ea typeface="나눔고딕" panose="020D0604000000000000" pitchFamily="50" charset="-127"/>
+                </a:rPr>
+                <a:t>8</a:t>
+              </a:r>
+              <a:endParaRPr lang="ko-KR" altLang="en-US" sz="700" b="1" dirty="0">
+                <a:solidFill>
+                  <a:schemeClr val="bg1"/>
+                </a:solidFill>
+                <a:latin typeface="나눔고딕" panose="020D0604000000000000" pitchFamily="50" charset="-127"/>
+                <a:ea typeface="나눔고딕" panose="020D0604000000000000" pitchFamily="50" charset="-127"/>
+              </a:endParaRPr>
+            </a:p>
+          </p:txBody>
+        </p:sp>
+      </p:grpSp>
     </p:spTree>
     <p:extLst>
       <p:ext uri="{BB962C8B-B14F-4D97-AF65-F5344CB8AC3E}">
-        <p14:creationId xmlns:p14="http://schemas.microsoft.com/office/powerpoint/2010/main" val="2725014865"/>
+        <p14:creationId xmlns:p14="http://schemas.microsoft.com/office/powerpoint/2010/main" val="1404714705"/>
       </p:ext>
     </p:extLst>
   </p:cSld>
@@ -36601,14 +42028,14 @@
           <p:nvPr>
             <p:extLst>
               <p:ext uri="{D42A27DB-BD31-4B8C-83A1-F6EECF244321}">
-                <p14:modId xmlns:p14="http://schemas.microsoft.com/office/powerpoint/2010/main" val="2974722802"/>
+                <p14:modId xmlns:p14="http://schemas.microsoft.com/office/powerpoint/2010/main" val="3801403894"/>
               </p:ext>
             </p:extLst>
           </p:nvPr>
         </p:nvGraphicFramePr>
         <p:xfrm>
-          <a:off x="8196728" y="0"/>
-          <a:ext cx="3995272" cy="8638101"/>
+          <a:off x="8196728" y="1"/>
+          <a:ext cx="3995272" cy="7608593"/>
         </p:xfrm>
         <a:graphic>
           <a:graphicData uri="http://schemas.openxmlformats.org/drawingml/2006/table">
@@ -36632,7 +42059,7 @@
                   </a:extLst>
                 </a:gridCol>
               </a:tblGrid>
-              <a:tr h="244354">
+              <a:tr h="158405">
                 <a:tc gridSpan="2">
                   <a:txBody>
                     <a:bodyPr/>
@@ -36815,7 +42242,7 @@
                   </a:ext>
                 </a:extLst>
               </a:tr>
-              <a:tr h="699191">
+              <a:tr h="453259">
                 <a:tc>
                   <a:txBody>
                     <a:bodyPr/>
@@ -37003,7 +42430,7 @@
                   </a:ext>
                 </a:extLst>
               </a:tr>
-              <a:tr h="496806">
+              <a:tr h="1090447">
                 <a:tc>
                   <a:txBody>
                     <a:bodyPr/>
@@ -37385,7 +42812,7 @@
                   </a:ext>
                 </a:extLst>
               </a:tr>
-              <a:tr h="496806">
+              <a:tr h="322061">
                 <a:tc>
                   <a:txBody>
                     <a:bodyPr/>
@@ -37566,7 +42993,7 @@
                   </a:ext>
                 </a:extLst>
               </a:tr>
-              <a:tr h="495520">
+              <a:tr h="396263">
                 <a:tc>
                   <a:txBody>
                     <a:bodyPr/>
@@ -37807,7 +43234,7 @@
                   </a:ext>
                 </a:extLst>
               </a:tr>
-              <a:tr h="495520">
+              <a:tr h="743355">
                 <a:tc>
                   <a:txBody>
                     <a:bodyPr/>
@@ -38137,7 +43564,7 @@
                   </a:ext>
                 </a:extLst>
               </a:tr>
-              <a:tr h="495520">
+              <a:tr h="396263">
                 <a:tc>
                   <a:txBody>
                     <a:bodyPr/>
@@ -38393,7 +43820,7 @@
                   </a:ext>
                 </a:extLst>
               </a:tr>
-              <a:tr h="495520">
+              <a:tr h="916901">
                 <a:tc>
                   <a:txBody>
                     <a:bodyPr/>
@@ -38828,7 +44255,7 @@
                   </a:ext>
                 </a:extLst>
               </a:tr>
-              <a:tr h="495520">
+              <a:tr h="396263">
                 <a:tc>
                   <a:txBody>
                     <a:bodyPr/>
@@ -39123,7 +44550,7 @@
                   </a:ext>
                 </a:extLst>
               </a:tr>
-              <a:tr h="495520">
+              <a:tr h="396263">
                 <a:tc>
                   <a:txBody>
                     <a:bodyPr/>
@@ -39362,7 +44789,7 @@
                   </a:ext>
                 </a:extLst>
               </a:tr>
-              <a:tr h="495520">
+              <a:tr h="321226">
                 <a:tc>
                   <a:txBody>
                     <a:bodyPr/>
@@ -39543,7 +44970,7 @@
                   </a:ext>
                 </a:extLst>
               </a:tr>
-              <a:tr h="495520">
+              <a:tr h="321226">
                 <a:tc>
                   <a:txBody>
                     <a:bodyPr/>
@@ -39724,7 +45151,7 @@
                   </a:ext>
                 </a:extLst>
               </a:tr>
-              <a:tr h="495520">
+              <a:tr h="321226">
                 <a:tc>
                   <a:txBody>
                     <a:bodyPr/>
